--- a/答辩.pptx
+++ b/答辩.pptx
@@ -19,6 +19,12 @@
     <p:sldId id="267" r:id="rId13"/>
     <p:sldId id="268" r:id="rId14"/>
     <p:sldId id="269" r:id="rId15"/>
+    <p:sldId id="272" r:id="rId16"/>
+    <p:sldId id="270" r:id="rId17"/>
+    <p:sldId id="271" r:id="rId18"/>
+    <p:sldId id="275" r:id="rId19"/>
+    <p:sldId id="273" r:id="rId20"/>
+    <p:sldId id="274" r:id="rId21"/>
   </p:sldIdLst>
   <p:sldSz cx="12192000" cy="6858000"/>
   <p:notesSz cx="6858000" cy="9144000"/>
@@ -272,7 +278,7 @@
           <a:p>
             <a:fld id="{24F3A1B9-0FC3-40F3-AA78-E81BAFA85256}" type="datetimeFigureOut">
               <a:rPr lang="zh-CN" altLang="en-US" smtClean="0"/>
-              <a:t>2019/8/18</a:t>
+              <a:t>2019/8/22</a:t>
             </a:fld>
             <a:endParaRPr lang="zh-CN" altLang="en-US"/>
           </a:p>
@@ -470,7 +476,7 @@
           <a:p>
             <a:fld id="{24F3A1B9-0FC3-40F3-AA78-E81BAFA85256}" type="datetimeFigureOut">
               <a:rPr lang="zh-CN" altLang="en-US" smtClean="0"/>
-              <a:t>2019/8/18</a:t>
+              <a:t>2019/8/22</a:t>
             </a:fld>
             <a:endParaRPr lang="zh-CN" altLang="en-US"/>
           </a:p>
@@ -678,7 +684,7 @@
           <a:p>
             <a:fld id="{24F3A1B9-0FC3-40F3-AA78-E81BAFA85256}" type="datetimeFigureOut">
               <a:rPr lang="zh-CN" altLang="en-US" smtClean="0"/>
-              <a:t>2019/8/18</a:t>
+              <a:t>2019/8/22</a:t>
             </a:fld>
             <a:endParaRPr lang="zh-CN" altLang="en-US"/>
           </a:p>
@@ -876,7 +882,7 @@
           <a:p>
             <a:fld id="{24F3A1B9-0FC3-40F3-AA78-E81BAFA85256}" type="datetimeFigureOut">
               <a:rPr lang="zh-CN" altLang="en-US" smtClean="0"/>
-              <a:t>2019/8/18</a:t>
+              <a:t>2019/8/22</a:t>
             </a:fld>
             <a:endParaRPr lang="zh-CN" altLang="en-US"/>
           </a:p>
@@ -1151,7 +1157,7 @@
           <a:p>
             <a:fld id="{24F3A1B9-0FC3-40F3-AA78-E81BAFA85256}" type="datetimeFigureOut">
               <a:rPr lang="zh-CN" altLang="en-US" smtClean="0"/>
-              <a:t>2019/8/18</a:t>
+              <a:t>2019/8/22</a:t>
             </a:fld>
             <a:endParaRPr lang="zh-CN" altLang="en-US"/>
           </a:p>
@@ -1416,7 +1422,7 @@
           <a:p>
             <a:fld id="{24F3A1B9-0FC3-40F3-AA78-E81BAFA85256}" type="datetimeFigureOut">
               <a:rPr lang="zh-CN" altLang="en-US" smtClean="0"/>
-              <a:t>2019/8/18</a:t>
+              <a:t>2019/8/22</a:t>
             </a:fld>
             <a:endParaRPr lang="zh-CN" altLang="en-US"/>
           </a:p>
@@ -1828,7 +1834,7 @@
           <a:p>
             <a:fld id="{24F3A1B9-0FC3-40F3-AA78-E81BAFA85256}" type="datetimeFigureOut">
               <a:rPr lang="zh-CN" altLang="en-US" smtClean="0"/>
-              <a:t>2019/8/18</a:t>
+              <a:t>2019/8/22</a:t>
             </a:fld>
             <a:endParaRPr lang="zh-CN" altLang="en-US"/>
           </a:p>
@@ -1969,7 +1975,7 @@
           <a:p>
             <a:fld id="{24F3A1B9-0FC3-40F3-AA78-E81BAFA85256}" type="datetimeFigureOut">
               <a:rPr lang="zh-CN" altLang="en-US" smtClean="0"/>
-              <a:t>2019/8/18</a:t>
+              <a:t>2019/8/22</a:t>
             </a:fld>
             <a:endParaRPr lang="zh-CN" altLang="en-US"/>
           </a:p>
@@ -2082,7 +2088,7 @@
           <a:p>
             <a:fld id="{24F3A1B9-0FC3-40F3-AA78-E81BAFA85256}" type="datetimeFigureOut">
               <a:rPr lang="zh-CN" altLang="en-US" smtClean="0"/>
-              <a:t>2019/8/18</a:t>
+              <a:t>2019/8/22</a:t>
             </a:fld>
             <a:endParaRPr lang="zh-CN" altLang="en-US"/>
           </a:p>
@@ -2393,7 +2399,7 @@
           <a:p>
             <a:fld id="{24F3A1B9-0FC3-40F3-AA78-E81BAFA85256}" type="datetimeFigureOut">
               <a:rPr lang="zh-CN" altLang="en-US" smtClean="0"/>
-              <a:t>2019/8/18</a:t>
+              <a:t>2019/8/22</a:t>
             </a:fld>
             <a:endParaRPr lang="zh-CN" altLang="en-US"/>
           </a:p>
@@ -2681,7 +2687,7 @@
           <a:p>
             <a:fld id="{24F3A1B9-0FC3-40F3-AA78-E81BAFA85256}" type="datetimeFigureOut">
               <a:rPr lang="zh-CN" altLang="en-US" smtClean="0"/>
-              <a:t>2019/8/18</a:t>
+              <a:t>2019/8/22</a:t>
             </a:fld>
             <a:endParaRPr lang="zh-CN" altLang="en-US"/>
           </a:p>
@@ -2922,7 +2928,7 @@
           <a:p>
             <a:fld id="{24F3A1B9-0FC3-40F3-AA78-E81BAFA85256}" type="datetimeFigureOut">
               <a:rPr lang="zh-CN" altLang="en-US" smtClean="0"/>
-              <a:t>2019/8/18</a:t>
+              <a:t>2019/8/22</a:t>
             </a:fld>
             <a:endParaRPr lang="zh-CN" altLang="en-US"/>
           </a:p>
@@ -4377,6 +4383,4593 @@
 </p:sld>
 </file>
 
+<file path=ppt/slides/slide15.xml><?xml version="1.0" encoding="utf-8"?>
+<p:sld xmlns:a="http://schemas.openxmlformats.org/drawingml/2006/main" xmlns:r="http://schemas.openxmlformats.org/officeDocument/2006/relationships" xmlns:p="http://schemas.openxmlformats.org/presentationml/2006/main">
+  <p:cSld>
+    <p:spTree>
+      <p:nvGrpSpPr>
+        <p:cNvPr id="1" name=""/>
+        <p:cNvGrpSpPr/>
+        <p:nvPr/>
+      </p:nvGrpSpPr>
+      <p:grpSpPr>
+        <a:xfrm>
+          <a:off x="0" y="0"/>
+          <a:ext cx="0" cy="0"/>
+          <a:chOff x="0" y="0"/>
+          <a:chExt cx="0" cy="0"/>
+        </a:xfrm>
+      </p:grpSpPr>
+      <p:sp>
+        <p:nvSpPr>
+          <p:cNvPr id="2" name="标题 1">
+            <a:extLst>
+              <a:ext uri="{FF2B5EF4-FFF2-40B4-BE49-F238E27FC236}">
+                <a16:creationId xmlns:a16="http://schemas.microsoft.com/office/drawing/2014/main" id="{6271AB6D-299E-4833-802C-484D9A02E3D5}"/>
+              </a:ext>
+            </a:extLst>
+          </p:cNvPr>
+          <p:cNvSpPr>
+            <a:spLocks noGrp="1"/>
+          </p:cNvSpPr>
+          <p:nvPr>
+            <p:ph type="title"/>
+          </p:nvPr>
+        </p:nvSpPr>
+        <p:spPr/>
+        <p:txBody>
+          <a:bodyPr/>
+          <a:lstStyle/>
+          <a:p>
+            <a:r>
+              <a:rPr lang="zh-CN" altLang="en-US" dirty="0"/>
+              <a:t>第</a:t>
+            </a:r>
+            <a:r>
+              <a:rPr lang="en-US" altLang="zh-CN" dirty="0"/>
+              <a:t>16,17</a:t>
+            </a:r>
+            <a:r>
+              <a:rPr lang="zh-CN" altLang="en-US" dirty="0"/>
+              <a:t>页缩减为</a:t>
+            </a:r>
+            <a:r>
+              <a:rPr lang="en-US" altLang="zh-CN" dirty="0"/>
+              <a:t>1</a:t>
+            </a:r>
+            <a:r>
+              <a:rPr lang="zh-CN" altLang="en-US" dirty="0"/>
+              <a:t>页</a:t>
+            </a:r>
+          </a:p>
+        </p:txBody>
+      </p:sp>
+      <p:sp>
+        <p:nvSpPr>
+          <p:cNvPr id="3" name="内容占位符 2">
+            <a:extLst>
+              <a:ext uri="{FF2B5EF4-FFF2-40B4-BE49-F238E27FC236}">
+                <a16:creationId xmlns:a16="http://schemas.microsoft.com/office/drawing/2014/main" id="{94E8B268-BF7C-4EFC-B1BB-F03A1C901D85}"/>
+              </a:ext>
+            </a:extLst>
+          </p:cNvPr>
+          <p:cNvSpPr>
+            <a:spLocks noGrp="1"/>
+          </p:cNvSpPr>
+          <p:nvPr>
+            <p:ph idx="1"/>
+          </p:nvPr>
+        </p:nvSpPr>
+        <p:spPr>
+          <a:xfrm>
+            <a:off x="838199" y="1825625"/>
+            <a:ext cx="10982325" cy="4889500"/>
+          </a:xfrm>
+        </p:spPr>
+        <p:txBody>
+          <a:bodyPr>
+            <a:normAutofit lnSpcReduction="10000"/>
+          </a:bodyPr>
+          <a:lstStyle/>
+          <a:p>
+            <a:r>
+              <a:rPr lang="zh-CN" altLang="en-US" dirty="0"/>
+              <a:t>若一个类或其任何父类自定义了</a:t>
+            </a:r>
+            <a:r>
+              <a:rPr lang="en-US" altLang="zh-CN" dirty="0" err="1"/>
+              <a:t>writeObject</a:t>
+            </a:r>
+            <a:r>
+              <a:rPr lang="en-US" altLang="zh-CN" dirty="0"/>
+              <a:t>, </a:t>
+            </a:r>
+            <a:r>
+              <a:rPr lang="en-US" altLang="zh-CN" dirty="0" err="1"/>
+              <a:t>readObject</a:t>
+            </a:r>
+            <a:r>
+              <a:rPr lang="zh-CN" altLang="en-US" dirty="0"/>
+              <a:t>，使用</a:t>
+            </a:r>
+            <a:r>
+              <a:rPr lang="en-US" altLang="zh-CN" dirty="0" err="1"/>
+              <a:t>JavaSerializer</a:t>
+            </a:r>
+            <a:endParaRPr lang="en-US" altLang="zh-CN" dirty="0"/>
+          </a:p>
+          <a:p>
+            <a:r>
+              <a:rPr lang="zh-CN" altLang="en-US" dirty="0"/>
+              <a:t>限制使用</a:t>
+            </a:r>
+            <a:r>
+              <a:rPr lang="en-US" altLang="zh-CN" dirty="0" err="1"/>
+              <a:t>kryo</a:t>
+            </a:r>
+            <a:r>
+              <a:rPr lang="zh-CN" altLang="en-US" dirty="0"/>
+              <a:t>的默认</a:t>
+            </a:r>
+            <a:r>
+              <a:rPr lang="en-US" altLang="zh-CN" dirty="0"/>
+              <a:t>Serializer</a:t>
+            </a:r>
+            <a:r>
+              <a:rPr lang="zh-CN" altLang="en-US" dirty="0"/>
+              <a:t>。暂且认为</a:t>
+            </a:r>
+            <a:r>
+              <a:rPr lang="en-US" altLang="zh-CN" dirty="0" err="1"/>
+              <a:t>Kryo</a:t>
+            </a:r>
+            <a:r>
+              <a:rPr lang="zh-CN" altLang="en-US" dirty="0"/>
+              <a:t>的内部</a:t>
+            </a:r>
+            <a:r>
+              <a:rPr lang="en-US" altLang="zh-CN" dirty="0"/>
+              <a:t>Serializer, </a:t>
+            </a:r>
+            <a:r>
+              <a:rPr lang="zh-CN" altLang="en-US" dirty="0"/>
+              <a:t>如</a:t>
+            </a:r>
+            <a:r>
+              <a:rPr lang="en-US" altLang="zh-CN" dirty="0" err="1"/>
+              <a:t>MapSerializer</a:t>
+            </a:r>
+            <a:r>
+              <a:rPr lang="en-US" altLang="zh-CN" dirty="0"/>
+              <a:t>,</a:t>
+            </a:r>
+            <a:r>
+              <a:rPr lang="zh-CN" altLang="en-US" dirty="0"/>
+              <a:t> 对</a:t>
+            </a:r>
+            <a:r>
+              <a:rPr lang="en-US" altLang="zh-CN" dirty="0" err="1"/>
+              <a:t>jdk</a:t>
+            </a:r>
+            <a:r>
+              <a:rPr lang="zh-CN" altLang="en-US" dirty="0"/>
+              <a:t>内部的类都是正确的。则认为外部的都用</a:t>
+            </a:r>
+            <a:r>
+              <a:rPr lang="en-US" altLang="zh-CN" dirty="0" err="1"/>
+              <a:t>JavaSerializer</a:t>
+            </a:r>
+            <a:endParaRPr lang="en-US" altLang="zh-CN" dirty="0"/>
+          </a:p>
+          <a:p>
+            <a:endParaRPr lang="en-US" altLang="zh-CN" dirty="0"/>
+          </a:p>
+          <a:p>
+            <a:r>
+              <a:rPr lang="zh-CN" altLang="en-US" dirty="0"/>
+              <a:t>问题：</a:t>
+            </a:r>
+            <a:endParaRPr lang="en-US" altLang="zh-CN" dirty="0"/>
+          </a:p>
+          <a:p>
+            <a:r>
+              <a:rPr lang="zh-CN" altLang="en-US" dirty="0"/>
+              <a:t>大量的类要使用</a:t>
+            </a:r>
+            <a:r>
+              <a:rPr lang="en-US" altLang="zh-CN" dirty="0" err="1"/>
+              <a:t>JavaSerializer</a:t>
+            </a:r>
+            <a:r>
+              <a:rPr lang="en-US" altLang="zh-CN" dirty="0"/>
+              <a:t>,</a:t>
+            </a:r>
+            <a:r>
+              <a:rPr lang="zh-CN" altLang="en-US" dirty="0"/>
+              <a:t> 结果反而更差</a:t>
+            </a:r>
+            <a:endParaRPr lang="en-US" altLang="zh-CN" dirty="0"/>
+          </a:p>
+          <a:p>
+            <a:r>
+              <a:rPr lang="zh-CN" altLang="en-US" dirty="0"/>
+              <a:t>处理不具有通用性，假设也是不成立的，仅仅对</a:t>
+            </a:r>
+            <a:r>
+              <a:rPr lang="en-US" altLang="zh-CN" dirty="0" err="1"/>
+              <a:t>SPECjbb</a:t>
+            </a:r>
+            <a:r>
+              <a:rPr lang="zh-CN" altLang="en-US" dirty="0"/>
+              <a:t>有效</a:t>
+            </a:r>
+            <a:endParaRPr lang="en-US" altLang="zh-CN" dirty="0"/>
+          </a:p>
+          <a:p>
+            <a:r>
+              <a:rPr lang="zh-CN" altLang="en-US" dirty="0"/>
+              <a:t>思考： 既要使用</a:t>
+            </a:r>
+            <a:r>
+              <a:rPr lang="en-US" altLang="zh-CN" dirty="0" err="1"/>
+              <a:t>Kryo</a:t>
+            </a:r>
+            <a:r>
+              <a:rPr lang="zh-CN" altLang="en-US" dirty="0"/>
+              <a:t>的</a:t>
+            </a:r>
+            <a:r>
+              <a:rPr lang="en-US" altLang="zh-CN" dirty="0"/>
+              <a:t>Serializer</a:t>
+            </a:r>
+            <a:r>
+              <a:rPr lang="zh-CN" altLang="en-US" dirty="0"/>
+              <a:t>，又能正确序列化</a:t>
+            </a:r>
+            <a:r>
+              <a:rPr lang="en-US" altLang="zh-CN" dirty="0"/>
+              <a:t>---》</a:t>
+            </a:r>
+            <a:r>
+              <a:rPr lang="zh-CN" altLang="en-US" dirty="0"/>
+              <a:t>借鉴</a:t>
+            </a:r>
+            <a:r>
+              <a:rPr lang="en-US" altLang="zh-CN" dirty="0" err="1"/>
+              <a:t>jdk</a:t>
+            </a:r>
+            <a:r>
+              <a:rPr lang="zh-CN" altLang="en-US" dirty="0"/>
+              <a:t>序列化</a:t>
+            </a:r>
+            <a:r>
+              <a:rPr lang="en-US" altLang="zh-CN" dirty="0"/>
+              <a:t>---》</a:t>
+            </a:r>
+            <a:r>
+              <a:rPr lang="zh-CN" altLang="en-US" dirty="0"/>
+              <a:t>修改</a:t>
+            </a:r>
+            <a:r>
+              <a:rPr lang="en-US" altLang="zh-CN" dirty="0" err="1"/>
+              <a:t>FieldSerializer</a:t>
+            </a:r>
+            <a:r>
+              <a:rPr lang="zh-CN" altLang="en-US" dirty="0"/>
+              <a:t>的逻辑</a:t>
+            </a:r>
+            <a:endParaRPr lang="en-US" altLang="zh-CN" dirty="0"/>
+          </a:p>
+        </p:txBody>
+      </p:sp>
+      <p:pic>
+        <p:nvPicPr>
+          <p:cNvPr id="5" name="图片 4">
+            <a:extLst>
+              <a:ext uri="{FF2B5EF4-FFF2-40B4-BE49-F238E27FC236}">
+                <a16:creationId xmlns:a16="http://schemas.microsoft.com/office/drawing/2014/main" id="{F99CF001-D501-4184-8870-47185EEF9E02}"/>
+              </a:ext>
+            </a:extLst>
+          </p:cNvPr>
+          <p:cNvPicPr>
+            <a:picLocks noChangeAspect="1"/>
+          </p:cNvPicPr>
+          <p:nvPr/>
+        </p:nvPicPr>
+        <p:blipFill>
+          <a:blip r:embed="rId2">
+            <a:extLst>
+              <a:ext uri="{28A0092B-C50C-407E-A947-70E740481C1C}">
+                <a14:useLocalDpi xmlns:a14="http://schemas.microsoft.com/office/drawing/2010/main" val="0"/>
+              </a:ext>
+            </a:extLst>
+          </a:blip>
+          <a:stretch>
+            <a:fillRect/>
+          </a:stretch>
+        </p:blipFill>
+        <p:spPr>
+          <a:xfrm>
+            <a:off x="7828458" y="3429000"/>
+            <a:ext cx="4168555" cy="1428798"/>
+          </a:xfrm>
+          <a:prstGeom prst="rect">
+            <a:avLst/>
+          </a:prstGeom>
+        </p:spPr>
+      </p:pic>
+    </p:spTree>
+    <p:extLst>
+      <p:ext uri="{BB962C8B-B14F-4D97-AF65-F5344CB8AC3E}">
+        <p14:creationId xmlns:p14="http://schemas.microsoft.com/office/powerpoint/2010/main" val="1459032560"/>
+      </p:ext>
+    </p:extLst>
+  </p:cSld>
+  <p:clrMapOvr>
+    <a:masterClrMapping/>
+  </p:clrMapOvr>
+</p:sld>
+</file>
+
+<file path=ppt/slides/slide16.xml><?xml version="1.0" encoding="utf-8"?>
+<p:sld xmlns:a="http://schemas.openxmlformats.org/drawingml/2006/main" xmlns:r="http://schemas.openxmlformats.org/officeDocument/2006/relationships" xmlns:p="http://schemas.openxmlformats.org/presentationml/2006/main">
+  <p:cSld>
+    <p:spTree>
+      <p:nvGrpSpPr>
+        <p:cNvPr id="1" name=""/>
+        <p:cNvGrpSpPr/>
+        <p:nvPr/>
+      </p:nvGrpSpPr>
+      <p:grpSpPr>
+        <a:xfrm>
+          <a:off x="0" y="0"/>
+          <a:ext cx="0" cy="0"/>
+          <a:chOff x="0" y="0"/>
+          <a:chExt cx="0" cy="0"/>
+        </a:xfrm>
+      </p:grpSpPr>
+      <p:sp>
+        <p:nvSpPr>
+          <p:cNvPr id="2" name="标题 1">
+            <a:extLst>
+              <a:ext uri="{FF2B5EF4-FFF2-40B4-BE49-F238E27FC236}">
+                <a16:creationId xmlns:a16="http://schemas.microsoft.com/office/drawing/2014/main" id="{E18C8E73-2BE4-4BDE-B285-A515743E2476}"/>
+              </a:ext>
+            </a:extLst>
+          </p:cNvPr>
+          <p:cNvSpPr>
+            <a:spLocks noGrp="1"/>
+          </p:cNvSpPr>
+          <p:nvPr>
+            <p:ph type="title"/>
+          </p:nvPr>
+        </p:nvSpPr>
+        <p:spPr/>
+        <p:txBody>
+          <a:bodyPr/>
+          <a:lstStyle/>
+          <a:p>
+            <a:r>
+              <a:rPr lang="zh-CN" altLang="en-US" dirty="0"/>
+              <a:t>第</a:t>
+            </a:r>
+            <a:r>
+              <a:rPr lang="en-US" altLang="zh-CN" dirty="0"/>
+              <a:t>19</a:t>
+            </a:r>
+            <a:r>
+              <a:rPr lang="zh-CN" altLang="en-US" dirty="0"/>
+              <a:t>页</a:t>
+            </a:r>
+          </a:p>
+        </p:txBody>
+      </p:sp>
+      <p:sp>
+        <p:nvSpPr>
+          <p:cNvPr id="3" name="内容占位符 2">
+            <a:extLst>
+              <a:ext uri="{FF2B5EF4-FFF2-40B4-BE49-F238E27FC236}">
+                <a16:creationId xmlns:a16="http://schemas.microsoft.com/office/drawing/2014/main" id="{3BC22B59-8D1B-4B0A-913C-25325B6AD605}"/>
+              </a:ext>
+            </a:extLst>
+          </p:cNvPr>
+          <p:cNvSpPr>
+            <a:spLocks noGrp="1"/>
+          </p:cNvSpPr>
+          <p:nvPr>
+            <p:ph idx="1"/>
+          </p:nvPr>
+        </p:nvSpPr>
+        <p:spPr>
+          <a:xfrm>
+            <a:off x="838200" y="1825625"/>
+            <a:ext cx="10515600" cy="4667250"/>
+          </a:xfrm>
+        </p:spPr>
+        <p:txBody>
+          <a:bodyPr/>
+          <a:lstStyle/>
+          <a:p>
+            <a:r>
+              <a:rPr lang="zh-CN" altLang="en-US" dirty="0"/>
+              <a:t>想法</a:t>
+            </a:r>
+            <a:r>
+              <a:rPr lang="en-US" altLang="zh-CN" dirty="0"/>
+              <a:t>1</a:t>
+            </a:r>
+            <a:r>
+              <a:rPr lang="zh-CN" altLang="en-US" dirty="0"/>
+              <a:t>：</a:t>
+            </a:r>
+            <a:endParaRPr lang="en-US" altLang="zh-CN" dirty="0"/>
+          </a:p>
+          <a:p>
+            <a:r>
+              <a:rPr lang="zh-CN" altLang="en-US" dirty="0"/>
+              <a:t>直接写当前对象</a:t>
+            </a:r>
+            <a:endParaRPr lang="en-US" altLang="zh-CN" dirty="0"/>
+          </a:p>
+          <a:p>
+            <a:r>
+              <a:rPr lang="en-US" altLang="zh-CN" dirty="0" err="1"/>
+              <a:t>this.kryo.writeObject</a:t>
+            </a:r>
+            <a:r>
+              <a:rPr lang="en-US" altLang="zh-CN" dirty="0"/>
+              <a:t>(output, object, </a:t>
+            </a:r>
+            <a:r>
+              <a:rPr lang="en-US" altLang="zh-CN" dirty="0" err="1"/>
+              <a:t>parentSerializer</a:t>
+            </a:r>
+            <a:r>
+              <a:rPr lang="en-US" altLang="zh-CN" dirty="0"/>
+              <a:t>)</a:t>
+            </a:r>
+          </a:p>
+          <a:p>
+            <a:r>
+              <a:rPr lang="zh-CN" altLang="en-US" dirty="0"/>
+              <a:t>之前已经调用过</a:t>
+            </a:r>
+            <a:r>
+              <a:rPr lang="en-US" altLang="zh-CN" dirty="0" err="1"/>
+              <a:t>this.kryo.writeObject</a:t>
+            </a:r>
+            <a:r>
+              <a:rPr lang="en-US" altLang="zh-CN" dirty="0"/>
+              <a:t>(output, object, </a:t>
+            </a:r>
+            <a:r>
+              <a:rPr lang="en-US" altLang="zh-CN" dirty="0" err="1"/>
+              <a:t>serialzier</a:t>
+            </a:r>
+            <a:r>
+              <a:rPr lang="en-US" altLang="zh-CN" dirty="0"/>
+              <a:t>)</a:t>
+            </a:r>
+          </a:p>
+          <a:p>
+            <a:endParaRPr lang="en-US" altLang="zh-CN" dirty="0"/>
+          </a:p>
+          <a:p>
+            <a:endParaRPr lang="en-US" altLang="zh-CN" dirty="0"/>
+          </a:p>
+          <a:p>
+            <a:endParaRPr lang="en-US" altLang="zh-CN" dirty="0"/>
+          </a:p>
+          <a:p>
+            <a:r>
+              <a:rPr lang="zh-CN" altLang="en-US" dirty="0"/>
+              <a:t>思考，获取父类对象，充分利用</a:t>
+            </a:r>
+            <a:r>
+              <a:rPr lang="en-US" altLang="zh-CN" dirty="0" err="1"/>
+              <a:t>kryo</a:t>
+            </a:r>
+            <a:r>
+              <a:rPr lang="zh-CN" altLang="en-US" dirty="0"/>
+              <a:t>使用</a:t>
+            </a:r>
+            <a:r>
+              <a:rPr lang="en-US" altLang="zh-CN" dirty="0" err="1"/>
+              <a:t>ReflectASM</a:t>
+            </a:r>
+            <a:r>
+              <a:rPr lang="en-US" altLang="zh-CN" dirty="0"/>
+              <a:t>, Unsafe</a:t>
+            </a:r>
+            <a:r>
+              <a:rPr lang="zh-CN" altLang="en-US" dirty="0"/>
+              <a:t>加速的原理，浅拷贝</a:t>
+            </a:r>
+            <a:r>
+              <a:rPr lang="en-US" altLang="zh-CN" dirty="0"/>
+              <a:t>field</a:t>
+            </a:r>
+            <a:r>
+              <a:rPr lang="zh-CN" altLang="en-US" dirty="0"/>
+              <a:t>的值</a:t>
+            </a:r>
+          </a:p>
+        </p:txBody>
+      </p:sp>
+      <p:pic>
+        <p:nvPicPr>
+          <p:cNvPr id="5" name="图片 4">
+            <a:extLst>
+              <a:ext uri="{FF2B5EF4-FFF2-40B4-BE49-F238E27FC236}">
+                <a16:creationId xmlns:a16="http://schemas.microsoft.com/office/drawing/2014/main" id="{80AA2367-064D-4DBC-86F5-0158FA7067A0}"/>
+              </a:ext>
+            </a:extLst>
+          </p:cNvPr>
+          <p:cNvPicPr>
+            <a:picLocks noChangeAspect="1"/>
+          </p:cNvPicPr>
+          <p:nvPr/>
+        </p:nvPicPr>
+        <p:blipFill>
+          <a:blip r:embed="rId2">
+            <a:extLst>
+              <a:ext uri="{28A0092B-C50C-407E-A947-70E740481C1C}">
+                <a14:useLocalDpi xmlns:a14="http://schemas.microsoft.com/office/drawing/2010/main" val="0"/>
+              </a:ext>
+            </a:extLst>
+          </a:blip>
+          <a:stretch>
+            <a:fillRect/>
+          </a:stretch>
+        </p:blipFill>
+        <p:spPr>
+          <a:xfrm>
+            <a:off x="1240876" y="4264002"/>
+            <a:ext cx="4855124" cy="1141436"/>
+          </a:xfrm>
+          <a:prstGeom prst="rect">
+            <a:avLst/>
+          </a:prstGeom>
+        </p:spPr>
+      </p:pic>
+    </p:spTree>
+    <p:extLst>
+      <p:ext uri="{BB962C8B-B14F-4D97-AF65-F5344CB8AC3E}">
+        <p14:creationId xmlns:p14="http://schemas.microsoft.com/office/powerpoint/2010/main" val="53665607"/>
+      </p:ext>
+    </p:extLst>
+  </p:cSld>
+  <p:clrMapOvr>
+    <a:masterClrMapping/>
+  </p:clrMapOvr>
+</p:sld>
+</file>
+
+<file path=ppt/slides/slide17.xml><?xml version="1.0" encoding="utf-8"?>
+<p:sld xmlns:a="http://schemas.openxmlformats.org/drawingml/2006/main" xmlns:r="http://schemas.openxmlformats.org/officeDocument/2006/relationships" xmlns:p="http://schemas.openxmlformats.org/presentationml/2006/main">
+  <p:cSld>
+    <p:spTree>
+      <p:nvGrpSpPr>
+        <p:cNvPr id="1" name=""/>
+        <p:cNvGrpSpPr/>
+        <p:nvPr/>
+      </p:nvGrpSpPr>
+      <p:grpSpPr>
+        <a:xfrm>
+          <a:off x="0" y="0"/>
+          <a:ext cx="0" cy="0"/>
+          <a:chOff x="0" y="0"/>
+          <a:chExt cx="0" cy="0"/>
+        </a:xfrm>
+      </p:grpSpPr>
+      <p:sp>
+        <p:nvSpPr>
+          <p:cNvPr id="2" name="标题 1">
+            <a:extLst>
+              <a:ext uri="{FF2B5EF4-FFF2-40B4-BE49-F238E27FC236}">
+                <a16:creationId xmlns:a16="http://schemas.microsoft.com/office/drawing/2014/main" id="{9B5FC80F-BF5F-4EA4-BEB7-8A13927A09D6}"/>
+              </a:ext>
+            </a:extLst>
+          </p:cNvPr>
+          <p:cNvSpPr>
+            <a:spLocks noGrp="1"/>
+          </p:cNvSpPr>
+          <p:nvPr>
+            <p:ph type="title"/>
+          </p:nvPr>
+        </p:nvSpPr>
+        <p:spPr/>
+        <p:txBody>
+          <a:bodyPr/>
+          <a:lstStyle/>
+          <a:p>
+            <a:r>
+              <a:rPr lang="zh-CN" altLang="en-US" dirty="0"/>
+              <a:t>处理抽象类部分移到</a:t>
+            </a:r>
+            <a:r>
+              <a:rPr lang="en-US" altLang="zh-CN" dirty="0"/>
+              <a:t>20</a:t>
+            </a:r>
+            <a:r>
+              <a:rPr lang="zh-CN" altLang="en-US" dirty="0"/>
+              <a:t>页</a:t>
+            </a:r>
+          </a:p>
+        </p:txBody>
+      </p:sp>
+      <p:sp>
+        <p:nvSpPr>
+          <p:cNvPr id="3" name="内容占位符 2">
+            <a:extLst>
+              <a:ext uri="{FF2B5EF4-FFF2-40B4-BE49-F238E27FC236}">
+                <a16:creationId xmlns:a16="http://schemas.microsoft.com/office/drawing/2014/main" id="{2A8A9996-2209-4BE6-ACAE-F89B1933EB4B}"/>
+              </a:ext>
+            </a:extLst>
+          </p:cNvPr>
+          <p:cNvSpPr>
+            <a:spLocks noGrp="1"/>
+          </p:cNvSpPr>
+          <p:nvPr>
+            <p:ph idx="1"/>
+          </p:nvPr>
+        </p:nvSpPr>
+        <p:spPr/>
+        <p:txBody>
+          <a:bodyPr/>
+          <a:lstStyle/>
+          <a:p>
+            <a:r>
+              <a:rPr lang="en-US" altLang="zh-CN" dirty="0"/>
+              <a:t>if(</a:t>
+            </a:r>
+            <a:r>
+              <a:rPr lang="en-US" altLang="zh-CN" dirty="0" err="1"/>
+              <a:t>parentClazz.class</a:t>
+            </a:r>
+            <a:r>
+              <a:rPr lang="en-US" altLang="zh-CN" dirty="0"/>
+              <a:t> == </a:t>
+            </a:r>
+            <a:r>
+              <a:rPr lang="en-US" altLang="zh-CN" dirty="0" err="1"/>
+              <a:t>Object.class</a:t>
+            </a:r>
+            <a:r>
+              <a:rPr lang="en-US" altLang="zh-CN" dirty="0"/>
+              <a:t>){</a:t>
+            </a:r>
+          </a:p>
+          <a:p>
+            <a:pPr lvl="1"/>
+            <a:r>
+              <a:rPr lang="en-US" altLang="zh-CN" dirty="0"/>
+              <a:t>Break}</a:t>
+            </a:r>
+          </a:p>
+          <a:p>
+            <a:pPr lvl="1"/>
+            <a:r>
+              <a:rPr lang="zh-CN" altLang="en-US" dirty="0"/>
+              <a:t>代码放右边，图片放左边</a:t>
+            </a:r>
+            <a:endParaRPr lang="en-US" altLang="zh-CN" dirty="0"/>
+          </a:p>
+          <a:p>
+            <a:pPr lvl="1"/>
+            <a:endParaRPr lang="en-US" altLang="zh-CN" dirty="0"/>
+          </a:p>
+          <a:p>
+            <a:pPr lvl="1"/>
+            <a:endParaRPr lang="en-US" altLang="zh-CN" dirty="0"/>
+          </a:p>
+          <a:p>
+            <a:r>
+              <a:rPr lang="en-US" altLang="zh-CN" dirty="0"/>
+              <a:t>22</a:t>
+            </a:r>
+            <a:r>
+              <a:rPr lang="zh-CN" altLang="en-US" dirty="0"/>
+              <a:t>页，第三阶段，加上一句， 尽量不要使用</a:t>
+            </a:r>
+            <a:r>
+              <a:rPr lang="en-US" altLang="zh-CN" dirty="0" err="1"/>
+              <a:t>JavaSerializer</a:t>
+            </a:r>
+            <a:r>
+              <a:rPr lang="zh-CN" altLang="en-US" dirty="0"/>
+              <a:t>，因为这种使用方式比原本</a:t>
+            </a:r>
+            <a:r>
+              <a:rPr lang="en-US" altLang="zh-CN" dirty="0" err="1"/>
+              <a:t>Jdk</a:t>
+            </a:r>
+            <a:r>
+              <a:rPr lang="zh-CN" altLang="en-US" dirty="0"/>
+              <a:t>序列化还慢</a:t>
+            </a:r>
+            <a:endParaRPr lang="en-US" altLang="zh-CN" dirty="0"/>
+          </a:p>
+        </p:txBody>
+      </p:sp>
+    </p:spTree>
+    <p:extLst>
+      <p:ext uri="{BB962C8B-B14F-4D97-AF65-F5344CB8AC3E}">
+        <p14:creationId xmlns:p14="http://schemas.microsoft.com/office/powerpoint/2010/main" val="1464091435"/>
+      </p:ext>
+    </p:extLst>
+  </p:cSld>
+  <p:clrMapOvr>
+    <a:masterClrMapping/>
+  </p:clrMapOvr>
+</p:sld>
+</file>
+
+<file path=ppt/slides/slide18.xml><?xml version="1.0" encoding="utf-8"?>
+<p:sld xmlns:a="http://schemas.openxmlformats.org/drawingml/2006/main" xmlns:r="http://schemas.openxmlformats.org/officeDocument/2006/relationships" xmlns:p="http://schemas.openxmlformats.org/presentationml/2006/main">
+  <p:cSld>
+    <p:spTree>
+      <p:nvGrpSpPr>
+        <p:cNvPr id="1" name=""/>
+        <p:cNvGrpSpPr/>
+        <p:nvPr/>
+      </p:nvGrpSpPr>
+      <p:grpSpPr>
+        <a:xfrm>
+          <a:off x="0" y="0"/>
+          <a:ext cx="0" cy="0"/>
+          <a:chOff x="0" y="0"/>
+          <a:chExt cx="0" cy="0"/>
+        </a:xfrm>
+      </p:grpSpPr>
+      <p:sp>
+        <p:nvSpPr>
+          <p:cNvPr id="3" name="内容占位符 2">
+            <a:extLst>
+              <a:ext uri="{FF2B5EF4-FFF2-40B4-BE49-F238E27FC236}">
+                <a16:creationId xmlns:a16="http://schemas.microsoft.com/office/drawing/2014/main" id="{9D80415A-B9E2-48D1-827D-46422096C22F}"/>
+              </a:ext>
+            </a:extLst>
+          </p:cNvPr>
+          <p:cNvSpPr>
+            <a:spLocks noGrp="1"/>
+          </p:cNvSpPr>
+          <p:nvPr>
+            <p:ph idx="1"/>
+          </p:nvPr>
+        </p:nvSpPr>
+        <p:spPr>
+          <a:xfrm>
+            <a:off x="771525" y="1825625"/>
+            <a:ext cx="10515600" cy="4351338"/>
+          </a:xfrm>
+        </p:spPr>
+        <p:txBody>
+          <a:bodyPr/>
+          <a:lstStyle/>
+          <a:p>
+            <a:r>
+              <a:rPr lang="zh-CN" altLang="en-US" dirty="0"/>
+              <a:t>通过</a:t>
+            </a:r>
+            <a:r>
+              <a:rPr lang="en-US" altLang="zh-CN" dirty="0"/>
+              <a:t>thread</a:t>
+            </a:r>
+            <a:r>
+              <a:rPr lang="zh-CN" altLang="en-US" dirty="0"/>
+              <a:t>存储创建时所在的线程，只允许这个线程访问</a:t>
+            </a:r>
+            <a:endParaRPr lang="en-US" altLang="zh-CN" dirty="0"/>
+          </a:p>
+          <a:p>
+            <a:endParaRPr lang="en-US" altLang="zh-CN" dirty="0"/>
+          </a:p>
+          <a:p>
+            <a:r>
+              <a:rPr lang="zh-CN" altLang="en-US" dirty="0"/>
+              <a:t>只有</a:t>
+            </a:r>
+            <a:r>
+              <a:rPr lang="en-US" altLang="zh-CN" dirty="0" err="1"/>
+              <a:t>writeObject</a:t>
+            </a:r>
+            <a:r>
+              <a:rPr lang="zh-CN" altLang="en-US" dirty="0"/>
+              <a:t>内才可以调用</a:t>
+            </a:r>
+            <a:r>
+              <a:rPr lang="en-US" altLang="zh-CN" dirty="0" err="1"/>
+              <a:t>defaultWriteObject</a:t>
+            </a:r>
+            <a:endParaRPr lang="en-US" altLang="zh-CN" dirty="0"/>
+          </a:p>
+          <a:p>
+            <a:endParaRPr lang="zh-CN" altLang="en-US" dirty="0"/>
+          </a:p>
+        </p:txBody>
+      </p:sp>
+      <p:sp>
+        <p:nvSpPr>
+          <p:cNvPr id="2" name="标题 1">
+            <a:extLst>
+              <a:ext uri="{FF2B5EF4-FFF2-40B4-BE49-F238E27FC236}">
+                <a16:creationId xmlns:a16="http://schemas.microsoft.com/office/drawing/2014/main" id="{B52EB497-A1C0-4D56-9832-F5928AB1C4EE}"/>
+              </a:ext>
+            </a:extLst>
+          </p:cNvPr>
+          <p:cNvSpPr>
+            <a:spLocks noGrp="1"/>
+          </p:cNvSpPr>
+          <p:nvPr>
+            <p:ph type="title"/>
+          </p:nvPr>
+        </p:nvSpPr>
+        <p:spPr/>
+        <p:txBody>
+          <a:bodyPr/>
+          <a:lstStyle/>
+          <a:p>
+            <a:r>
+              <a:rPr lang="en-US" altLang="zh-CN" dirty="0"/>
+              <a:t>23</a:t>
+            </a:r>
+            <a:r>
+              <a:rPr lang="zh-CN" altLang="en-US" dirty="0"/>
+              <a:t>页之后增加</a:t>
+            </a:r>
+            <a:r>
+              <a:rPr lang="en-US" altLang="zh-CN" dirty="0" err="1"/>
+              <a:t>KryoSerialCallbackContext</a:t>
+            </a:r>
+            <a:r>
+              <a:rPr lang="zh-CN" altLang="en-US" dirty="0"/>
+              <a:t>的设计</a:t>
+            </a:r>
+          </a:p>
+        </p:txBody>
+      </p:sp>
+      <p:sp>
+        <p:nvSpPr>
+          <p:cNvPr id="4" name="Rectangle 1">
+            <a:extLst>
+              <a:ext uri="{FF2B5EF4-FFF2-40B4-BE49-F238E27FC236}">
+                <a16:creationId xmlns:a16="http://schemas.microsoft.com/office/drawing/2014/main" id="{E6CD1829-F7F7-41F0-B686-4F9849CD85B9}"/>
+              </a:ext>
+            </a:extLst>
+          </p:cNvPr>
+          <p:cNvSpPr>
+            <a:spLocks noChangeArrowheads="1"/>
+          </p:cNvSpPr>
+          <p:nvPr/>
+        </p:nvSpPr>
+        <p:spPr bwMode="auto">
+          <a:xfrm>
+            <a:off x="695325" y="3429000"/>
+            <a:ext cx="4943475" cy="2190750"/>
+          </a:xfrm>
+          <a:prstGeom prst="rect">
+            <a:avLst/>
+          </a:prstGeom>
+          <a:solidFill>
+            <a:srgbClr val="282C34"/>
+          </a:solidFill>
+          <a:ln>
+            <a:noFill/>
+          </a:ln>
+          <a:effectLst/>
+          <a:extLst>
+            <a:ext uri="{91240B29-F687-4F45-9708-019B960494DF}">
+              <a14:hiddenLine xmlns:a14="http://schemas.microsoft.com/office/drawing/2010/main" w="9525">
+                <a:solidFill>
+                  <a:schemeClr val="tx1"/>
+                </a:solidFill>
+                <a:miter lim="800000"/>
+                <a:headEnd/>
+                <a:tailEnd/>
+              </a14:hiddenLine>
+            </a:ext>
+            <a:ext uri="{AF507438-7753-43E0-B8FC-AC1667EBCBE1}">
+              <a14:hiddenEffects xmlns:a14="http://schemas.microsoft.com/office/drawing/2010/main">
+                <a:effectLst>
+                  <a:outerShdw dist="35921" dir="2700000" algn="ctr" rotWithShape="0">
+                    <a:schemeClr val="bg2"/>
+                  </a:outerShdw>
+                </a:effectLst>
+              </a14:hiddenEffects>
+            </a:ext>
+          </a:extLst>
+        </p:spPr>
+        <p:txBody>
+          <a:bodyPr vert="horz" wrap="square" lIns="91440" tIns="45720" rIns="91440" bIns="45720" numCol="1" anchor="ctr" anchorCtr="0" compatLnSpc="1">
+            <a:prstTxWarp prst="textNoShape">
+              <a:avLst/>
+            </a:prstTxWarp>
+            <a:spAutoFit/>
+          </a:bodyPr>
+          <a:lstStyle/>
+          <a:p>
+            <a:pPr marL="0" marR="0" lvl="0" indent="0" algn="l" defTabSz="914400" rtl="0" eaLnBrk="0" fontAlgn="base" latinLnBrk="0" hangingPunct="0">
+              <a:lnSpc>
+                <a:spcPct val="100000"/>
+              </a:lnSpc>
+              <a:spcBef>
+                <a:spcPct val="0"/>
+              </a:spcBef>
+              <a:spcAft>
+                <a:spcPct val="0"/>
+              </a:spcAft>
+              <a:buClrTx/>
+              <a:buSzTx/>
+              <a:buFontTx/>
+              <a:buNone/>
+              <a:tabLst/>
+            </a:pPr>
+            <a:r>
+              <a:rPr kumimoji="0" lang="zh-CN" altLang="zh-CN" sz="1200" b="0" i="1" u="none" strike="noStrike" cap="none" normalizeH="0" baseline="0">
+                <a:ln>
+                  <a:noFill/>
+                </a:ln>
+                <a:solidFill>
+                  <a:srgbClr val="C679DD"/>
+                </a:solidFill>
+                <a:effectLst/>
+                <a:latin typeface="Arial Unicode MS"/>
+                <a:ea typeface="Fira Code"/>
+              </a:rPr>
+              <a:t>public void </a:t>
+            </a:r>
+            <a:r>
+              <a:rPr kumimoji="0" lang="zh-CN" altLang="zh-CN" sz="1200" b="0" i="0" u="none" strike="noStrike" cap="none" normalizeH="0" baseline="0">
+                <a:ln>
+                  <a:noFill/>
+                </a:ln>
+                <a:solidFill>
+                  <a:srgbClr val="61AEEF"/>
+                </a:solidFill>
+                <a:effectLst/>
+                <a:latin typeface="Arial Unicode MS"/>
+                <a:ea typeface="Fira Code"/>
+              </a:rPr>
+              <a:t>defaultWriteObject</a:t>
+            </a:r>
+            <a:r>
+              <a:rPr kumimoji="0" lang="zh-CN" altLang="zh-CN" sz="1200" b="0" i="0" u="none" strike="noStrike" cap="none" normalizeH="0" baseline="0">
+                <a:ln>
+                  <a:noFill/>
+                </a:ln>
+                <a:solidFill>
+                  <a:srgbClr val="A6B2C0"/>
+                </a:solidFill>
+                <a:effectLst/>
+                <a:latin typeface="Arial Unicode MS"/>
+                <a:ea typeface="Fira Code"/>
+              </a:rPr>
+              <a:t>() </a:t>
+            </a:r>
+            <a:r>
+              <a:rPr kumimoji="0" lang="zh-CN" altLang="zh-CN" sz="1200" b="0" i="1" u="none" strike="noStrike" cap="none" normalizeH="0" baseline="0">
+                <a:ln>
+                  <a:noFill/>
+                </a:ln>
+                <a:solidFill>
+                  <a:srgbClr val="C679DD"/>
+                </a:solidFill>
+                <a:effectLst/>
+                <a:latin typeface="Arial Unicode MS"/>
+                <a:ea typeface="Fira Code"/>
+              </a:rPr>
+              <a:t>throws </a:t>
+            </a:r>
+            <a:r>
+              <a:rPr kumimoji="0" lang="zh-CN" altLang="zh-CN" sz="1200" b="0" i="0" u="none" strike="noStrike" cap="none" normalizeH="0" baseline="0">
+                <a:ln>
+                  <a:noFill/>
+                </a:ln>
+                <a:solidFill>
+                  <a:srgbClr val="E5C17C"/>
+                </a:solidFill>
+                <a:effectLst/>
+                <a:latin typeface="Arial Unicode MS"/>
+                <a:ea typeface="Fira Code"/>
+              </a:rPr>
+              <a:t>IOException </a:t>
+            </a:r>
+            <a:r>
+              <a:rPr kumimoji="0" lang="zh-CN" altLang="zh-CN" sz="1200" b="0" i="0" u="none" strike="noStrike" cap="none" normalizeH="0" baseline="0">
+                <a:ln>
+                  <a:noFill/>
+                </a:ln>
+                <a:solidFill>
+                  <a:srgbClr val="A6B2C0"/>
+                </a:solidFill>
+                <a:effectLst/>
+                <a:latin typeface="Arial Unicode MS"/>
+                <a:ea typeface="Fira Code"/>
+              </a:rPr>
+              <a:t>{</a:t>
+            </a:r>
+            <a:br>
+              <a:rPr kumimoji="0" lang="zh-CN" altLang="zh-CN" sz="1200" b="0" i="0" u="none" strike="noStrike" cap="none" normalizeH="0" baseline="0">
+                <a:ln>
+                  <a:noFill/>
+                </a:ln>
+                <a:solidFill>
+                  <a:srgbClr val="A6B2C0"/>
+                </a:solidFill>
+                <a:effectLst/>
+                <a:latin typeface="Arial Unicode MS"/>
+                <a:ea typeface="Fira Code"/>
+              </a:rPr>
+            </a:br>
+            <a:r>
+              <a:rPr kumimoji="0" lang="zh-CN" altLang="zh-CN" sz="1200" b="0" i="0" u="none" strike="noStrike" cap="none" normalizeH="0" baseline="0">
+                <a:ln>
+                  <a:noFill/>
+                </a:ln>
+                <a:solidFill>
+                  <a:srgbClr val="A6B2C0"/>
+                </a:solidFill>
+                <a:effectLst/>
+                <a:latin typeface="Arial Unicode MS"/>
+                <a:ea typeface="Fira Code"/>
+              </a:rPr>
+              <a:t>    </a:t>
+            </a:r>
+            <a:r>
+              <a:rPr kumimoji="0" lang="zh-CN" altLang="zh-CN" sz="1200" b="0" i="0" u="none" strike="noStrike" cap="none" normalizeH="0" baseline="0">
+                <a:ln>
+                  <a:noFill/>
+                </a:ln>
+                <a:solidFill>
+                  <a:srgbClr val="E5C17C"/>
+                </a:solidFill>
+                <a:effectLst/>
+                <a:latin typeface="Arial Unicode MS"/>
+                <a:ea typeface="Fira Code"/>
+              </a:rPr>
+              <a:t>SerialCallbackContext </a:t>
+            </a:r>
+            <a:r>
+              <a:rPr kumimoji="0" lang="zh-CN" altLang="zh-CN" sz="1200" b="0" i="0" u="none" strike="noStrike" cap="none" normalizeH="0" baseline="0">
+                <a:ln>
+                  <a:noFill/>
+                </a:ln>
+                <a:solidFill>
+                  <a:srgbClr val="D19A66"/>
+                </a:solidFill>
+                <a:effectLst/>
+                <a:latin typeface="Arial Unicode MS"/>
+                <a:ea typeface="Fira Code"/>
+              </a:rPr>
+              <a:t>ctx </a:t>
+            </a:r>
+            <a:r>
+              <a:rPr kumimoji="0" lang="zh-CN" altLang="zh-CN" sz="1200" b="0" i="0" u="none" strike="noStrike" cap="none" normalizeH="0" baseline="0">
+                <a:ln>
+                  <a:noFill/>
+                </a:ln>
+                <a:solidFill>
+                  <a:srgbClr val="61AFEF"/>
+                </a:solidFill>
+                <a:effectLst/>
+                <a:latin typeface="Arial Unicode MS"/>
+                <a:ea typeface="Fira Code"/>
+              </a:rPr>
+              <a:t>= </a:t>
+            </a:r>
+            <a:r>
+              <a:rPr kumimoji="0" lang="zh-CN" altLang="zh-CN" sz="1200" b="0" i="0" u="none" strike="noStrike" cap="none" normalizeH="0" baseline="0">
+                <a:ln>
+                  <a:noFill/>
+                </a:ln>
+                <a:solidFill>
+                  <a:srgbClr val="E06C75"/>
+                </a:solidFill>
+                <a:effectLst/>
+                <a:latin typeface="Arial Unicode MS"/>
+                <a:ea typeface="Fira Code"/>
+              </a:rPr>
+              <a:t>curContext</a:t>
+            </a:r>
+            <a:r>
+              <a:rPr kumimoji="0" lang="zh-CN" altLang="zh-CN" sz="1200" b="0" i="0" u="none" strike="noStrike" cap="none" normalizeH="0" baseline="0">
+                <a:ln>
+                  <a:noFill/>
+                </a:ln>
+                <a:solidFill>
+                  <a:srgbClr val="A6B2C0"/>
+                </a:solidFill>
+                <a:effectLst/>
+                <a:latin typeface="Arial Unicode MS"/>
+                <a:ea typeface="Fira Code"/>
+              </a:rPr>
+              <a:t>;</a:t>
+            </a:r>
+            <a:br>
+              <a:rPr kumimoji="0" lang="zh-CN" altLang="zh-CN" sz="1200" b="0" i="0" u="none" strike="noStrike" cap="none" normalizeH="0" baseline="0">
+                <a:ln>
+                  <a:noFill/>
+                </a:ln>
+                <a:solidFill>
+                  <a:srgbClr val="A6B2C0"/>
+                </a:solidFill>
+                <a:effectLst/>
+                <a:latin typeface="Arial Unicode MS"/>
+                <a:ea typeface="Fira Code"/>
+              </a:rPr>
+            </a:br>
+            <a:r>
+              <a:rPr kumimoji="0" lang="zh-CN" altLang="zh-CN" sz="1200" b="0" i="0" u="none" strike="noStrike" cap="none" normalizeH="0" baseline="0">
+                <a:ln>
+                  <a:noFill/>
+                </a:ln>
+                <a:solidFill>
+                  <a:srgbClr val="A6B2C0"/>
+                </a:solidFill>
+                <a:effectLst/>
+                <a:latin typeface="Arial Unicode MS"/>
+                <a:ea typeface="Fira Code"/>
+              </a:rPr>
+              <a:t>    </a:t>
+            </a:r>
+            <a:r>
+              <a:rPr kumimoji="0" lang="zh-CN" altLang="zh-CN" sz="1200" b="0" i="1" u="none" strike="noStrike" cap="none" normalizeH="0" baseline="0">
+                <a:ln>
+                  <a:noFill/>
+                </a:ln>
+                <a:solidFill>
+                  <a:srgbClr val="C679DD"/>
+                </a:solidFill>
+                <a:effectLst/>
+                <a:latin typeface="Arial Unicode MS"/>
+                <a:ea typeface="Fira Code"/>
+              </a:rPr>
+              <a:t>if </a:t>
+            </a:r>
+            <a:r>
+              <a:rPr kumimoji="0" lang="zh-CN" altLang="zh-CN" sz="1200" b="0" i="0" u="none" strike="noStrike" cap="none" normalizeH="0" baseline="0">
+                <a:ln>
+                  <a:noFill/>
+                </a:ln>
+                <a:solidFill>
+                  <a:srgbClr val="A6B2C0"/>
+                </a:solidFill>
+                <a:effectLst/>
+                <a:latin typeface="Arial Unicode MS"/>
+                <a:ea typeface="Fira Code"/>
+              </a:rPr>
+              <a:t>(</a:t>
+            </a:r>
+            <a:r>
+              <a:rPr kumimoji="0" lang="zh-CN" altLang="zh-CN" sz="1200" b="0" i="0" u="none" strike="noStrike" cap="none" normalizeH="0" baseline="0">
+                <a:ln>
+                  <a:noFill/>
+                </a:ln>
+                <a:solidFill>
+                  <a:srgbClr val="D19A66"/>
+                </a:solidFill>
+                <a:effectLst/>
+                <a:latin typeface="Arial Unicode MS"/>
+                <a:ea typeface="Fira Code"/>
+              </a:rPr>
+              <a:t>ctx </a:t>
+            </a:r>
+            <a:r>
+              <a:rPr kumimoji="0" lang="zh-CN" altLang="zh-CN" sz="1200" b="0" i="0" u="none" strike="noStrike" cap="none" normalizeH="0" baseline="0">
+                <a:ln>
+                  <a:noFill/>
+                </a:ln>
+                <a:solidFill>
+                  <a:srgbClr val="61AFEF"/>
+                </a:solidFill>
+                <a:effectLst/>
+                <a:latin typeface="Arial Unicode MS"/>
+                <a:ea typeface="Fira Code"/>
+              </a:rPr>
+              <a:t>== </a:t>
+            </a:r>
+            <a:r>
+              <a:rPr kumimoji="0" lang="zh-CN" altLang="zh-CN" sz="1200" b="0" i="1" u="none" strike="noStrike" cap="none" normalizeH="0" baseline="0">
+                <a:ln>
+                  <a:noFill/>
+                </a:ln>
+                <a:solidFill>
+                  <a:srgbClr val="C679DD"/>
+                </a:solidFill>
+                <a:effectLst/>
+                <a:latin typeface="Arial Unicode MS"/>
+                <a:ea typeface="Fira Code"/>
+              </a:rPr>
+              <a:t>null</a:t>
+            </a:r>
+            <a:r>
+              <a:rPr kumimoji="0" lang="zh-CN" altLang="zh-CN" sz="1200" b="0" i="0" u="none" strike="noStrike" cap="none" normalizeH="0" baseline="0">
+                <a:ln>
+                  <a:noFill/>
+                </a:ln>
+                <a:solidFill>
+                  <a:srgbClr val="A6B2C0"/>
+                </a:solidFill>
+                <a:effectLst/>
+                <a:latin typeface="Arial Unicode MS"/>
+                <a:ea typeface="Fira Code"/>
+              </a:rPr>
+              <a:t>) {</a:t>
+            </a:r>
+            <a:br>
+              <a:rPr kumimoji="0" lang="zh-CN" altLang="zh-CN" sz="1200" b="0" i="0" u="none" strike="noStrike" cap="none" normalizeH="0" baseline="0">
+                <a:ln>
+                  <a:noFill/>
+                </a:ln>
+                <a:solidFill>
+                  <a:srgbClr val="A6B2C0"/>
+                </a:solidFill>
+                <a:effectLst/>
+                <a:latin typeface="Arial Unicode MS"/>
+                <a:ea typeface="Fira Code"/>
+              </a:rPr>
+            </a:br>
+            <a:r>
+              <a:rPr kumimoji="0" lang="zh-CN" altLang="zh-CN" sz="1200" b="0" i="0" u="none" strike="noStrike" cap="none" normalizeH="0" baseline="0">
+                <a:ln>
+                  <a:noFill/>
+                </a:ln>
+                <a:solidFill>
+                  <a:srgbClr val="A6B2C0"/>
+                </a:solidFill>
+                <a:effectLst/>
+                <a:latin typeface="Arial Unicode MS"/>
+                <a:ea typeface="Fira Code"/>
+              </a:rPr>
+              <a:t>        </a:t>
+            </a:r>
+            <a:r>
+              <a:rPr kumimoji="0" lang="zh-CN" altLang="zh-CN" sz="1200" b="0" i="1" u="none" strike="noStrike" cap="none" normalizeH="0" baseline="0">
+                <a:ln>
+                  <a:noFill/>
+                </a:ln>
+                <a:solidFill>
+                  <a:srgbClr val="C679DD"/>
+                </a:solidFill>
+                <a:effectLst/>
+                <a:latin typeface="Arial Unicode MS"/>
+                <a:ea typeface="Fira Code"/>
+              </a:rPr>
+              <a:t>throw new </a:t>
+            </a:r>
+            <a:r>
+              <a:rPr kumimoji="0" lang="zh-CN" altLang="zh-CN" sz="1200" b="0" i="0" u="none" strike="noStrike" cap="none" normalizeH="0" baseline="0">
+                <a:ln>
+                  <a:noFill/>
+                </a:ln>
+                <a:solidFill>
+                  <a:srgbClr val="61AEEF"/>
+                </a:solidFill>
+                <a:effectLst/>
+                <a:latin typeface="Arial Unicode MS"/>
+                <a:ea typeface="Fira Code"/>
+              </a:rPr>
+              <a:t>NotActiveException</a:t>
+            </a:r>
+            <a:r>
+              <a:rPr kumimoji="0" lang="zh-CN" altLang="zh-CN" sz="1200" b="0" i="0" u="none" strike="noStrike" cap="none" normalizeH="0" baseline="0">
+                <a:ln>
+                  <a:noFill/>
+                </a:ln>
+                <a:solidFill>
+                  <a:srgbClr val="A6B2C0"/>
+                </a:solidFill>
+                <a:effectLst/>
+                <a:latin typeface="Arial Unicode MS"/>
+                <a:ea typeface="Fira Code"/>
+              </a:rPr>
+              <a:t>(</a:t>
+            </a:r>
+            <a:r>
+              <a:rPr kumimoji="0" lang="zh-CN" altLang="zh-CN" sz="1200" b="0" i="0" u="none" strike="noStrike" cap="none" normalizeH="0" baseline="0">
+                <a:ln>
+                  <a:noFill/>
+                </a:ln>
+                <a:solidFill>
+                  <a:srgbClr val="98C379"/>
+                </a:solidFill>
+                <a:effectLst/>
+                <a:latin typeface="Arial Unicode MS"/>
+                <a:ea typeface="Fira Code"/>
+              </a:rPr>
+              <a:t>"not in call to writeObject"</a:t>
+            </a:r>
+            <a:r>
+              <a:rPr kumimoji="0" lang="zh-CN" altLang="zh-CN" sz="1200" b="0" i="0" u="none" strike="noStrike" cap="none" normalizeH="0" baseline="0">
+                <a:ln>
+                  <a:noFill/>
+                </a:ln>
+                <a:solidFill>
+                  <a:srgbClr val="A6B2C0"/>
+                </a:solidFill>
+                <a:effectLst/>
+                <a:latin typeface="Arial Unicode MS"/>
+                <a:ea typeface="Fira Code"/>
+              </a:rPr>
+              <a:t>);</a:t>
+            </a:r>
+            <a:br>
+              <a:rPr kumimoji="0" lang="zh-CN" altLang="zh-CN" sz="1200" b="0" i="0" u="none" strike="noStrike" cap="none" normalizeH="0" baseline="0">
+                <a:ln>
+                  <a:noFill/>
+                </a:ln>
+                <a:solidFill>
+                  <a:srgbClr val="A6B2C0"/>
+                </a:solidFill>
+                <a:effectLst/>
+                <a:latin typeface="Arial Unicode MS"/>
+                <a:ea typeface="Fira Code"/>
+              </a:rPr>
+            </a:br>
+            <a:r>
+              <a:rPr kumimoji="0" lang="zh-CN" altLang="zh-CN" sz="1200" b="0" i="0" u="none" strike="noStrike" cap="none" normalizeH="0" baseline="0">
+                <a:ln>
+                  <a:noFill/>
+                </a:ln>
+                <a:solidFill>
+                  <a:srgbClr val="A6B2C0"/>
+                </a:solidFill>
+                <a:effectLst/>
+                <a:latin typeface="Arial Unicode MS"/>
+                <a:ea typeface="Fira Code"/>
+              </a:rPr>
+              <a:t>    }</a:t>
+            </a:r>
+            <a:br>
+              <a:rPr kumimoji="0" lang="zh-CN" altLang="zh-CN" sz="1200" b="0" i="0" u="none" strike="noStrike" cap="none" normalizeH="0" baseline="0">
+                <a:ln>
+                  <a:noFill/>
+                </a:ln>
+                <a:solidFill>
+                  <a:srgbClr val="A6B2C0"/>
+                </a:solidFill>
+                <a:effectLst/>
+                <a:latin typeface="Arial Unicode MS"/>
+                <a:ea typeface="Fira Code"/>
+              </a:rPr>
+            </a:br>
+            <a:r>
+              <a:rPr kumimoji="0" lang="zh-CN" altLang="zh-CN" sz="1200" b="0" i="0" u="none" strike="noStrike" cap="none" normalizeH="0" baseline="0">
+                <a:ln>
+                  <a:noFill/>
+                </a:ln>
+                <a:solidFill>
+                  <a:srgbClr val="A6B2C0"/>
+                </a:solidFill>
+                <a:effectLst/>
+                <a:latin typeface="Arial Unicode MS"/>
+                <a:ea typeface="Fira Code"/>
+              </a:rPr>
+              <a:t>    </a:t>
+            </a:r>
+            <a:r>
+              <a:rPr kumimoji="0" lang="zh-CN" altLang="zh-CN" sz="1200" b="0" i="0" u="none" strike="noStrike" cap="none" normalizeH="0" baseline="0">
+                <a:ln>
+                  <a:noFill/>
+                </a:ln>
+                <a:solidFill>
+                  <a:srgbClr val="E5C17C"/>
+                </a:solidFill>
+                <a:effectLst/>
+                <a:latin typeface="Arial Unicode MS"/>
+                <a:ea typeface="Fira Code"/>
+              </a:rPr>
+              <a:t>Object </a:t>
+            </a:r>
+            <a:r>
+              <a:rPr kumimoji="0" lang="zh-CN" altLang="zh-CN" sz="1200" b="0" i="0" u="none" strike="noStrike" cap="none" normalizeH="0" baseline="0">
+                <a:ln>
+                  <a:noFill/>
+                </a:ln>
+                <a:solidFill>
+                  <a:srgbClr val="D19A66"/>
+                </a:solidFill>
+                <a:effectLst/>
+                <a:latin typeface="Arial Unicode MS"/>
+                <a:ea typeface="Fira Code"/>
+              </a:rPr>
+              <a:t>curObj </a:t>
+            </a:r>
+            <a:r>
+              <a:rPr kumimoji="0" lang="zh-CN" altLang="zh-CN" sz="1200" b="0" i="0" u="none" strike="noStrike" cap="none" normalizeH="0" baseline="0">
+                <a:ln>
+                  <a:noFill/>
+                </a:ln>
+                <a:solidFill>
+                  <a:srgbClr val="61AFEF"/>
+                </a:solidFill>
+                <a:effectLst/>
+                <a:latin typeface="Arial Unicode MS"/>
+                <a:ea typeface="Fira Code"/>
+              </a:rPr>
+              <a:t>= </a:t>
+            </a:r>
+            <a:r>
+              <a:rPr kumimoji="0" lang="zh-CN" altLang="zh-CN" sz="1200" b="0" i="0" u="none" strike="noStrike" cap="none" normalizeH="0" baseline="0">
+                <a:ln>
+                  <a:noFill/>
+                </a:ln>
+                <a:solidFill>
+                  <a:srgbClr val="D19A66"/>
+                </a:solidFill>
+                <a:effectLst/>
+                <a:latin typeface="Arial Unicode MS"/>
+                <a:ea typeface="Fira Code"/>
+              </a:rPr>
+              <a:t>ctx</a:t>
+            </a:r>
+            <a:r>
+              <a:rPr kumimoji="0" lang="zh-CN" altLang="zh-CN" sz="1200" b="0" i="0" u="none" strike="noStrike" cap="none" normalizeH="0" baseline="0">
+                <a:ln>
+                  <a:noFill/>
+                </a:ln>
+                <a:solidFill>
+                  <a:srgbClr val="A6B2C0"/>
+                </a:solidFill>
+                <a:effectLst/>
+                <a:latin typeface="Arial Unicode MS"/>
+                <a:ea typeface="Fira Code"/>
+              </a:rPr>
+              <a:t>.</a:t>
+            </a:r>
+            <a:r>
+              <a:rPr kumimoji="0" lang="zh-CN" altLang="zh-CN" sz="1200" b="0" i="0" u="none" strike="noStrike" cap="none" normalizeH="0" baseline="0">
+                <a:ln>
+                  <a:noFill/>
+                </a:ln>
+                <a:solidFill>
+                  <a:srgbClr val="61AEEF"/>
+                </a:solidFill>
+                <a:effectLst/>
+                <a:latin typeface="Arial Unicode MS"/>
+                <a:ea typeface="Fira Code"/>
+              </a:rPr>
+              <a:t>getObj</a:t>
+            </a:r>
+            <a:r>
+              <a:rPr kumimoji="0" lang="zh-CN" altLang="zh-CN" sz="1200" b="0" i="0" u="none" strike="noStrike" cap="none" normalizeH="0" baseline="0">
+                <a:ln>
+                  <a:noFill/>
+                </a:ln>
+                <a:solidFill>
+                  <a:srgbClr val="A6B2C0"/>
+                </a:solidFill>
+                <a:effectLst/>
+                <a:latin typeface="Arial Unicode MS"/>
+                <a:ea typeface="Fira Code"/>
+              </a:rPr>
+              <a:t>();</a:t>
+            </a:r>
+            <a:br>
+              <a:rPr kumimoji="0" lang="zh-CN" altLang="zh-CN" sz="1200" b="0" i="0" u="none" strike="noStrike" cap="none" normalizeH="0" baseline="0">
+                <a:ln>
+                  <a:noFill/>
+                </a:ln>
+                <a:solidFill>
+                  <a:srgbClr val="A6B2C0"/>
+                </a:solidFill>
+                <a:effectLst/>
+                <a:latin typeface="Arial Unicode MS"/>
+                <a:ea typeface="Fira Code"/>
+              </a:rPr>
+            </a:br>
+            <a:r>
+              <a:rPr kumimoji="0" lang="zh-CN" altLang="zh-CN" sz="1200" b="0" i="0" u="none" strike="noStrike" cap="none" normalizeH="0" baseline="0">
+                <a:ln>
+                  <a:noFill/>
+                </a:ln>
+                <a:solidFill>
+                  <a:srgbClr val="A6B2C0"/>
+                </a:solidFill>
+                <a:effectLst/>
+                <a:latin typeface="Arial Unicode MS"/>
+                <a:ea typeface="Fira Code"/>
+              </a:rPr>
+              <a:t>    </a:t>
+            </a:r>
+            <a:r>
+              <a:rPr kumimoji="0" lang="zh-CN" altLang="zh-CN" sz="1200" b="0" i="0" u="none" strike="noStrike" cap="none" normalizeH="0" baseline="0">
+                <a:ln>
+                  <a:noFill/>
+                </a:ln>
+                <a:solidFill>
+                  <a:srgbClr val="E5C17C"/>
+                </a:solidFill>
+                <a:effectLst/>
+                <a:latin typeface="Arial Unicode MS"/>
+                <a:ea typeface="Fira Code"/>
+              </a:rPr>
+              <a:t>ObjectStreamClass </a:t>
+            </a:r>
+            <a:r>
+              <a:rPr kumimoji="0" lang="zh-CN" altLang="zh-CN" sz="1200" b="0" i="0" u="none" strike="noStrike" cap="none" normalizeH="0" baseline="0">
+                <a:ln>
+                  <a:noFill/>
+                </a:ln>
+                <a:solidFill>
+                  <a:srgbClr val="D19A66"/>
+                </a:solidFill>
+                <a:effectLst/>
+                <a:latin typeface="Arial Unicode MS"/>
+                <a:ea typeface="Fira Code"/>
+              </a:rPr>
+              <a:t>curDesc </a:t>
+            </a:r>
+            <a:r>
+              <a:rPr kumimoji="0" lang="zh-CN" altLang="zh-CN" sz="1200" b="0" i="0" u="none" strike="noStrike" cap="none" normalizeH="0" baseline="0">
+                <a:ln>
+                  <a:noFill/>
+                </a:ln>
+                <a:solidFill>
+                  <a:srgbClr val="61AFEF"/>
+                </a:solidFill>
+                <a:effectLst/>
+                <a:latin typeface="Arial Unicode MS"/>
+                <a:ea typeface="Fira Code"/>
+              </a:rPr>
+              <a:t>= </a:t>
+            </a:r>
+            <a:r>
+              <a:rPr kumimoji="0" lang="zh-CN" altLang="zh-CN" sz="1200" b="0" i="0" u="none" strike="noStrike" cap="none" normalizeH="0" baseline="0">
+                <a:ln>
+                  <a:noFill/>
+                </a:ln>
+                <a:solidFill>
+                  <a:srgbClr val="D19A66"/>
+                </a:solidFill>
+                <a:effectLst/>
+                <a:latin typeface="Arial Unicode MS"/>
+                <a:ea typeface="Fira Code"/>
+              </a:rPr>
+              <a:t>ctx</a:t>
+            </a:r>
+            <a:r>
+              <a:rPr kumimoji="0" lang="zh-CN" altLang="zh-CN" sz="1200" b="0" i="0" u="none" strike="noStrike" cap="none" normalizeH="0" baseline="0">
+                <a:ln>
+                  <a:noFill/>
+                </a:ln>
+                <a:solidFill>
+                  <a:srgbClr val="A6B2C0"/>
+                </a:solidFill>
+                <a:effectLst/>
+                <a:latin typeface="Arial Unicode MS"/>
+                <a:ea typeface="Fira Code"/>
+              </a:rPr>
+              <a:t>.</a:t>
+            </a:r>
+            <a:r>
+              <a:rPr kumimoji="0" lang="zh-CN" altLang="zh-CN" sz="1200" b="0" i="0" u="none" strike="noStrike" cap="none" normalizeH="0" baseline="0">
+                <a:ln>
+                  <a:noFill/>
+                </a:ln>
+                <a:solidFill>
+                  <a:srgbClr val="61AEEF"/>
+                </a:solidFill>
+                <a:effectLst/>
+                <a:latin typeface="Arial Unicode MS"/>
+                <a:ea typeface="Fira Code"/>
+              </a:rPr>
+              <a:t>getDesc</a:t>
+            </a:r>
+            <a:r>
+              <a:rPr kumimoji="0" lang="zh-CN" altLang="zh-CN" sz="1200" b="0" i="0" u="none" strike="noStrike" cap="none" normalizeH="0" baseline="0">
+                <a:ln>
+                  <a:noFill/>
+                </a:ln>
+                <a:solidFill>
+                  <a:srgbClr val="A6B2C0"/>
+                </a:solidFill>
+                <a:effectLst/>
+                <a:latin typeface="Arial Unicode MS"/>
+                <a:ea typeface="Fira Code"/>
+              </a:rPr>
+              <a:t>();</a:t>
+            </a:r>
+            <a:br>
+              <a:rPr kumimoji="0" lang="zh-CN" altLang="zh-CN" sz="1200" b="0" i="0" u="none" strike="noStrike" cap="none" normalizeH="0" baseline="0">
+                <a:ln>
+                  <a:noFill/>
+                </a:ln>
+                <a:solidFill>
+                  <a:srgbClr val="A6B2C0"/>
+                </a:solidFill>
+                <a:effectLst/>
+                <a:latin typeface="Arial Unicode MS"/>
+                <a:ea typeface="Fira Code"/>
+              </a:rPr>
+            </a:br>
+            <a:r>
+              <a:rPr kumimoji="0" lang="zh-CN" altLang="zh-CN" sz="1200" b="0" i="0" u="none" strike="noStrike" cap="none" normalizeH="0" baseline="0">
+                <a:ln>
+                  <a:noFill/>
+                </a:ln>
+                <a:solidFill>
+                  <a:srgbClr val="A6B2C0"/>
+                </a:solidFill>
+                <a:effectLst/>
+                <a:latin typeface="Arial Unicode MS"/>
+                <a:ea typeface="Fira Code"/>
+              </a:rPr>
+              <a:t>    </a:t>
+            </a:r>
+            <a:r>
+              <a:rPr kumimoji="0" lang="zh-CN" altLang="zh-CN" sz="1200" b="0" i="0" u="none" strike="noStrike" cap="none" normalizeH="0" baseline="0">
+                <a:ln>
+                  <a:noFill/>
+                </a:ln>
+                <a:solidFill>
+                  <a:srgbClr val="E06C75"/>
+                </a:solidFill>
+                <a:effectLst/>
+                <a:latin typeface="Arial Unicode MS"/>
+                <a:ea typeface="Fira Code"/>
+              </a:rPr>
+              <a:t>bout</a:t>
+            </a:r>
+            <a:r>
+              <a:rPr kumimoji="0" lang="zh-CN" altLang="zh-CN" sz="1200" b="0" i="0" u="none" strike="noStrike" cap="none" normalizeH="0" baseline="0">
+                <a:ln>
+                  <a:noFill/>
+                </a:ln>
+                <a:solidFill>
+                  <a:srgbClr val="A6B2C0"/>
+                </a:solidFill>
+                <a:effectLst/>
+                <a:latin typeface="Arial Unicode MS"/>
+                <a:ea typeface="Fira Code"/>
+              </a:rPr>
+              <a:t>.</a:t>
+            </a:r>
+            <a:r>
+              <a:rPr kumimoji="0" lang="zh-CN" altLang="zh-CN" sz="1200" b="0" i="0" u="none" strike="noStrike" cap="none" normalizeH="0" baseline="0">
+                <a:ln>
+                  <a:noFill/>
+                </a:ln>
+                <a:solidFill>
+                  <a:srgbClr val="61AEEF"/>
+                </a:solidFill>
+                <a:effectLst/>
+                <a:latin typeface="Arial Unicode MS"/>
+                <a:ea typeface="Fira Code"/>
+              </a:rPr>
+              <a:t>setBlockDataMode</a:t>
+            </a:r>
+            <a:r>
+              <a:rPr kumimoji="0" lang="zh-CN" altLang="zh-CN" sz="1200" b="0" i="0" u="none" strike="noStrike" cap="none" normalizeH="0" baseline="0">
+                <a:ln>
+                  <a:noFill/>
+                </a:ln>
+                <a:solidFill>
+                  <a:srgbClr val="A6B2C0"/>
+                </a:solidFill>
+                <a:effectLst/>
+                <a:latin typeface="Arial Unicode MS"/>
+                <a:ea typeface="Fira Code"/>
+              </a:rPr>
+              <a:t>(</a:t>
+            </a:r>
+            <a:r>
+              <a:rPr kumimoji="0" lang="zh-CN" altLang="zh-CN" sz="1200" b="0" i="1" u="none" strike="noStrike" cap="none" normalizeH="0" baseline="0">
+                <a:ln>
+                  <a:noFill/>
+                </a:ln>
+                <a:solidFill>
+                  <a:srgbClr val="C679DD"/>
+                </a:solidFill>
+                <a:effectLst/>
+                <a:latin typeface="Arial Unicode MS"/>
+                <a:ea typeface="Fira Code"/>
+              </a:rPr>
+              <a:t>false</a:t>
+            </a:r>
+            <a:r>
+              <a:rPr kumimoji="0" lang="zh-CN" altLang="zh-CN" sz="1200" b="0" i="0" u="none" strike="noStrike" cap="none" normalizeH="0" baseline="0">
+                <a:ln>
+                  <a:noFill/>
+                </a:ln>
+                <a:solidFill>
+                  <a:srgbClr val="A6B2C0"/>
+                </a:solidFill>
+                <a:effectLst/>
+                <a:latin typeface="Arial Unicode MS"/>
+                <a:ea typeface="Fira Code"/>
+              </a:rPr>
+              <a:t>);</a:t>
+            </a:r>
+            <a:br>
+              <a:rPr kumimoji="0" lang="zh-CN" altLang="zh-CN" sz="1200" b="0" i="0" u="none" strike="noStrike" cap="none" normalizeH="0" baseline="0">
+                <a:ln>
+                  <a:noFill/>
+                </a:ln>
+                <a:solidFill>
+                  <a:srgbClr val="A6B2C0"/>
+                </a:solidFill>
+                <a:effectLst/>
+                <a:latin typeface="Arial Unicode MS"/>
+                <a:ea typeface="Fira Code"/>
+              </a:rPr>
+            </a:br>
+            <a:r>
+              <a:rPr kumimoji="0" lang="zh-CN" altLang="zh-CN" sz="1200" b="0" i="0" u="none" strike="noStrike" cap="none" normalizeH="0" baseline="0">
+                <a:ln>
+                  <a:noFill/>
+                </a:ln>
+                <a:solidFill>
+                  <a:srgbClr val="A6B2C0"/>
+                </a:solidFill>
+                <a:effectLst/>
+                <a:latin typeface="Arial Unicode MS"/>
+                <a:ea typeface="Fira Code"/>
+              </a:rPr>
+              <a:t>    </a:t>
+            </a:r>
+            <a:r>
+              <a:rPr kumimoji="0" lang="zh-CN" altLang="zh-CN" sz="1200" b="0" i="0" u="none" strike="noStrike" cap="none" normalizeH="0" baseline="0">
+                <a:ln>
+                  <a:noFill/>
+                </a:ln>
+                <a:solidFill>
+                  <a:srgbClr val="61AEEF"/>
+                </a:solidFill>
+                <a:effectLst/>
+                <a:latin typeface="Arial Unicode MS"/>
+                <a:ea typeface="Fira Code"/>
+              </a:rPr>
+              <a:t>defaultWriteFields</a:t>
+            </a:r>
+            <a:r>
+              <a:rPr kumimoji="0" lang="zh-CN" altLang="zh-CN" sz="1200" b="0" i="0" u="none" strike="noStrike" cap="none" normalizeH="0" baseline="0">
+                <a:ln>
+                  <a:noFill/>
+                </a:ln>
+                <a:solidFill>
+                  <a:srgbClr val="A6B2C0"/>
+                </a:solidFill>
+                <a:effectLst/>
+                <a:latin typeface="Arial Unicode MS"/>
+                <a:ea typeface="Fira Code"/>
+              </a:rPr>
+              <a:t>(</a:t>
+            </a:r>
+            <a:r>
+              <a:rPr kumimoji="0" lang="zh-CN" altLang="zh-CN" sz="1200" b="0" i="0" u="none" strike="noStrike" cap="none" normalizeH="0" baseline="0">
+                <a:ln>
+                  <a:noFill/>
+                </a:ln>
+                <a:solidFill>
+                  <a:srgbClr val="D19A66"/>
+                </a:solidFill>
+                <a:effectLst/>
+                <a:latin typeface="Arial Unicode MS"/>
+                <a:ea typeface="Fira Code"/>
+              </a:rPr>
+              <a:t>curObj</a:t>
+            </a:r>
+            <a:r>
+              <a:rPr kumimoji="0" lang="zh-CN" altLang="zh-CN" sz="1200" b="0" i="0" u="none" strike="noStrike" cap="none" normalizeH="0" baseline="0">
+                <a:ln>
+                  <a:noFill/>
+                </a:ln>
+                <a:solidFill>
+                  <a:srgbClr val="A6B2C0"/>
+                </a:solidFill>
+                <a:effectLst/>
+                <a:latin typeface="Arial Unicode MS"/>
+                <a:ea typeface="Fira Code"/>
+              </a:rPr>
+              <a:t>, </a:t>
+            </a:r>
+            <a:r>
+              <a:rPr kumimoji="0" lang="zh-CN" altLang="zh-CN" sz="1200" b="0" i="0" u="none" strike="noStrike" cap="none" normalizeH="0" baseline="0">
+                <a:ln>
+                  <a:noFill/>
+                </a:ln>
+                <a:solidFill>
+                  <a:srgbClr val="D19A66"/>
+                </a:solidFill>
+                <a:effectLst/>
+                <a:latin typeface="Arial Unicode MS"/>
+                <a:ea typeface="Fira Code"/>
+              </a:rPr>
+              <a:t>curDesc</a:t>
+            </a:r>
+            <a:r>
+              <a:rPr kumimoji="0" lang="zh-CN" altLang="zh-CN" sz="1200" b="0" i="0" u="none" strike="noStrike" cap="none" normalizeH="0" baseline="0">
+                <a:ln>
+                  <a:noFill/>
+                </a:ln>
+                <a:solidFill>
+                  <a:srgbClr val="A6B2C0"/>
+                </a:solidFill>
+                <a:effectLst/>
+                <a:latin typeface="Arial Unicode MS"/>
+                <a:ea typeface="Fira Code"/>
+              </a:rPr>
+              <a:t>);</a:t>
+            </a:r>
+            <a:br>
+              <a:rPr kumimoji="0" lang="zh-CN" altLang="zh-CN" sz="1200" b="0" i="0" u="none" strike="noStrike" cap="none" normalizeH="0" baseline="0">
+                <a:ln>
+                  <a:noFill/>
+                </a:ln>
+                <a:solidFill>
+                  <a:srgbClr val="A6B2C0"/>
+                </a:solidFill>
+                <a:effectLst/>
+                <a:latin typeface="Arial Unicode MS"/>
+                <a:ea typeface="Fira Code"/>
+              </a:rPr>
+            </a:br>
+            <a:r>
+              <a:rPr kumimoji="0" lang="zh-CN" altLang="zh-CN" sz="1200" b="0" i="0" u="none" strike="noStrike" cap="none" normalizeH="0" baseline="0">
+                <a:ln>
+                  <a:noFill/>
+                </a:ln>
+                <a:solidFill>
+                  <a:srgbClr val="A6B2C0"/>
+                </a:solidFill>
+                <a:effectLst/>
+                <a:latin typeface="Arial Unicode MS"/>
+                <a:ea typeface="Fira Code"/>
+              </a:rPr>
+              <a:t>    </a:t>
+            </a:r>
+            <a:r>
+              <a:rPr kumimoji="0" lang="zh-CN" altLang="zh-CN" sz="1200" b="0" i="0" u="none" strike="noStrike" cap="none" normalizeH="0" baseline="0">
+                <a:ln>
+                  <a:noFill/>
+                </a:ln>
+                <a:solidFill>
+                  <a:srgbClr val="E06C75"/>
+                </a:solidFill>
+                <a:effectLst/>
+                <a:latin typeface="Arial Unicode MS"/>
+                <a:ea typeface="Fira Code"/>
+              </a:rPr>
+              <a:t>bout</a:t>
+            </a:r>
+            <a:r>
+              <a:rPr kumimoji="0" lang="zh-CN" altLang="zh-CN" sz="1200" b="0" i="0" u="none" strike="noStrike" cap="none" normalizeH="0" baseline="0">
+                <a:ln>
+                  <a:noFill/>
+                </a:ln>
+                <a:solidFill>
+                  <a:srgbClr val="A6B2C0"/>
+                </a:solidFill>
+                <a:effectLst/>
+                <a:latin typeface="Arial Unicode MS"/>
+                <a:ea typeface="Fira Code"/>
+              </a:rPr>
+              <a:t>.</a:t>
+            </a:r>
+            <a:r>
+              <a:rPr kumimoji="0" lang="zh-CN" altLang="zh-CN" sz="1200" b="0" i="0" u="none" strike="noStrike" cap="none" normalizeH="0" baseline="0">
+                <a:ln>
+                  <a:noFill/>
+                </a:ln>
+                <a:solidFill>
+                  <a:srgbClr val="61AEEF"/>
+                </a:solidFill>
+                <a:effectLst/>
+                <a:latin typeface="Arial Unicode MS"/>
+                <a:ea typeface="Fira Code"/>
+              </a:rPr>
+              <a:t>setBlockDataMode</a:t>
+            </a:r>
+            <a:r>
+              <a:rPr kumimoji="0" lang="zh-CN" altLang="zh-CN" sz="1200" b="0" i="0" u="none" strike="noStrike" cap="none" normalizeH="0" baseline="0">
+                <a:ln>
+                  <a:noFill/>
+                </a:ln>
+                <a:solidFill>
+                  <a:srgbClr val="A6B2C0"/>
+                </a:solidFill>
+                <a:effectLst/>
+                <a:latin typeface="Arial Unicode MS"/>
+                <a:ea typeface="Fira Code"/>
+              </a:rPr>
+              <a:t>(</a:t>
+            </a:r>
+            <a:r>
+              <a:rPr kumimoji="0" lang="zh-CN" altLang="zh-CN" sz="1200" b="0" i="1" u="none" strike="noStrike" cap="none" normalizeH="0" baseline="0">
+                <a:ln>
+                  <a:noFill/>
+                </a:ln>
+                <a:solidFill>
+                  <a:srgbClr val="C679DD"/>
+                </a:solidFill>
+                <a:effectLst/>
+                <a:latin typeface="Arial Unicode MS"/>
+                <a:ea typeface="Fira Code"/>
+              </a:rPr>
+              <a:t>true</a:t>
+            </a:r>
+            <a:r>
+              <a:rPr kumimoji="0" lang="zh-CN" altLang="zh-CN" sz="1200" b="0" i="0" u="none" strike="noStrike" cap="none" normalizeH="0" baseline="0">
+                <a:ln>
+                  <a:noFill/>
+                </a:ln>
+                <a:solidFill>
+                  <a:srgbClr val="A6B2C0"/>
+                </a:solidFill>
+                <a:effectLst/>
+                <a:latin typeface="Arial Unicode MS"/>
+                <a:ea typeface="Fira Code"/>
+              </a:rPr>
+              <a:t>);</a:t>
+            </a:r>
+            <a:br>
+              <a:rPr kumimoji="0" lang="zh-CN" altLang="zh-CN" sz="1200" b="0" i="0" u="none" strike="noStrike" cap="none" normalizeH="0" baseline="0">
+                <a:ln>
+                  <a:noFill/>
+                </a:ln>
+                <a:solidFill>
+                  <a:srgbClr val="A6B2C0"/>
+                </a:solidFill>
+                <a:effectLst/>
+                <a:latin typeface="Arial Unicode MS"/>
+                <a:ea typeface="Fira Code"/>
+              </a:rPr>
+            </a:br>
+            <a:r>
+              <a:rPr kumimoji="0" lang="zh-CN" altLang="zh-CN" sz="1200" b="0" i="0" u="none" strike="noStrike" cap="none" normalizeH="0" baseline="0">
+                <a:ln>
+                  <a:noFill/>
+                </a:ln>
+                <a:solidFill>
+                  <a:srgbClr val="A6B2C0"/>
+                </a:solidFill>
+                <a:effectLst/>
+                <a:latin typeface="Arial Unicode MS"/>
+                <a:ea typeface="Fira Code"/>
+              </a:rPr>
+              <a:t>}</a:t>
+            </a:r>
+            <a:endParaRPr kumimoji="0" lang="zh-CN" altLang="zh-CN" sz="1800" b="0" i="0" u="none" strike="noStrike" cap="none" normalizeH="0" baseline="0">
+              <a:ln>
+                <a:noFill/>
+              </a:ln>
+              <a:solidFill>
+                <a:schemeClr val="tx1"/>
+              </a:solidFill>
+              <a:effectLst/>
+              <a:latin typeface="Arial" panose="020B0604020202020204" pitchFamily="34" charset="0"/>
+            </a:endParaRPr>
+          </a:p>
+        </p:txBody>
+      </p:sp>
+      <p:sp>
+        <p:nvSpPr>
+          <p:cNvPr id="5" name="Rectangle 2">
+            <a:extLst>
+              <a:ext uri="{FF2B5EF4-FFF2-40B4-BE49-F238E27FC236}">
+                <a16:creationId xmlns:a16="http://schemas.microsoft.com/office/drawing/2014/main" id="{61337B43-40AC-4BCC-97C6-95D3B08325A9}"/>
+              </a:ext>
+            </a:extLst>
+          </p:cNvPr>
+          <p:cNvSpPr>
+            <a:spLocks noChangeArrowheads="1"/>
+          </p:cNvSpPr>
+          <p:nvPr/>
+        </p:nvSpPr>
+        <p:spPr bwMode="auto">
+          <a:xfrm>
+            <a:off x="5857875" y="3370213"/>
+            <a:ext cx="6076950" cy="2308324"/>
+          </a:xfrm>
+          <a:prstGeom prst="rect">
+            <a:avLst/>
+          </a:prstGeom>
+          <a:solidFill>
+            <a:srgbClr val="282C34"/>
+          </a:solidFill>
+          <a:ln>
+            <a:noFill/>
+          </a:ln>
+          <a:effectLst/>
+          <a:extLst>
+            <a:ext uri="{91240B29-F687-4F45-9708-019B960494DF}">
+              <a14:hiddenLine xmlns:a14="http://schemas.microsoft.com/office/drawing/2010/main" w="9525">
+                <a:solidFill>
+                  <a:schemeClr val="tx1"/>
+                </a:solidFill>
+                <a:miter lim="800000"/>
+                <a:headEnd/>
+                <a:tailEnd/>
+              </a14:hiddenLine>
+            </a:ext>
+            <a:ext uri="{AF507438-7753-43E0-B8FC-AC1667EBCBE1}">
+              <a14:hiddenEffects xmlns:a14="http://schemas.microsoft.com/office/drawing/2010/main">
+                <a:effectLst>
+                  <a:outerShdw dist="35921" dir="2700000" algn="ctr" rotWithShape="0">
+                    <a:schemeClr val="bg2"/>
+                  </a:outerShdw>
+                </a:effectLst>
+              </a14:hiddenEffects>
+            </a:ext>
+          </a:extLst>
+        </p:spPr>
+        <p:txBody>
+          <a:bodyPr vert="horz" wrap="square" lIns="91440" tIns="45720" rIns="91440" bIns="45720" numCol="1" anchor="ctr" anchorCtr="0" compatLnSpc="1">
+            <a:prstTxWarp prst="textNoShape">
+              <a:avLst/>
+            </a:prstTxWarp>
+            <a:spAutoFit/>
+          </a:bodyPr>
+          <a:lstStyle/>
+          <a:p>
+            <a:pPr marL="0" marR="0" lvl="0" indent="0" algn="l" defTabSz="914400" rtl="0" eaLnBrk="0" fontAlgn="base" latinLnBrk="0" hangingPunct="0">
+              <a:lnSpc>
+                <a:spcPct val="100000"/>
+              </a:lnSpc>
+              <a:spcBef>
+                <a:spcPct val="0"/>
+              </a:spcBef>
+              <a:spcAft>
+                <a:spcPct val="0"/>
+              </a:spcAft>
+              <a:buClrTx/>
+              <a:buSzTx/>
+              <a:buFontTx/>
+              <a:buNone/>
+              <a:tabLst/>
+            </a:pPr>
+            <a:r>
+              <a:rPr kumimoji="0" lang="zh-CN" altLang="zh-CN" sz="1200" b="0" i="1" u="none" strike="noStrike" cap="none" normalizeH="0" baseline="0" dirty="0">
+                <a:ln>
+                  <a:noFill/>
+                </a:ln>
+                <a:solidFill>
+                  <a:srgbClr val="59626F"/>
+                </a:solidFill>
+                <a:effectLst/>
+                <a:latin typeface="Arial Unicode MS"/>
+                <a:ea typeface="Fira Code"/>
+              </a:rPr>
+              <a:t>/**</a:t>
+            </a:r>
+            <a:br>
+              <a:rPr kumimoji="0" lang="zh-CN" altLang="zh-CN" sz="1200" b="0" i="1" u="none" strike="noStrike" cap="none" normalizeH="0" baseline="0" dirty="0">
+                <a:ln>
+                  <a:noFill/>
+                </a:ln>
+                <a:solidFill>
+                  <a:srgbClr val="59626F"/>
+                </a:solidFill>
+                <a:effectLst/>
+                <a:latin typeface="Arial Unicode MS"/>
+                <a:ea typeface="Fira Code"/>
+              </a:rPr>
+            </a:br>
+            <a:r>
+              <a:rPr kumimoji="0" lang="zh-CN" altLang="zh-CN" sz="1200" b="0" i="1" u="none" strike="noStrike" cap="none" normalizeH="0" baseline="0" dirty="0">
+                <a:ln>
+                  <a:noFill/>
+                </a:ln>
+                <a:solidFill>
+                  <a:srgbClr val="59626F"/>
+                </a:solidFill>
+                <a:effectLst/>
+                <a:latin typeface="Arial Unicode MS"/>
+                <a:ea typeface="Fira Code"/>
+              </a:rPr>
+              <a:t> * Thread this context is in use by.</a:t>
+            </a:r>
+            <a:br>
+              <a:rPr kumimoji="0" lang="zh-CN" altLang="zh-CN" sz="1200" b="0" i="1" u="none" strike="noStrike" cap="none" normalizeH="0" baseline="0" dirty="0">
+                <a:ln>
+                  <a:noFill/>
+                </a:ln>
+                <a:solidFill>
+                  <a:srgbClr val="59626F"/>
+                </a:solidFill>
+                <a:effectLst/>
+                <a:latin typeface="Arial Unicode MS"/>
+                <a:ea typeface="Fira Code"/>
+              </a:rPr>
+            </a:br>
+            <a:r>
+              <a:rPr kumimoji="0" lang="zh-CN" altLang="zh-CN" sz="1200" b="0" i="1" u="none" strike="noStrike" cap="none" normalizeH="0" baseline="0" dirty="0">
+                <a:ln>
+                  <a:noFill/>
+                </a:ln>
+                <a:solidFill>
+                  <a:srgbClr val="59626F"/>
+                </a:solidFill>
+                <a:effectLst/>
+                <a:latin typeface="Arial Unicode MS"/>
+                <a:ea typeface="Fira Code"/>
+              </a:rPr>
+              <a:t> * As this only works in one thread, we do not need to worry about thread-safety.</a:t>
+            </a:r>
+            <a:br>
+              <a:rPr kumimoji="0" lang="zh-CN" altLang="zh-CN" sz="1200" b="0" i="1" u="none" strike="noStrike" cap="none" normalizeH="0" baseline="0" dirty="0">
+                <a:ln>
+                  <a:noFill/>
+                </a:ln>
+                <a:solidFill>
+                  <a:srgbClr val="59626F"/>
+                </a:solidFill>
+                <a:effectLst/>
+                <a:latin typeface="Arial Unicode MS"/>
+                <a:ea typeface="Fira Code"/>
+              </a:rPr>
+            </a:br>
+            <a:r>
+              <a:rPr kumimoji="0" lang="zh-CN" altLang="zh-CN" sz="1200" b="0" i="1" u="none" strike="noStrike" cap="none" normalizeH="0" baseline="0" dirty="0">
+                <a:ln>
+                  <a:noFill/>
+                </a:ln>
+                <a:solidFill>
+                  <a:srgbClr val="59626F"/>
+                </a:solidFill>
+                <a:effectLst/>
+                <a:latin typeface="Arial Unicode MS"/>
+                <a:ea typeface="Fira Code"/>
+              </a:rPr>
+              <a:t> */</a:t>
+            </a:r>
+            <a:br>
+              <a:rPr kumimoji="0" lang="zh-CN" altLang="zh-CN" sz="1200" b="0" i="1" u="none" strike="noStrike" cap="none" normalizeH="0" baseline="0" dirty="0">
+                <a:ln>
+                  <a:noFill/>
+                </a:ln>
+                <a:solidFill>
+                  <a:srgbClr val="59626F"/>
+                </a:solidFill>
+                <a:effectLst/>
+                <a:latin typeface="Arial Unicode MS"/>
+                <a:ea typeface="Fira Code"/>
+              </a:rPr>
+            </a:br>
+            <a:r>
+              <a:rPr kumimoji="0" lang="zh-CN" altLang="zh-CN" sz="1200" b="0" i="1" u="none" strike="noStrike" cap="none" normalizeH="0" baseline="0" dirty="0">
+                <a:ln>
+                  <a:noFill/>
+                </a:ln>
+                <a:solidFill>
+                  <a:srgbClr val="C679DD"/>
+                </a:solidFill>
+                <a:effectLst/>
+                <a:latin typeface="Arial Unicode MS"/>
+                <a:ea typeface="Fira Code"/>
+              </a:rPr>
+              <a:t>private </a:t>
+            </a:r>
+            <a:r>
+              <a:rPr kumimoji="0" lang="zh-CN" altLang="zh-CN" sz="1200" b="0" i="0" u="none" strike="noStrike" cap="none" normalizeH="0" baseline="0" dirty="0">
+                <a:ln>
+                  <a:noFill/>
+                </a:ln>
+                <a:solidFill>
+                  <a:srgbClr val="E5C17C"/>
+                </a:solidFill>
+                <a:effectLst/>
+                <a:latin typeface="Arial Unicode MS"/>
+                <a:ea typeface="Fira Code"/>
+              </a:rPr>
+              <a:t>Thread </a:t>
+            </a:r>
+            <a:r>
+              <a:rPr kumimoji="0" lang="zh-CN" altLang="zh-CN" sz="1200" b="0" i="0" u="none" strike="noStrike" cap="none" normalizeH="0" baseline="0" dirty="0">
+                <a:ln>
+                  <a:noFill/>
+                </a:ln>
+                <a:solidFill>
+                  <a:srgbClr val="E06C75"/>
+                </a:solidFill>
+                <a:effectLst/>
+                <a:latin typeface="Arial Unicode MS"/>
+                <a:ea typeface="Fira Code"/>
+              </a:rPr>
+              <a:t>thread</a:t>
+            </a:r>
+            <a:r>
+              <a:rPr kumimoji="0" lang="zh-CN" altLang="zh-CN" sz="1200" b="0" i="0" u="none" strike="noStrike" cap="none" normalizeH="0" baseline="0" dirty="0">
+                <a:ln>
+                  <a:noFill/>
+                </a:ln>
+                <a:solidFill>
+                  <a:srgbClr val="A6B2C0"/>
+                </a:solidFill>
+                <a:effectLst/>
+                <a:latin typeface="Arial Unicode MS"/>
+                <a:ea typeface="Fira Code"/>
+              </a:rPr>
+              <a:t>;</a:t>
+            </a:r>
+            <a:br>
+              <a:rPr kumimoji="0" lang="zh-CN" altLang="zh-CN" sz="1200" b="0" i="0" u="none" strike="noStrike" cap="none" normalizeH="0" baseline="0" dirty="0">
+                <a:ln>
+                  <a:noFill/>
+                </a:ln>
+                <a:solidFill>
+                  <a:srgbClr val="A6B2C0"/>
+                </a:solidFill>
+                <a:effectLst/>
+                <a:latin typeface="Arial Unicode MS"/>
+                <a:ea typeface="Fira Code"/>
+              </a:rPr>
+            </a:br>
+            <a:br>
+              <a:rPr kumimoji="0" lang="zh-CN" altLang="zh-CN" sz="1200" b="0" i="0" u="none" strike="noStrike" cap="none" normalizeH="0" baseline="0" dirty="0">
+                <a:ln>
+                  <a:noFill/>
+                </a:ln>
+                <a:solidFill>
+                  <a:srgbClr val="A6B2C0"/>
+                </a:solidFill>
+                <a:effectLst/>
+                <a:latin typeface="Arial Unicode MS"/>
+                <a:ea typeface="Fira Code"/>
+              </a:rPr>
+            </a:br>
+            <a:r>
+              <a:rPr kumimoji="0" lang="zh-CN" altLang="zh-CN" sz="1200" b="0" i="1" u="none" strike="noStrike" cap="none" normalizeH="0" baseline="0" dirty="0">
+                <a:ln>
+                  <a:noFill/>
+                </a:ln>
+                <a:solidFill>
+                  <a:srgbClr val="C679DD"/>
+                </a:solidFill>
+                <a:effectLst/>
+                <a:latin typeface="Arial Unicode MS"/>
+                <a:ea typeface="Fira Code"/>
+              </a:rPr>
+              <a:t>public </a:t>
+            </a:r>
+            <a:r>
+              <a:rPr kumimoji="0" lang="zh-CN" altLang="zh-CN" sz="1200" b="0" i="0" u="none" strike="noStrike" cap="none" normalizeH="0" baseline="0" dirty="0">
+                <a:ln>
+                  <a:noFill/>
+                </a:ln>
+                <a:solidFill>
+                  <a:srgbClr val="61AEEF"/>
+                </a:solidFill>
+                <a:effectLst/>
+                <a:latin typeface="Arial Unicode MS"/>
+                <a:ea typeface="Fira Code"/>
+              </a:rPr>
+              <a:t>KryoSerialCallbackContext</a:t>
+            </a:r>
+            <a:r>
+              <a:rPr kumimoji="0" lang="zh-CN" altLang="zh-CN" sz="1200" b="0" i="0" u="none" strike="noStrike" cap="none" normalizeH="0" baseline="0" dirty="0">
+                <a:ln>
+                  <a:noFill/>
+                </a:ln>
+                <a:solidFill>
+                  <a:srgbClr val="A6B2C0"/>
+                </a:solidFill>
+                <a:effectLst/>
+                <a:latin typeface="Arial Unicode MS"/>
+                <a:ea typeface="Fira Code"/>
+              </a:rPr>
+              <a:t>(</a:t>
+            </a:r>
+            <a:r>
+              <a:rPr kumimoji="0" lang="zh-CN" altLang="zh-CN" sz="1200" b="0" i="0" u="none" strike="noStrike" cap="none" normalizeH="0" baseline="0" dirty="0">
+                <a:ln>
+                  <a:noFill/>
+                </a:ln>
+                <a:solidFill>
+                  <a:srgbClr val="E5C17C"/>
+                </a:solidFill>
+                <a:effectLst/>
+                <a:latin typeface="Arial Unicode MS"/>
+                <a:ea typeface="Fira Code"/>
+              </a:rPr>
+              <a:t>Object </a:t>
+            </a:r>
+            <a:r>
+              <a:rPr kumimoji="0" lang="zh-CN" altLang="zh-CN" sz="1200" b="0" i="0" u="none" strike="noStrike" cap="none" normalizeH="0" baseline="0" dirty="0">
+                <a:ln>
+                  <a:noFill/>
+                </a:ln>
+                <a:solidFill>
+                  <a:srgbClr val="ABB2BF"/>
+                </a:solidFill>
+                <a:effectLst/>
+                <a:latin typeface="Arial Unicode MS"/>
+                <a:ea typeface="Fira Code"/>
+              </a:rPr>
+              <a:t>obj</a:t>
+            </a:r>
+            <a:r>
+              <a:rPr kumimoji="0" lang="zh-CN" altLang="zh-CN" sz="1200" b="0" i="0" u="none" strike="noStrike" cap="none" normalizeH="0" baseline="0" dirty="0">
+                <a:ln>
+                  <a:noFill/>
+                </a:ln>
+                <a:solidFill>
+                  <a:srgbClr val="A6B2C0"/>
+                </a:solidFill>
+                <a:effectLst/>
+                <a:latin typeface="Arial Unicode MS"/>
+                <a:ea typeface="Fira Code"/>
+              </a:rPr>
+              <a:t>, </a:t>
+            </a:r>
+            <a:r>
+              <a:rPr kumimoji="0" lang="zh-CN" altLang="zh-CN" sz="1200" b="0" i="0" u="none" strike="noStrike" cap="none" normalizeH="0" baseline="0" dirty="0">
+                <a:ln>
+                  <a:noFill/>
+                </a:ln>
+                <a:solidFill>
+                  <a:srgbClr val="E5C17C"/>
+                </a:solidFill>
+                <a:effectLst/>
+                <a:latin typeface="Arial Unicode MS"/>
+                <a:ea typeface="Fira Code"/>
+              </a:rPr>
+              <a:t>FieldSerializer </a:t>
+            </a:r>
+            <a:r>
+              <a:rPr kumimoji="0" lang="zh-CN" altLang="zh-CN" sz="1200" b="0" i="0" u="none" strike="noStrike" cap="none" normalizeH="0" baseline="0" dirty="0">
+                <a:ln>
+                  <a:noFill/>
+                </a:ln>
+                <a:solidFill>
+                  <a:srgbClr val="ABB2BF"/>
+                </a:solidFill>
+                <a:effectLst/>
+                <a:latin typeface="Arial Unicode MS"/>
+                <a:ea typeface="Fira Code"/>
+              </a:rPr>
+              <a:t>desc</a:t>
+            </a:r>
+            <a:r>
+              <a:rPr kumimoji="0" lang="zh-CN" altLang="zh-CN" sz="1200" b="0" i="0" u="none" strike="noStrike" cap="none" normalizeH="0" baseline="0" dirty="0">
+                <a:ln>
+                  <a:noFill/>
+                </a:ln>
+                <a:solidFill>
+                  <a:srgbClr val="A6B2C0"/>
+                </a:solidFill>
+                <a:effectLst/>
+                <a:latin typeface="Arial Unicode MS"/>
+                <a:ea typeface="Fira Code"/>
+              </a:rPr>
+              <a:t>, </a:t>
+            </a:r>
+            <a:r>
+              <a:rPr kumimoji="0" lang="zh-CN" altLang="zh-CN" sz="1200" b="0" i="1" u="none" strike="noStrike" cap="none" normalizeH="0" baseline="0" dirty="0">
+                <a:ln>
+                  <a:noFill/>
+                </a:ln>
+                <a:solidFill>
+                  <a:srgbClr val="C679DD"/>
+                </a:solidFill>
+                <a:effectLst/>
+                <a:latin typeface="Arial Unicode MS"/>
+                <a:ea typeface="Fira Code"/>
+              </a:rPr>
+              <a:t>int </a:t>
+            </a:r>
+            <a:r>
+              <a:rPr kumimoji="0" lang="zh-CN" altLang="zh-CN" sz="1200" b="0" i="0" u="none" strike="noStrike" cap="none" normalizeH="0" baseline="0" dirty="0">
+                <a:ln>
+                  <a:noFill/>
+                </a:ln>
+                <a:solidFill>
+                  <a:srgbClr val="ABB2BF"/>
+                </a:solidFill>
+                <a:effectLst/>
+                <a:latin typeface="Arial Unicode MS"/>
+                <a:ea typeface="Fira Code"/>
+              </a:rPr>
+              <a:t>id</a:t>
+            </a:r>
+            <a:r>
+              <a:rPr kumimoji="0" lang="zh-CN" altLang="zh-CN" sz="1200" b="0" i="0" u="none" strike="noStrike" cap="none" normalizeH="0" baseline="0" dirty="0">
+                <a:ln>
+                  <a:noFill/>
+                </a:ln>
+                <a:solidFill>
+                  <a:srgbClr val="A6B2C0"/>
+                </a:solidFill>
+                <a:effectLst/>
+                <a:latin typeface="Arial Unicode MS"/>
+                <a:ea typeface="Fira Code"/>
+              </a:rPr>
+              <a:t>) {</a:t>
+            </a:r>
+            <a:br>
+              <a:rPr kumimoji="0" lang="zh-CN" altLang="zh-CN" sz="1200" b="0" i="0" u="none" strike="noStrike" cap="none" normalizeH="0" baseline="0" dirty="0">
+                <a:ln>
+                  <a:noFill/>
+                </a:ln>
+                <a:solidFill>
+                  <a:srgbClr val="A6B2C0"/>
+                </a:solidFill>
+                <a:effectLst/>
+                <a:latin typeface="Arial Unicode MS"/>
+                <a:ea typeface="Fira Code"/>
+              </a:rPr>
+            </a:br>
+            <a:r>
+              <a:rPr kumimoji="0" lang="zh-CN" altLang="zh-CN" sz="1200" b="0" i="0" u="none" strike="noStrike" cap="none" normalizeH="0" baseline="0" dirty="0">
+                <a:ln>
+                  <a:noFill/>
+                </a:ln>
+                <a:solidFill>
+                  <a:srgbClr val="A6B2C0"/>
+                </a:solidFill>
+                <a:effectLst/>
+                <a:latin typeface="Arial Unicode MS"/>
+                <a:ea typeface="Fira Code"/>
+              </a:rPr>
+              <a:t>    </a:t>
+            </a:r>
+            <a:r>
+              <a:rPr kumimoji="0" lang="zh-CN" altLang="zh-CN" sz="1200" b="0" i="1" u="none" strike="noStrike" cap="none" normalizeH="0" baseline="0" dirty="0">
+                <a:ln>
+                  <a:noFill/>
+                </a:ln>
+                <a:solidFill>
+                  <a:srgbClr val="E06C75"/>
+                </a:solidFill>
+                <a:effectLst/>
+                <a:latin typeface="Arial Unicode MS"/>
+                <a:ea typeface="Fira Code"/>
+              </a:rPr>
+              <a:t>this</a:t>
+            </a:r>
+            <a:r>
+              <a:rPr kumimoji="0" lang="zh-CN" altLang="zh-CN" sz="1200" b="0" i="0" u="none" strike="noStrike" cap="none" normalizeH="0" baseline="0" dirty="0">
+                <a:ln>
+                  <a:noFill/>
+                </a:ln>
+                <a:solidFill>
+                  <a:srgbClr val="A6B2C0"/>
+                </a:solidFill>
+                <a:effectLst/>
+                <a:latin typeface="Arial Unicode MS"/>
+                <a:ea typeface="Fira Code"/>
+              </a:rPr>
+              <a:t>.</a:t>
+            </a:r>
+            <a:r>
+              <a:rPr kumimoji="0" lang="zh-CN" altLang="zh-CN" sz="1200" b="0" i="0" u="none" strike="noStrike" cap="none" normalizeH="0" baseline="0" dirty="0">
+                <a:ln>
+                  <a:noFill/>
+                </a:ln>
+                <a:solidFill>
+                  <a:srgbClr val="E06C75"/>
+                </a:solidFill>
+                <a:effectLst/>
+                <a:latin typeface="Arial Unicode MS"/>
+                <a:ea typeface="Fira Code"/>
+              </a:rPr>
+              <a:t>obj </a:t>
+            </a:r>
+            <a:r>
+              <a:rPr kumimoji="0" lang="zh-CN" altLang="zh-CN" sz="1200" b="0" i="0" u="none" strike="noStrike" cap="none" normalizeH="0" baseline="0" dirty="0">
+                <a:ln>
+                  <a:noFill/>
+                </a:ln>
+                <a:solidFill>
+                  <a:srgbClr val="61AFEF"/>
+                </a:solidFill>
+                <a:effectLst/>
+                <a:latin typeface="Arial Unicode MS"/>
+                <a:ea typeface="Fira Code"/>
+              </a:rPr>
+              <a:t>= </a:t>
+            </a:r>
+            <a:r>
+              <a:rPr kumimoji="0" lang="zh-CN" altLang="zh-CN" sz="1200" b="0" i="0" u="none" strike="noStrike" cap="none" normalizeH="0" baseline="0" dirty="0">
+                <a:ln>
+                  <a:noFill/>
+                </a:ln>
+                <a:solidFill>
+                  <a:srgbClr val="ABB2BF"/>
+                </a:solidFill>
+                <a:effectLst/>
+                <a:latin typeface="Arial Unicode MS"/>
+                <a:ea typeface="Fira Code"/>
+              </a:rPr>
+              <a:t>obj</a:t>
+            </a:r>
+            <a:r>
+              <a:rPr kumimoji="0" lang="zh-CN" altLang="zh-CN" sz="1200" b="0" i="0" u="none" strike="noStrike" cap="none" normalizeH="0" baseline="0" dirty="0">
+                <a:ln>
+                  <a:noFill/>
+                </a:ln>
+                <a:solidFill>
+                  <a:srgbClr val="A6B2C0"/>
+                </a:solidFill>
+                <a:effectLst/>
+                <a:latin typeface="Arial Unicode MS"/>
+                <a:ea typeface="Fira Code"/>
+              </a:rPr>
+              <a:t>;</a:t>
+            </a:r>
+            <a:br>
+              <a:rPr kumimoji="0" lang="zh-CN" altLang="zh-CN" sz="1200" b="0" i="0" u="none" strike="noStrike" cap="none" normalizeH="0" baseline="0" dirty="0">
+                <a:ln>
+                  <a:noFill/>
+                </a:ln>
+                <a:solidFill>
+                  <a:srgbClr val="A6B2C0"/>
+                </a:solidFill>
+                <a:effectLst/>
+                <a:latin typeface="Arial Unicode MS"/>
+                <a:ea typeface="Fira Code"/>
+              </a:rPr>
+            </a:br>
+            <a:r>
+              <a:rPr kumimoji="0" lang="zh-CN" altLang="zh-CN" sz="1200" b="0" i="0" u="none" strike="noStrike" cap="none" normalizeH="0" baseline="0" dirty="0">
+                <a:ln>
+                  <a:noFill/>
+                </a:ln>
+                <a:solidFill>
+                  <a:srgbClr val="A6B2C0"/>
+                </a:solidFill>
+                <a:effectLst/>
+                <a:latin typeface="Arial Unicode MS"/>
+                <a:ea typeface="Fira Code"/>
+              </a:rPr>
+              <a:t>    </a:t>
+            </a:r>
+            <a:r>
+              <a:rPr kumimoji="0" lang="zh-CN" altLang="zh-CN" sz="1200" b="0" i="1" u="none" strike="noStrike" cap="none" normalizeH="0" baseline="0" dirty="0">
+                <a:ln>
+                  <a:noFill/>
+                </a:ln>
+                <a:solidFill>
+                  <a:srgbClr val="E06C75"/>
+                </a:solidFill>
+                <a:effectLst/>
+                <a:latin typeface="Arial Unicode MS"/>
+                <a:ea typeface="Fira Code"/>
+              </a:rPr>
+              <a:t>this</a:t>
+            </a:r>
+            <a:r>
+              <a:rPr kumimoji="0" lang="zh-CN" altLang="zh-CN" sz="1200" b="0" i="0" u="none" strike="noStrike" cap="none" normalizeH="0" baseline="0" dirty="0">
+                <a:ln>
+                  <a:noFill/>
+                </a:ln>
+                <a:solidFill>
+                  <a:srgbClr val="A6B2C0"/>
+                </a:solidFill>
+                <a:effectLst/>
+                <a:latin typeface="Arial Unicode MS"/>
+                <a:ea typeface="Fira Code"/>
+              </a:rPr>
+              <a:t>.</a:t>
+            </a:r>
+            <a:r>
+              <a:rPr kumimoji="0" lang="zh-CN" altLang="zh-CN" sz="1200" b="0" i="0" u="none" strike="noStrike" cap="none" normalizeH="0" baseline="0" dirty="0">
+                <a:ln>
+                  <a:noFill/>
+                </a:ln>
+                <a:solidFill>
+                  <a:srgbClr val="E06C75"/>
+                </a:solidFill>
+                <a:effectLst/>
+                <a:latin typeface="Arial Unicode MS"/>
+                <a:ea typeface="Fira Code"/>
+              </a:rPr>
+              <a:t>desc </a:t>
+            </a:r>
+            <a:r>
+              <a:rPr kumimoji="0" lang="zh-CN" altLang="zh-CN" sz="1200" b="0" i="0" u="none" strike="noStrike" cap="none" normalizeH="0" baseline="0" dirty="0">
+                <a:ln>
+                  <a:noFill/>
+                </a:ln>
+                <a:solidFill>
+                  <a:srgbClr val="61AFEF"/>
+                </a:solidFill>
+                <a:effectLst/>
+                <a:latin typeface="Arial Unicode MS"/>
+                <a:ea typeface="Fira Code"/>
+              </a:rPr>
+              <a:t>= </a:t>
+            </a:r>
+            <a:r>
+              <a:rPr kumimoji="0" lang="zh-CN" altLang="zh-CN" sz="1200" b="0" i="0" u="none" strike="noStrike" cap="none" normalizeH="0" baseline="0" dirty="0">
+                <a:ln>
+                  <a:noFill/>
+                </a:ln>
+                <a:solidFill>
+                  <a:srgbClr val="ABB2BF"/>
+                </a:solidFill>
+                <a:effectLst/>
+                <a:latin typeface="Arial Unicode MS"/>
+                <a:ea typeface="Fira Code"/>
+              </a:rPr>
+              <a:t>desc</a:t>
+            </a:r>
+            <a:r>
+              <a:rPr kumimoji="0" lang="zh-CN" altLang="zh-CN" sz="1200" b="0" i="0" u="none" strike="noStrike" cap="none" normalizeH="0" baseline="0" dirty="0">
+                <a:ln>
+                  <a:noFill/>
+                </a:ln>
+                <a:solidFill>
+                  <a:srgbClr val="A6B2C0"/>
+                </a:solidFill>
+                <a:effectLst/>
+                <a:latin typeface="Arial Unicode MS"/>
+                <a:ea typeface="Fira Code"/>
+              </a:rPr>
+              <a:t>;</a:t>
+            </a:r>
+            <a:br>
+              <a:rPr kumimoji="0" lang="zh-CN" altLang="zh-CN" sz="1200" b="0" i="0" u="none" strike="noStrike" cap="none" normalizeH="0" baseline="0" dirty="0">
+                <a:ln>
+                  <a:noFill/>
+                </a:ln>
+                <a:solidFill>
+                  <a:srgbClr val="A6B2C0"/>
+                </a:solidFill>
+                <a:effectLst/>
+                <a:latin typeface="Arial Unicode MS"/>
+                <a:ea typeface="Fira Code"/>
+              </a:rPr>
+            </a:br>
+            <a:r>
+              <a:rPr kumimoji="0" lang="zh-CN" altLang="zh-CN" sz="1200" b="0" i="0" u="none" strike="noStrike" cap="none" normalizeH="0" baseline="0" dirty="0">
+                <a:ln>
+                  <a:noFill/>
+                </a:ln>
+                <a:solidFill>
+                  <a:srgbClr val="A6B2C0"/>
+                </a:solidFill>
+                <a:effectLst/>
+                <a:latin typeface="Arial Unicode MS"/>
+                <a:ea typeface="Fira Code"/>
+              </a:rPr>
+              <a:t>    </a:t>
+            </a:r>
+            <a:r>
+              <a:rPr kumimoji="0" lang="zh-CN" altLang="zh-CN" sz="1200" b="0" i="1" u="none" strike="noStrike" cap="none" normalizeH="0" baseline="0" dirty="0">
+                <a:ln>
+                  <a:noFill/>
+                </a:ln>
+                <a:solidFill>
+                  <a:srgbClr val="E06C75"/>
+                </a:solidFill>
+                <a:effectLst/>
+                <a:latin typeface="Arial Unicode MS"/>
+                <a:ea typeface="Fira Code"/>
+              </a:rPr>
+              <a:t>this</a:t>
+            </a:r>
+            <a:r>
+              <a:rPr kumimoji="0" lang="zh-CN" altLang="zh-CN" sz="1200" b="0" i="0" u="none" strike="noStrike" cap="none" normalizeH="0" baseline="0" dirty="0">
+                <a:ln>
+                  <a:noFill/>
+                </a:ln>
+                <a:solidFill>
+                  <a:srgbClr val="A6B2C0"/>
+                </a:solidFill>
+                <a:effectLst/>
+                <a:latin typeface="Arial Unicode MS"/>
+                <a:ea typeface="Fira Code"/>
+              </a:rPr>
+              <a:t>.</a:t>
+            </a:r>
+            <a:r>
+              <a:rPr kumimoji="0" lang="zh-CN" altLang="zh-CN" sz="1200" b="0" i="0" u="none" strike="noStrike" cap="none" normalizeH="0" baseline="0" dirty="0">
+                <a:ln>
+                  <a:noFill/>
+                </a:ln>
+                <a:solidFill>
+                  <a:srgbClr val="E06C75"/>
+                </a:solidFill>
+                <a:effectLst/>
+                <a:latin typeface="Arial Unicode MS"/>
+                <a:ea typeface="Fira Code"/>
+              </a:rPr>
+              <a:t>id </a:t>
+            </a:r>
+            <a:r>
+              <a:rPr kumimoji="0" lang="zh-CN" altLang="zh-CN" sz="1200" b="0" i="0" u="none" strike="noStrike" cap="none" normalizeH="0" baseline="0" dirty="0">
+                <a:ln>
+                  <a:noFill/>
+                </a:ln>
+                <a:solidFill>
+                  <a:srgbClr val="61AFEF"/>
+                </a:solidFill>
+                <a:effectLst/>
+                <a:latin typeface="Arial Unicode MS"/>
+                <a:ea typeface="Fira Code"/>
+              </a:rPr>
+              <a:t>= </a:t>
+            </a:r>
+            <a:r>
+              <a:rPr kumimoji="0" lang="zh-CN" altLang="zh-CN" sz="1200" b="0" i="0" u="none" strike="noStrike" cap="none" normalizeH="0" baseline="0" dirty="0">
+                <a:ln>
+                  <a:noFill/>
+                </a:ln>
+                <a:solidFill>
+                  <a:srgbClr val="ABB2BF"/>
+                </a:solidFill>
+                <a:effectLst/>
+                <a:latin typeface="Arial Unicode MS"/>
+                <a:ea typeface="Fira Code"/>
+              </a:rPr>
+              <a:t>id</a:t>
+            </a:r>
+            <a:r>
+              <a:rPr kumimoji="0" lang="zh-CN" altLang="zh-CN" sz="1200" b="0" i="0" u="none" strike="noStrike" cap="none" normalizeH="0" baseline="0" dirty="0">
+                <a:ln>
+                  <a:noFill/>
+                </a:ln>
+                <a:solidFill>
+                  <a:srgbClr val="A6B2C0"/>
+                </a:solidFill>
+                <a:effectLst/>
+                <a:latin typeface="Arial Unicode MS"/>
+                <a:ea typeface="Fira Code"/>
+              </a:rPr>
+              <a:t>;</a:t>
+            </a:r>
+            <a:br>
+              <a:rPr kumimoji="0" lang="zh-CN" altLang="zh-CN" sz="1200" b="0" i="0" u="none" strike="noStrike" cap="none" normalizeH="0" baseline="0" dirty="0">
+                <a:ln>
+                  <a:noFill/>
+                </a:ln>
+                <a:solidFill>
+                  <a:srgbClr val="A6B2C0"/>
+                </a:solidFill>
+                <a:effectLst/>
+                <a:latin typeface="Arial Unicode MS"/>
+                <a:ea typeface="Fira Code"/>
+              </a:rPr>
+            </a:br>
+            <a:r>
+              <a:rPr kumimoji="0" lang="zh-CN" altLang="zh-CN" sz="1200" b="0" i="0" u="none" strike="noStrike" cap="none" normalizeH="0" baseline="0" dirty="0">
+                <a:ln>
+                  <a:noFill/>
+                </a:ln>
+                <a:solidFill>
+                  <a:srgbClr val="A6B2C0"/>
+                </a:solidFill>
+                <a:effectLst/>
+                <a:latin typeface="Arial Unicode MS"/>
+                <a:ea typeface="Fira Code"/>
+              </a:rPr>
+              <a:t>    </a:t>
+            </a:r>
+            <a:r>
+              <a:rPr kumimoji="0" lang="zh-CN" altLang="zh-CN" sz="1200" b="0" i="1" u="none" strike="noStrike" cap="none" normalizeH="0" baseline="0" dirty="0">
+                <a:ln>
+                  <a:noFill/>
+                </a:ln>
+                <a:solidFill>
+                  <a:srgbClr val="E06C75"/>
+                </a:solidFill>
+                <a:effectLst/>
+                <a:latin typeface="Arial Unicode MS"/>
+                <a:ea typeface="Fira Code"/>
+              </a:rPr>
+              <a:t>this</a:t>
+            </a:r>
+            <a:r>
+              <a:rPr kumimoji="0" lang="zh-CN" altLang="zh-CN" sz="1200" b="0" i="0" u="none" strike="noStrike" cap="none" normalizeH="0" baseline="0" dirty="0">
+                <a:ln>
+                  <a:noFill/>
+                </a:ln>
+                <a:solidFill>
+                  <a:srgbClr val="A6B2C0"/>
+                </a:solidFill>
+                <a:effectLst/>
+                <a:latin typeface="Arial Unicode MS"/>
+                <a:ea typeface="Fira Code"/>
+              </a:rPr>
+              <a:t>.</a:t>
+            </a:r>
+            <a:r>
+              <a:rPr kumimoji="0" lang="zh-CN" altLang="zh-CN" sz="1200" b="0" i="0" u="none" strike="noStrike" cap="none" normalizeH="0" baseline="0" dirty="0">
+                <a:ln>
+                  <a:noFill/>
+                </a:ln>
+                <a:solidFill>
+                  <a:srgbClr val="E06C75"/>
+                </a:solidFill>
+                <a:effectLst/>
+                <a:latin typeface="Arial Unicode MS"/>
+                <a:ea typeface="Fira Code"/>
+              </a:rPr>
+              <a:t>thread </a:t>
+            </a:r>
+            <a:r>
+              <a:rPr kumimoji="0" lang="zh-CN" altLang="zh-CN" sz="1200" b="0" i="0" u="none" strike="noStrike" cap="none" normalizeH="0" baseline="0" dirty="0">
+                <a:ln>
+                  <a:noFill/>
+                </a:ln>
+                <a:solidFill>
+                  <a:srgbClr val="61AFEF"/>
+                </a:solidFill>
+                <a:effectLst/>
+                <a:latin typeface="Arial Unicode MS"/>
+                <a:ea typeface="Fira Code"/>
+              </a:rPr>
+              <a:t>= </a:t>
+            </a:r>
+            <a:r>
+              <a:rPr kumimoji="0" lang="zh-CN" altLang="zh-CN" sz="1200" b="0" i="0" u="none" strike="noStrike" cap="none" normalizeH="0" baseline="0" dirty="0">
+                <a:ln>
+                  <a:noFill/>
+                </a:ln>
+                <a:solidFill>
+                  <a:srgbClr val="E5C17C"/>
+                </a:solidFill>
+                <a:effectLst/>
+                <a:latin typeface="Arial Unicode MS"/>
+                <a:ea typeface="Fira Code"/>
+              </a:rPr>
+              <a:t>Thread</a:t>
+            </a:r>
+            <a:r>
+              <a:rPr kumimoji="0" lang="zh-CN" altLang="zh-CN" sz="1200" b="0" i="0" u="none" strike="noStrike" cap="none" normalizeH="0" baseline="0" dirty="0">
+                <a:ln>
+                  <a:noFill/>
+                </a:ln>
+                <a:solidFill>
+                  <a:srgbClr val="A6B2C0"/>
+                </a:solidFill>
+                <a:effectLst/>
+                <a:latin typeface="Arial Unicode MS"/>
+                <a:ea typeface="Fira Code"/>
+              </a:rPr>
+              <a:t>.</a:t>
+            </a:r>
+            <a:r>
+              <a:rPr kumimoji="0" lang="zh-CN" altLang="zh-CN" sz="1200" b="0" i="1" u="none" strike="noStrike" cap="none" normalizeH="0" baseline="0" dirty="0">
+                <a:ln>
+                  <a:noFill/>
+                </a:ln>
+                <a:solidFill>
+                  <a:srgbClr val="61AEEF"/>
+                </a:solidFill>
+                <a:effectLst/>
+                <a:latin typeface="Arial Unicode MS"/>
+                <a:ea typeface="Fira Code"/>
+              </a:rPr>
+              <a:t>currentThread</a:t>
+            </a:r>
+            <a:r>
+              <a:rPr kumimoji="0" lang="zh-CN" altLang="zh-CN" sz="1200" b="0" i="0" u="none" strike="noStrike" cap="none" normalizeH="0" baseline="0" dirty="0">
+                <a:ln>
+                  <a:noFill/>
+                </a:ln>
+                <a:solidFill>
+                  <a:srgbClr val="A6B2C0"/>
+                </a:solidFill>
+                <a:effectLst/>
+                <a:latin typeface="Arial Unicode MS"/>
+                <a:ea typeface="Fira Code"/>
+              </a:rPr>
+              <a:t>();</a:t>
+            </a:r>
+            <a:br>
+              <a:rPr kumimoji="0" lang="zh-CN" altLang="zh-CN" sz="1200" b="0" i="0" u="none" strike="noStrike" cap="none" normalizeH="0" baseline="0" dirty="0">
+                <a:ln>
+                  <a:noFill/>
+                </a:ln>
+                <a:solidFill>
+                  <a:srgbClr val="A6B2C0"/>
+                </a:solidFill>
+                <a:effectLst/>
+                <a:latin typeface="Arial Unicode MS"/>
+                <a:ea typeface="Fira Code"/>
+              </a:rPr>
+            </a:br>
+            <a:r>
+              <a:rPr kumimoji="0" lang="zh-CN" altLang="zh-CN" sz="1200" b="0" i="0" u="none" strike="noStrike" cap="none" normalizeH="0" baseline="0" dirty="0">
+                <a:ln>
+                  <a:noFill/>
+                </a:ln>
+                <a:solidFill>
+                  <a:srgbClr val="A6B2C0"/>
+                </a:solidFill>
+                <a:effectLst/>
+                <a:latin typeface="Arial Unicode MS"/>
+                <a:ea typeface="Fira Code"/>
+              </a:rPr>
+              <a:t>}</a:t>
+            </a:r>
+            <a:endParaRPr kumimoji="0" lang="zh-CN" altLang="zh-CN" sz="1800" b="0" i="0" u="none" strike="noStrike" cap="none" normalizeH="0" baseline="0" dirty="0">
+              <a:ln>
+                <a:noFill/>
+              </a:ln>
+              <a:solidFill>
+                <a:schemeClr val="tx1"/>
+              </a:solidFill>
+              <a:effectLst/>
+              <a:latin typeface="Arial" panose="020B0604020202020204" pitchFamily="34" charset="0"/>
+            </a:endParaRPr>
+          </a:p>
+        </p:txBody>
+      </p:sp>
+    </p:spTree>
+    <p:extLst>
+      <p:ext uri="{BB962C8B-B14F-4D97-AF65-F5344CB8AC3E}">
+        <p14:creationId xmlns:p14="http://schemas.microsoft.com/office/powerpoint/2010/main" val="3405466114"/>
+      </p:ext>
+    </p:extLst>
+  </p:cSld>
+  <p:clrMapOvr>
+    <a:masterClrMapping/>
+  </p:clrMapOvr>
+</p:sld>
+</file>
+
+<file path=ppt/slides/slide19.xml><?xml version="1.0" encoding="utf-8"?>
+<p:sld xmlns:a="http://schemas.openxmlformats.org/drawingml/2006/main" xmlns:r="http://schemas.openxmlformats.org/officeDocument/2006/relationships" xmlns:p="http://schemas.openxmlformats.org/presentationml/2006/main">
+  <p:cSld>
+    <p:spTree>
+      <p:nvGrpSpPr>
+        <p:cNvPr id="1" name=""/>
+        <p:cNvGrpSpPr/>
+        <p:nvPr/>
+      </p:nvGrpSpPr>
+      <p:grpSpPr>
+        <a:xfrm>
+          <a:off x="0" y="0"/>
+          <a:ext cx="0" cy="0"/>
+          <a:chOff x="0" y="0"/>
+          <a:chExt cx="0" cy="0"/>
+        </a:xfrm>
+      </p:grpSpPr>
+      <p:sp>
+        <p:nvSpPr>
+          <p:cNvPr id="2" name="标题 1">
+            <a:extLst>
+              <a:ext uri="{FF2B5EF4-FFF2-40B4-BE49-F238E27FC236}">
+                <a16:creationId xmlns:a16="http://schemas.microsoft.com/office/drawing/2014/main" id="{4B69B2DB-30E3-4CA5-A292-3080B9B3F0EC}"/>
+              </a:ext>
+            </a:extLst>
+          </p:cNvPr>
+          <p:cNvSpPr>
+            <a:spLocks noGrp="1"/>
+          </p:cNvSpPr>
+          <p:nvPr>
+            <p:ph type="title"/>
+          </p:nvPr>
+        </p:nvSpPr>
+        <p:spPr/>
+        <p:txBody>
+          <a:bodyPr/>
+          <a:lstStyle/>
+          <a:p>
+            <a:r>
+              <a:rPr lang="en-US" altLang="zh-CN" dirty="0"/>
+              <a:t>24</a:t>
+            </a:r>
+            <a:r>
+              <a:rPr lang="zh-CN" altLang="en-US" dirty="0"/>
+              <a:t>页</a:t>
+            </a:r>
+            <a:r>
+              <a:rPr lang="en-US" altLang="zh-CN" dirty="0" err="1"/>
+              <a:t>putField</a:t>
+            </a:r>
+            <a:endParaRPr lang="zh-CN" altLang="en-US" dirty="0"/>
+          </a:p>
+        </p:txBody>
+      </p:sp>
+      <p:sp>
+        <p:nvSpPr>
+          <p:cNvPr id="3" name="内容占位符 2">
+            <a:extLst>
+              <a:ext uri="{FF2B5EF4-FFF2-40B4-BE49-F238E27FC236}">
+                <a16:creationId xmlns:a16="http://schemas.microsoft.com/office/drawing/2014/main" id="{E35C41B2-FBA0-4586-A586-C2355CFF5F1F}"/>
+              </a:ext>
+            </a:extLst>
+          </p:cNvPr>
+          <p:cNvSpPr>
+            <a:spLocks noGrp="1"/>
+          </p:cNvSpPr>
+          <p:nvPr>
+            <p:ph idx="1"/>
+          </p:nvPr>
+        </p:nvSpPr>
+        <p:spPr>
+          <a:xfrm>
+            <a:off x="838200" y="1825625"/>
+            <a:ext cx="9353550" cy="460375"/>
+          </a:xfrm>
+        </p:spPr>
+        <p:txBody>
+          <a:bodyPr>
+            <a:normAutofit lnSpcReduction="10000"/>
+          </a:bodyPr>
+          <a:lstStyle/>
+          <a:p>
+            <a:r>
+              <a:rPr lang="zh-CN" altLang="en-US" dirty="0"/>
+              <a:t>讲一下</a:t>
+            </a:r>
+            <a:r>
+              <a:rPr lang="en-US" altLang="zh-CN" dirty="0" err="1"/>
+              <a:t>jdk</a:t>
+            </a:r>
+            <a:r>
+              <a:rPr lang="zh-CN" altLang="en-US" dirty="0"/>
+              <a:t>本身的处理方法，</a:t>
+            </a:r>
+            <a:r>
+              <a:rPr lang="en-US" altLang="zh-CN" dirty="0" err="1"/>
+              <a:t>PutField</a:t>
+            </a:r>
+            <a:r>
+              <a:rPr lang="zh-CN" altLang="en-US" dirty="0"/>
+              <a:t>里包含什么</a:t>
+            </a:r>
+            <a:endParaRPr lang="en-US" altLang="zh-CN" dirty="0"/>
+          </a:p>
+          <a:p>
+            <a:endParaRPr lang="zh-CN" altLang="en-US" dirty="0"/>
+          </a:p>
+        </p:txBody>
+      </p:sp>
+      <p:sp>
+        <p:nvSpPr>
+          <p:cNvPr id="4" name="Rectangle 1">
+            <a:extLst>
+              <a:ext uri="{FF2B5EF4-FFF2-40B4-BE49-F238E27FC236}">
+                <a16:creationId xmlns:a16="http://schemas.microsoft.com/office/drawing/2014/main" id="{939EB51D-79B1-48AC-B87B-ADAA5E93FB05}"/>
+              </a:ext>
+            </a:extLst>
+          </p:cNvPr>
+          <p:cNvSpPr>
+            <a:spLocks noChangeArrowheads="1"/>
+          </p:cNvSpPr>
+          <p:nvPr/>
+        </p:nvSpPr>
+        <p:spPr bwMode="auto">
+          <a:xfrm>
+            <a:off x="1038225" y="2453742"/>
+            <a:ext cx="4800600" cy="3970318"/>
+          </a:xfrm>
+          <a:prstGeom prst="rect">
+            <a:avLst/>
+          </a:prstGeom>
+          <a:solidFill>
+            <a:srgbClr val="282C34"/>
+          </a:solidFill>
+          <a:ln>
+            <a:noFill/>
+          </a:ln>
+          <a:effectLst/>
+          <a:extLst>
+            <a:ext uri="{91240B29-F687-4F45-9708-019B960494DF}">
+              <a14:hiddenLine xmlns:a14="http://schemas.microsoft.com/office/drawing/2010/main" w="9525">
+                <a:solidFill>
+                  <a:schemeClr val="tx1"/>
+                </a:solidFill>
+                <a:miter lim="800000"/>
+                <a:headEnd/>
+                <a:tailEnd/>
+              </a14:hiddenLine>
+            </a:ext>
+            <a:ext uri="{AF507438-7753-43E0-B8FC-AC1667EBCBE1}">
+              <a14:hiddenEffects xmlns:a14="http://schemas.microsoft.com/office/drawing/2010/main">
+                <a:effectLst>
+                  <a:outerShdw dist="35921" dir="2700000" algn="ctr" rotWithShape="0">
+                    <a:schemeClr val="bg2"/>
+                  </a:outerShdw>
+                </a:effectLst>
+              </a14:hiddenEffects>
+            </a:ext>
+          </a:extLst>
+        </p:spPr>
+        <p:txBody>
+          <a:bodyPr vert="horz" wrap="square" lIns="91440" tIns="45720" rIns="91440" bIns="45720" numCol="1" anchor="ctr" anchorCtr="0" compatLnSpc="1">
+            <a:prstTxWarp prst="textNoShape">
+              <a:avLst/>
+            </a:prstTxWarp>
+            <a:spAutoFit/>
+          </a:bodyPr>
+          <a:lstStyle/>
+          <a:p>
+            <a:pPr marL="0" marR="0" lvl="0" indent="0" algn="l" defTabSz="914400" rtl="0" eaLnBrk="0" fontAlgn="base" latinLnBrk="0" hangingPunct="0">
+              <a:lnSpc>
+                <a:spcPct val="100000"/>
+              </a:lnSpc>
+              <a:spcBef>
+                <a:spcPct val="0"/>
+              </a:spcBef>
+              <a:spcAft>
+                <a:spcPct val="0"/>
+              </a:spcAft>
+              <a:buClrTx/>
+              <a:buSzTx/>
+              <a:buFontTx/>
+              <a:buNone/>
+              <a:tabLst/>
+            </a:pPr>
+            <a:r>
+              <a:rPr kumimoji="0" lang="zh-CN" altLang="zh-CN" sz="1200" b="0" i="1" u="none" strike="noStrike" cap="none" normalizeH="0" baseline="0" dirty="0">
+                <a:ln>
+                  <a:noFill/>
+                </a:ln>
+                <a:solidFill>
+                  <a:srgbClr val="C679DD"/>
+                </a:solidFill>
+                <a:effectLst/>
+                <a:latin typeface="Arial Unicode MS"/>
+                <a:ea typeface="Fira Code"/>
+              </a:rPr>
+              <a:t>public static abstract class </a:t>
+            </a:r>
+            <a:r>
+              <a:rPr kumimoji="0" lang="zh-CN" altLang="zh-CN" sz="1200" b="0" i="0" u="none" strike="noStrike" cap="none" normalizeH="0" baseline="0" dirty="0">
+                <a:ln>
+                  <a:noFill/>
+                </a:ln>
+                <a:solidFill>
+                  <a:srgbClr val="98C379"/>
+                </a:solidFill>
+                <a:effectLst/>
+                <a:latin typeface="Arial Unicode MS"/>
+                <a:ea typeface="Fira Code"/>
+              </a:rPr>
+              <a:t>PutField </a:t>
+            </a:r>
+            <a:r>
+              <a:rPr kumimoji="0" lang="zh-CN" altLang="zh-CN" sz="1200" b="0" i="0" u="none" strike="noStrike" cap="none" normalizeH="0" baseline="0" dirty="0">
+                <a:ln>
+                  <a:noFill/>
+                </a:ln>
+                <a:solidFill>
+                  <a:srgbClr val="A6B2C0"/>
+                </a:solidFill>
+                <a:effectLst/>
+                <a:latin typeface="Arial Unicode MS"/>
+                <a:ea typeface="Fira Code"/>
+              </a:rPr>
+              <a:t>{</a:t>
+            </a:r>
+            <a:endParaRPr kumimoji="0" lang="en-US" altLang="zh-CN" sz="1200" b="0" i="0" u="none" strike="noStrike" cap="none" normalizeH="0" baseline="0" dirty="0">
+              <a:ln>
+                <a:noFill/>
+              </a:ln>
+              <a:solidFill>
+                <a:srgbClr val="A6B2C0"/>
+              </a:solidFill>
+              <a:effectLst/>
+              <a:latin typeface="Arial Unicode MS"/>
+              <a:ea typeface="Fira Code"/>
+            </a:endParaRPr>
+          </a:p>
+          <a:p>
+            <a:pPr marL="0" marR="0" lvl="0" indent="0" algn="l" defTabSz="914400" rtl="0" eaLnBrk="0" fontAlgn="base" latinLnBrk="0" hangingPunct="0">
+              <a:lnSpc>
+                <a:spcPct val="100000"/>
+              </a:lnSpc>
+              <a:spcBef>
+                <a:spcPct val="0"/>
+              </a:spcBef>
+              <a:spcAft>
+                <a:spcPct val="0"/>
+              </a:spcAft>
+              <a:buClrTx/>
+              <a:buSzTx/>
+              <a:buFontTx/>
+              <a:buNone/>
+              <a:tabLst/>
+            </a:pPr>
+            <a:endParaRPr kumimoji="0" lang="en-US" altLang="zh-CN" sz="1200" b="0" i="0" u="none" strike="noStrike" cap="none" normalizeH="0" baseline="0" dirty="0">
+              <a:ln>
+                <a:noFill/>
+              </a:ln>
+              <a:solidFill>
+                <a:srgbClr val="A6B2C0"/>
+              </a:solidFill>
+              <a:effectLst/>
+              <a:latin typeface="Arial Unicode MS"/>
+              <a:ea typeface="Fira Code"/>
+            </a:endParaRPr>
+          </a:p>
+          <a:p>
+            <a:pPr eaLnBrk="0" fontAlgn="base" hangingPunct="0">
+              <a:spcBef>
+                <a:spcPct val="0"/>
+              </a:spcBef>
+              <a:spcAft>
+                <a:spcPct val="0"/>
+              </a:spcAft>
+            </a:pPr>
+            <a:r>
+              <a:rPr lang="zh-CN" altLang="zh-CN" sz="1200" i="1" dirty="0">
+                <a:solidFill>
+                  <a:srgbClr val="59626F"/>
+                </a:solidFill>
+                <a:latin typeface="Arial Unicode MS"/>
+                <a:ea typeface="Fira Code"/>
+              </a:rPr>
+              <a:t>/** class descriptor describing serializable fields */</a:t>
+            </a:r>
+            <a:br>
+              <a:rPr lang="zh-CN" altLang="zh-CN" sz="1200" i="1" dirty="0">
+                <a:solidFill>
+                  <a:srgbClr val="59626F"/>
+                </a:solidFill>
+                <a:latin typeface="Arial Unicode MS"/>
+                <a:ea typeface="Fira Code"/>
+              </a:rPr>
+            </a:br>
+            <a:r>
+              <a:rPr lang="zh-CN" altLang="zh-CN" sz="1200" i="1" dirty="0">
+                <a:solidFill>
+                  <a:srgbClr val="C679DD"/>
+                </a:solidFill>
+                <a:latin typeface="Arial Unicode MS"/>
+                <a:ea typeface="Fira Code"/>
+              </a:rPr>
+              <a:t>private final </a:t>
+            </a:r>
+            <a:r>
+              <a:rPr lang="zh-CN" altLang="zh-CN" sz="1200" dirty="0">
+                <a:solidFill>
+                  <a:srgbClr val="E5C17C"/>
+                </a:solidFill>
+                <a:latin typeface="Arial Unicode MS"/>
+                <a:ea typeface="Fira Code"/>
+              </a:rPr>
+              <a:t>ObjectStreamClass </a:t>
+            </a:r>
+            <a:r>
+              <a:rPr lang="zh-CN" altLang="zh-CN" sz="1200" dirty="0">
+                <a:solidFill>
+                  <a:srgbClr val="E06C75"/>
+                </a:solidFill>
+                <a:latin typeface="Arial Unicode MS"/>
+                <a:ea typeface="Fira Code"/>
+              </a:rPr>
+              <a:t>desc</a:t>
+            </a:r>
+            <a:r>
+              <a:rPr lang="zh-CN" altLang="zh-CN" sz="1200" dirty="0">
+                <a:solidFill>
+                  <a:srgbClr val="A6B2C0"/>
+                </a:solidFill>
+                <a:latin typeface="Arial Unicode MS"/>
+                <a:ea typeface="Fira Code"/>
+              </a:rPr>
+              <a:t>;</a:t>
+            </a:r>
+            <a:br>
+              <a:rPr lang="zh-CN" altLang="zh-CN" sz="1200" dirty="0">
+                <a:solidFill>
+                  <a:srgbClr val="A6B2C0"/>
+                </a:solidFill>
+                <a:latin typeface="Arial Unicode MS"/>
+                <a:ea typeface="Fira Code"/>
+              </a:rPr>
+            </a:br>
+            <a:r>
+              <a:rPr lang="zh-CN" altLang="zh-CN" sz="1200" i="1" dirty="0">
+                <a:solidFill>
+                  <a:srgbClr val="59626F"/>
+                </a:solidFill>
+                <a:latin typeface="Arial Unicode MS"/>
+                <a:ea typeface="Fira Code"/>
+              </a:rPr>
+              <a:t>/** primitive field values */</a:t>
+            </a:r>
+            <a:br>
+              <a:rPr lang="zh-CN" altLang="zh-CN" sz="1200" i="1" dirty="0">
+                <a:solidFill>
+                  <a:srgbClr val="59626F"/>
+                </a:solidFill>
+                <a:latin typeface="Arial Unicode MS"/>
+                <a:ea typeface="Fira Code"/>
+              </a:rPr>
+            </a:br>
+            <a:r>
+              <a:rPr lang="zh-CN" altLang="zh-CN" sz="1200" i="1" dirty="0">
+                <a:solidFill>
+                  <a:srgbClr val="C679DD"/>
+                </a:solidFill>
+                <a:latin typeface="Arial Unicode MS"/>
+                <a:ea typeface="Fira Code"/>
+              </a:rPr>
+              <a:t>private final byte</a:t>
+            </a:r>
+            <a:r>
+              <a:rPr lang="zh-CN" altLang="zh-CN" sz="1200" dirty="0">
+                <a:solidFill>
+                  <a:srgbClr val="A6B2C0"/>
+                </a:solidFill>
+                <a:latin typeface="Arial Unicode MS"/>
+                <a:ea typeface="Fira Code"/>
+              </a:rPr>
+              <a:t>[] </a:t>
+            </a:r>
+            <a:r>
+              <a:rPr lang="zh-CN" altLang="zh-CN" sz="1200" dirty="0">
+                <a:solidFill>
+                  <a:srgbClr val="E06C75"/>
+                </a:solidFill>
+                <a:latin typeface="Arial Unicode MS"/>
+                <a:ea typeface="Fira Code"/>
+              </a:rPr>
+              <a:t>primVals</a:t>
+            </a:r>
+            <a:r>
+              <a:rPr lang="zh-CN" altLang="zh-CN" sz="1200" dirty="0">
+                <a:solidFill>
+                  <a:srgbClr val="A6B2C0"/>
+                </a:solidFill>
+                <a:latin typeface="Arial Unicode MS"/>
+                <a:ea typeface="Fira Code"/>
+              </a:rPr>
+              <a:t>;</a:t>
+            </a:r>
+            <a:br>
+              <a:rPr lang="zh-CN" altLang="zh-CN" sz="1200" dirty="0">
+                <a:solidFill>
+                  <a:srgbClr val="A6B2C0"/>
+                </a:solidFill>
+                <a:latin typeface="Arial Unicode MS"/>
+                <a:ea typeface="Fira Code"/>
+              </a:rPr>
+            </a:br>
+            <a:r>
+              <a:rPr lang="zh-CN" altLang="zh-CN" sz="1200" i="1" dirty="0">
+                <a:solidFill>
+                  <a:srgbClr val="59626F"/>
+                </a:solidFill>
+                <a:latin typeface="Arial Unicode MS"/>
+                <a:ea typeface="Fira Code"/>
+              </a:rPr>
+              <a:t>/** object field values */</a:t>
+            </a:r>
+            <a:br>
+              <a:rPr lang="zh-CN" altLang="zh-CN" sz="1200" i="1" dirty="0">
+                <a:solidFill>
+                  <a:srgbClr val="59626F"/>
+                </a:solidFill>
+                <a:latin typeface="Arial Unicode MS"/>
+                <a:ea typeface="Fira Code"/>
+              </a:rPr>
+            </a:br>
+            <a:r>
+              <a:rPr lang="zh-CN" altLang="zh-CN" sz="1200" i="1" dirty="0">
+                <a:solidFill>
+                  <a:srgbClr val="C679DD"/>
+                </a:solidFill>
+                <a:latin typeface="Arial Unicode MS"/>
+                <a:ea typeface="Fira Code"/>
+              </a:rPr>
+              <a:t>private final </a:t>
+            </a:r>
+            <a:r>
+              <a:rPr lang="zh-CN" altLang="zh-CN" sz="1200" dirty="0">
+                <a:solidFill>
+                  <a:srgbClr val="E5C17C"/>
+                </a:solidFill>
+                <a:latin typeface="Arial Unicode MS"/>
+                <a:ea typeface="Fira Code"/>
+              </a:rPr>
+              <a:t>Object</a:t>
+            </a:r>
+            <a:r>
+              <a:rPr lang="zh-CN" altLang="zh-CN" sz="1200" dirty="0">
+                <a:solidFill>
+                  <a:srgbClr val="A6B2C0"/>
+                </a:solidFill>
+                <a:latin typeface="Arial Unicode MS"/>
+                <a:ea typeface="Fira Code"/>
+              </a:rPr>
+              <a:t>[] </a:t>
+            </a:r>
+            <a:r>
+              <a:rPr lang="zh-CN" altLang="zh-CN" sz="1200" dirty="0">
+                <a:solidFill>
+                  <a:srgbClr val="E06C75"/>
+                </a:solidFill>
+                <a:latin typeface="Arial Unicode MS"/>
+                <a:ea typeface="Fira Code"/>
+              </a:rPr>
+              <a:t>objVals</a:t>
+            </a:r>
+            <a:r>
+              <a:rPr lang="zh-CN" altLang="zh-CN" sz="1200" dirty="0">
+                <a:solidFill>
+                  <a:srgbClr val="A6B2C0"/>
+                </a:solidFill>
+                <a:latin typeface="Arial Unicode MS"/>
+                <a:ea typeface="Fira Code"/>
+              </a:rPr>
+              <a:t>;</a:t>
+            </a:r>
+            <a:br>
+              <a:rPr kumimoji="0" lang="zh-CN" altLang="zh-CN" sz="1200" b="0" i="0" u="none" strike="noStrike" cap="none" normalizeH="0" baseline="0" dirty="0">
+                <a:ln>
+                  <a:noFill/>
+                </a:ln>
+                <a:solidFill>
+                  <a:srgbClr val="A6B2C0"/>
+                </a:solidFill>
+                <a:effectLst/>
+                <a:latin typeface="Arial Unicode MS"/>
+                <a:ea typeface="Fira Code"/>
+              </a:rPr>
+            </a:br>
+            <a:br>
+              <a:rPr kumimoji="0" lang="zh-CN" altLang="zh-CN" sz="1200" b="0" i="1" u="none" strike="noStrike" cap="none" normalizeH="0" baseline="0" dirty="0">
+                <a:ln>
+                  <a:noFill/>
+                </a:ln>
+                <a:solidFill>
+                  <a:srgbClr val="59626F"/>
+                </a:solidFill>
+                <a:effectLst/>
+                <a:latin typeface="Arial Unicode MS"/>
+                <a:ea typeface="Fira Code"/>
+              </a:rPr>
+            </a:br>
+            <a:r>
+              <a:rPr kumimoji="0" lang="zh-CN" altLang="zh-CN" sz="1200" b="0" i="1" u="none" strike="noStrike" cap="none" normalizeH="0" baseline="0" dirty="0">
+                <a:ln>
+                  <a:noFill/>
+                </a:ln>
+                <a:solidFill>
+                  <a:srgbClr val="59626F"/>
+                </a:solidFill>
+                <a:effectLst/>
+                <a:latin typeface="Arial Unicode MS"/>
+                <a:ea typeface="Fira Code"/>
+              </a:rPr>
+              <a:t>    </a:t>
+            </a:r>
+            <a:r>
+              <a:rPr kumimoji="0" lang="zh-CN" altLang="zh-CN" sz="1200" b="0" i="1" u="none" strike="noStrike" cap="none" normalizeH="0" baseline="0" dirty="0">
+                <a:ln>
+                  <a:noFill/>
+                </a:ln>
+                <a:solidFill>
+                  <a:srgbClr val="C679DD"/>
+                </a:solidFill>
+                <a:effectLst/>
+                <a:latin typeface="Arial Unicode MS"/>
+                <a:ea typeface="Fira Code"/>
+              </a:rPr>
+              <a:t>public abstract void </a:t>
+            </a:r>
+            <a:r>
+              <a:rPr kumimoji="0" lang="zh-CN" altLang="zh-CN" sz="1200" b="0" i="0" u="none" strike="noStrike" cap="none" normalizeH="0" baseline="0" dirty="0">
+                <a:ln>
+                  <a:noFill/>
+                </a:ln>
+                <a:solidFill>
+                  <a:srgbClr val="61AEEF"/>
+                </a:solidFill>
+                <a:effectLst/>
+                <a:latin typeface="Arial Unicode MS"/>
+                <a:ea typeface="Fira Code"/>
+              </a:rPr>
+              <a:t>put</a:t>
+            </a:r>
+            <a:r>
+              <a:rPr kumimoji="0" lang="zh-CN" altLang="zh-CN" sz="1200" b="0" i="0" u="none" strike="noStrike" cap="none" normalizeH="0" baseline="0" dirty="0">
+                <a:ln>
+                  <a:noFill/>
+                </a:ln>
+                <a:solidFill>
+                  <a:srgbClr val="A6B2C0"/>
+                </a:solidFill>
+                <a:effectLst/>
+                <a:latin typeface="Arial Unicode MS"/>
+                <a:ea typeface="Fira Code"/>
+              </a:rPr>
+              <a:t>(</a:t>
+            </a:r>
+            <a:r>
+              <a:rPr kumimoji="0" lang="zh-CN" altLang="zh-CN" sz="1200" b="0" i="0" u="none" strike="noStrike" cap="none" normalizeH="0" baseline="0" dirty="0">
+                <a:ln>
+                  <a:noFill/>
+                </a:ln>
+                <a:solidFill>
+                  <a:srgbClr val="E5C17C"/>
+                </a:solidFill>
+                <a:effectLst/>
+                <a:latin typeface="Arial Unicode MS"/>
+                <a:ea typeface="Fira Code"/>
+              </a:rPr>
+              <a:t>String </a:t>
+            </a:r>
+            <a:r>
+              <a:rPr kumimoji="0" lang="zh-CN" altLang="zh-CN" sz="1200" b="0" i="0" u="none" strike="noStrike" cap="none" normalizeH="0" baseline="0" dirty="0">
+                <a:ln>
+                  <a:noFill/>
+                </a:ln>
+                <a:solidFill>
+                  <a:srgbClr val="ABB2BF"/>
+                </a:solidFill>
+                <a:effectLst/>
+                <a:latin typeface="Arial Unicode MS"/>
+                <a:ea typeface="Fira Code"/>
+              </a:rPr>
+              <a:t>name</a:t>
+            </a:r>
+            <a:r>
+              <a:rPr kumimoji="0" lang="zh-CN" altLang="zh-CN" sz="1200" b="0" i="0" u="none" strike="noStrike" cap="none" normalizeH="0" baseline="0" dirty="0">
+                <a:ln>
+                  <a:noFill/>
+                </a:ln>
+                <a:solidFill>
+                  <a:srgbClr val="A6B2C0"/>
+                </a:solidFill>
+                <a:effectLst/>
+                <a:latin typeface="Arial Unicode MS"/>
+                <a:ea typeface="Fira Code"/>
+              </a:rPr>
+              <a:t>, </a:t>
+            </a:r>
+            <a:r>
+              <a:rPr kumimoji="0" lang="zh-CN" altLang="zh-CN" sz="1200" b="0" i="1" u="none" strike="noStrike" cap="none" normalizeH="0" baseline="0" dirty="0">
+                <a:ln>
+                  <a:noFill/>
+                </a:ln>
+                <a:solidFill>
+                  <a:srgbClr val="C679DD"/>
+                </a:solidFill>
+                <a:effectLst/>
+                <a:latin typeface="Arial Unicode MS"/>
+                <a:ea typeface="Fira Code"/>
+              </a:rPr>
+              <a:t>boolean </a:t>
+            </a:r>
+            <a:r>
+              <a:rPr kumimoji="0" lang="zh-CN" altLang="zh-CN" sz="1200" b="0" i="0" u="none" strike="noStrike" cap="none" normalizeH="0" baseline="0" dirty="0">
+                <a:ln>
+                  <a:noFill/>
+                </a:ln>
+                <a:solidFill>
+                  <a:srgbClr val="ABB2BF"/>
+                </a:solidFill>
+                <a:effectLst/>
+                <a:latin typeface="Arial Unicode MS"/>
+                <a:ea typeface="Fira Code"/>
+              </a:rPr>
+              <a:t>val</a:t>
+            </a:r>
+            <a:r>
+              <a:rPr kumimoji="0" lang="zh-CN" altLang="zh-CN" sz="1200" b="0" i="0" u="none" strike="noStrike" cap="none" normalizeH="0" baseline="0" dirty="0">
+                <a:ln>
+                  <a:noFill/>
+                </a:ln>
+                <a:solidFill>
+                  <a:srgbClr val="A6B2C0"/>
+                </a:solidFill>
+                <a:effectLst/>
+                <a:latin typeface="Arial Unicode MS"/>
+                <a:ea typeface="Fira Code"/>
+              </a:rPr>
+              <a:t>);</a:t>
+            </a:r>
+            <a:br>
+              <a:rPr kumimoji="0" lang="zh-CN" altLang="zh-CN" sz="1200" b="0" i="0" u="none" strike="noStrike" cap="none" normalizeH="0" baseline="0" dirty="0">
+                <a:ln>
+                  <a:noFill/>
+                </a:ln>
+                <a:solidFill>
+                  <a:srgbClr val="A6B2C0"/>
+                </a:solidFill>
+                <a:effectLst/>
+                <a:latin typeface="Arial Unicode MS"/>
+                <a:ea typeface="Fira Code"/>
+              </a:rPr>
+            </a:br>
+            <a:br>
+              <a:rPr kumimoji="0" lang="zh-CN" altLang="zh-CN" sz="1200" b="0" i="1" u="none" strike="noStrike" cap="none" normalizeH="0" baseline="0" dirty="0">
+                <a:ln>
+                  <a:noFill/>
+                </a:ln>
+                <a:solidFill>
+                  <a:srgbClr val="59626F"/>
+                </a:solidFill>
+                <a:effectLst/>
+                <a:latin typeface="Arial Unicode MS"/>
+                <a:ea typeface="Fira Code"/>
+              </a:rPr>
+            </a:br>
+            <a:r>
+              <a:rPr kumimoji="0" lang="zh-CN" altLang="zh-CN" sz="1200" b="0" i="1" u="none" strike="noStrike" cap="none" normalizeH="0" baseline="0" dirty="0">
+                <a:ln>
+                  <a:noFill/>
+                </a:ln>
+                <a:solidFill>
+                  <a:srgbClr val="59626F"/>
+                </a:solidFill>
+                <a:effectLst/>
+                <a:latin typeface="Arial Unicode MS"/>
+                <a:ea typeface="Fira Code"/>
+              </a:rPr>
+              <a:t>    </a:t>
+            </a:r>
+            <a:r>
+              <a:rPr kumimoji="0" lang="zh-CN" altLang="zh-CN" sz="1200" b="0" i="1" u="none" strike="noStrike" cap="none" normalizeH="0" baseline="0" dirty="0">
+                <a:ln>
+                  <a:noFill/>
+                </a:ln>
+                <a:solidFill>
+                  <a:srgbClr val="C679DD"/>
+                </a:solidFill>
+                <a:effectLst/>
+                <a:latin typeface="Arial Unicode MS"/>
+                <a:ea typeface="Fira Code"/>
+              </a:rPr>
+              <a:t>public abstract void </a:t>
+            </a:r>
+            <a:r>
+              <a:rPr kumimoji="0" lang="zh-CN" altLang="zh-CN" sz="1200" b="0" i="0" u="none" strike="noStrike" cap="none" normalizeH="0" baseline="0" dirty="0">
+                <a:ln>
+                  <a:noFill/>
+                </a:ln>
+                <a:solidFill>
+                  <a:srgbClr val="61AEEF"/>
+                </a:solidFill>
+                <a:effectLst/>
+                <a:latin typeface="Arial Unicode MS"/>
+                <a:ea typeface="Fira Code"/>
+              </a:rPr>
+              <a:t>put</a:t>
+            </a:r>
+            <a:r>
+              <a:rPr kumimoji="0" lang="zh-CN" altLang="zh-CN" sz="1200" b="0" i="0" u="none" strike="noStrike" cap="none" normalizeH="0" baseline="0" dirty="0">
+                <a:ln>
+                  <a:noFill/>
+                </a:ln>
+                <a:solidFill>
+                  <a:srgbClr val="A6B2C0"/>
+                </a:solidFill>
+                <a:effectLst/>
+                <a:latin typeface="Arial Unicode MS"/>
+                <a:ea typeface="Fira Code"/>
+              </a:rPr>
+              <a:t>(</a:t>
+            </a:r>
+            <a:r>
+              <a:rPr kumimoji="0" lang="zh-CN" altLang="zh-CN" sz="1200" b="0" i="0" u="none" strike="noStrike" cap="none" normalizeH="0" baseline="0" dirty="0">
+                <a:ln>
+                  <a:noFill/>
+                </a:ln>
+                <a:solidFill>
+                  <a:srgbClr val="E5C17C"/>
+                </a:solidFill>
+                <a:effectLst/>
+                <a:latin typeface="Arial Unicode MS"/>
+                <a:ea typeface="Fira Code"/>
+              </a:rPr>
+              <a:t>String </a:t>
+            </a:r>
+            <a:r>
+              <a:rPr kumimoji="0" lang="zh-CN" altLang="zh-CN" sz="1200" b="0" i="0" u="none" strike="noStrike" cap="none" normalizeH="0" baseline="0" dirty="0">
+                <a:ln>
+                  <a:noFill/>
+                </a:ln>
+                <a:solidFill>
+                  <a:srgbClr val="ABB2BF"/>
+                </a:solidFill>
+                <a:effectLst/>
+                <a:latin typeface="Arial Unicode MS"/>
+                <a:ea typeface="Fira Code"/>
+              </a:rPr>
+              <a:t>name</a:t>
+            </a:r>
+            <a:r>
+              <a:rPr kumimoji="0" lang="zh-CN" altLang="zh-CN" sz="1200" b="0" i="0" u="none" strike="noStrike" cap="none" normalizeH="0" baseline="0" dirty="0">
+                <a:ln>
+                  <a:noFill/>
+                </a:ln>
+                <a:solidFill>
+                  <a:srgbClr val="A6B2C0"/>
+                </a:solidFill>
+                <a:effectLst/>
+                <a:latin typeface="Arial Unicode MS"/>
+                <a:ea typeface="Fira Code"/>
+              </a:rPr>
+              <a:t>, </a:t>
+            </a:r>
+            <a:r>
+              <a:rPr kumimoji="0" lang="zh-CN" altLang="zh-CN" sz="1200" b="0" i="1" u="none" strike="noStrike" cap="none" normalizeH="0" baseline="0" dirty="0">
+                <a:ln>
+                  <a:noFill/>
+                </a:ln>
+                <a:solidFill>
+                  <a:srgbClr val="C679DD"/>
+                </a:solidFill>
+                <a:effectLst/>
+                <a:latin typeface="Arial Unicode MS"/>
+                <a:ea typeface="Fira Code"/>
+              </a:rPr>
+              <a:t>byte </a:t>
+            </a:r>
+            <a:r>
+              <a:rPr kumimoji="0" lang="zh-CN" altLang="zh-CN" sz="1200" b="0" i="0" u="none" strike="noStrike" cap="none" normalizeH="0" baseline="0" dirty="0">
+                <a:ln>
+                  <a:noFill/>
+                </a:ln>
+                <a:solidFill>
+                  <a:srgbClr val="ABB2BF"/>
+                </a:solidFill>
+                <a:effectLst/>
+                <a:latin typeface="Arial Unicode MS"/>
+                <a:ea typeface="Fira Code"/>
+              </a:rPr>
+              <a:t>val</a:t>
+            </a:r>
+            <a:r>
+              <a:rPr kumimoji="0" lang="zh-CN" altLang="zh-CN" sz="1200" b="0" i="0" u="none" strike="noStrike" cap="none" normalizeH="0" baseline="0" dirty="0">
+                <a:ln>
+                  <a:noFill/>
+                </a:ln>
+                <a:solidFill>
+                  <a:srgbClr val="A6B2C0"/>
+                </a:solidFill>
+                <a:effectLst/>
+                <a:latin typeface="Arial Unicode MS"/>
+                <a:ea typeface="Fira Code"/>
+              </a:rPr>
+              <a:t>);</a:t>
+            </a:r>
+            <a:endParaRPr lang="en-US" altLang="zh-CN" sz="1200" dirty="0">
+              <a:solidFill>
+                <a:srgbClr val="A6B2C0"/>
+              </a:solidFill>
+              <a:latin typeface="Arial Unicode MS"/>
+              <a:ea typeface="Fira Code"/>
+            </a:endParaRPr>
+          </a:p>
+          <a:p>
+            <a:pPr marL="0" marR="0" lvl="0" indent="0" algn="l" defTabSz="914400" rtl="0" eaLnBrk="0" fontAlgn="base" latinLnBrk="0" hangingPunct="0">
+              <a:lnSpc>
+                <a:spcPct val="100000"/>
+              </a:lnSpc>
+              <a:spcBef>
+                <a:spcPct val="0"/>
+              </a:spcBef>
+              <a:spcAft>
+                <a:spcPct val="0"/>
+              </a:spcAft>
+              <a:buClrTx/>
+              <a:buSzTx/>
+              <a:buFontTx/>
+              <a:buNone/>
+              <a:tabLst/>
+            </a:pPr>
+            <a:br>
+              <a:rPr kumimoji="0" lang="zh-CN" altLang="zh-CN" sz="1200" b="0" i="1" u="none" strike="noStrike" cap="none" normalizeH="0" baseline="0" dirty="0">
+                <a:ln>
+                  <a:noFill/>
+                </a:ln>
+                <a:solidFill>
+                  <a:srgbClr val="59626F"/>
+                </a:solidFill>
+                <a:effectLst/>
+                <a:latin typeface="Arial Unicode MS"/>
+                <a:ea typeface="Fira Code"/>
+              </a:rPr>
+            </a:br>
+            <a:r>
+              <a:rPr kumimoji="0" lang="zh-CN" altLang="zh-CN" sz="1200" b="0" i="1" u="none" strike="noStrike" cap="none" normalizeH="0" baseline="0" dirty="0">
+                <a:ln>
+                  <a:noFill/>
+                </a:ln>
+                <a:solidFill>
+                  <a:srgbClr val="59626F"/>
+                </a:solidFill>
+                <a:effectLst/>
+                <a:latin typeface="Arial Unicode MS"/>
+                <a:ea typeface="Fira Code"/>
+              </a:rPr>
+              <a:t>    </a:t>
+            </a:r>
+            <a:r>
+              <a:rPr kumimoji="0" lang="zh-CN" altLang="zh-CN" sz="1200" b="0" i="1" u="none" strike="noStrike" cap="none" normalizeH="0" baseline="0" dirty="0">
+                <a:ln>
+                  <a:noFill/>
+                </a:ln>
+                <a:solidFill>
+                  <a:srgbClr val="C679DD"/>
+                </a:solidFill>
+                <a:effectLst/>
+                <a:latin typeface="Arial Unicode MS"/>
+                <a:ea typeface="Fira Code"/>
+              </a:rPr>
+              <a:t>public abstract void </a:t>
+            </a:r>
+            <a:r>
+              <a:rPr kumimoji="0" lang="zh-CN" altLang="zh-CN" sz="1200" b="0" i="0" u="none" strike="noStrike" cap="none" normalizeH="0" baseline="0" dirty="0">
+                <a:ln>
+                  <a:noFill/>
+                </a:ln>
+                <a:solidFill>
+                  <a:srgbClr val="61AEEF"/>
+                </a:solidFill>
+                <a:effectLst/>
+                <a:latin typeface="Arial Unicode MS"/>
+                <a:ea typeface="Fira Code"/>
+              </a:rPr>
+              <a:t>put</a:t>
+            </a:r>
+            <a:r>
+              <a:rPr kumimoji="0" lang="zh-CN" altLang="zh-CN" sz="1200" b="0" i="0" u="none" strike="noStrike" cap="none" normalizeH="0" baseline="0" dirty="0">
+                <a:ln>
+                  <a:noFill/>
+                </a:ln>
+                <a:solidFill>
+                  <a:srgbClr val="A6B2C0"/>
+                </a:solidFill>
+                <a:effectLst/>
+                <a:latin typeface="Arial Unicode MS"/>
+                <a:ea typeface="Fira Code"/>
+              </a:rPr>
+              <a:t>(</a:t>
+            </a:r>
+            <a:r>
+              <a:rPr kumimoji="0" lang="zh-CN" altLang="zh-CN" sz="1200" b="0" i="0" u="none" strike="noStrike" cap="none" normalizeH="0" baseline="0" dirty="0">
+                <a:ln>
+                  <a:noFill/>
+                </a:ln>
+                <a:solidFill>
+                  <a:srgbClr val="E5C17C"/>
+                </a:solidFill>
+                <a:effectLst/>
+                <a:latin typeface="Arial Unicode MS"/>
+                <a:ea typeface="Fira Code"/>
+              </a:rPr>
+              <a:t>String </a:t>
+            </a:r>
+            <a:r>
+              <a:rPr kumimoji="0" lang="zh-CN" altLang="zh-CN" sz="1200" b="0" i="0" u="none" strike="noStrike" cap="none" normalizeH="0" baseline="0" dirty="0">
+                <a:ln>
+                  <a:noFill/>
+                </a:ln>
+                <a:solidFill>
+                  <a:srgbClr val="ABB2BF"/>
+                </a:solidFill>
+                <a:effectLst/>
+                <a:latin typeface="Arial Unicode MS"/>
+                <a:ea typeface="Fira Code"/>
+              </a:rPr>
+              <a:t>name</a:t>
+            </a:r>
+            <a:r>
+              <a:rPr kumimoji="0" lang="zh-CN" altLang="zh-CN" sz="1200" b="0" i="0" u="none" strike="noStrike" cap="none" normalizeH="0" baseline="0" dirty="0">
+                <a:ln>
+                  <a:noFill/>
+                </a:ln>
+                <a:solidFill>
+                  <a:srgbClr val="A6B2C0"/>
+                </a:solidFill>
+                <a:effectLst/>
+                <a:latin typeface="Arial Unicode MS"/>
+                <a:ea typeface="Fira Code"/>
+              </a:rPr>
+              <a:t>, </a:t>
+            </a:r>
+            <a:r>
+              <a:rPr kumimoji="0" lang="zh-CN" altLang="zh-CN" sz="1200" b="0" i="1" u="none" strike="noStrike" cap="none" normalizeH="0" baseline="0" dirty="0">
+                <a:ln>
+                  <a:noFill/>
+                </a:ln>
+                <a:solidFill>
+                  <a:srgbClr val="C679DD"/>
+                </a:solidFill>
+                <a:effectLst/>
+                <a:latin typeface="Arial Unicode MS"/>
+                <a:ea typeface="Fira Code"/>
+              </a:rPr>
+              <a:t>char </a:t>
+            </a:r>
+            <a:r>
+              <a:rPr kumimoji="0" lang="zh-CN" altLang="zh-CN" sz="1200" b="0" i="0" u="none" strike="noStrike" cap="none" normalizeH="0" baseline="0" dirty="0">
+                <a:ln>
+                  <a:noFill/>
+                </a:ln>
+                <a:solidFill>
+                  <a:srgbClr val="ABB2BF"/>
+                </a:solidFill>
+                <a:effectLst/>
+                <a:latin typeface="Arial Unicode MS"/>
+                <a:ea typeface="Fira Code"/>
+              </a:rPr>
+              <a:t>val</a:t>
+            </a:r>
+            <a:r>
+              <a:rPr kumimoji="0" lang="zh-CN" altLang="zh-CN" sz="1200" b="0" i="0" u="none" strike="noStrike" cap="none" normalizeH="0" baseline="0" dirty="0">
+                <a:ln>
+                  <a:noFill/>
+                </a:ln>
+                <a:solidFill>
+                  <a:srgbClr val="A6B2C0"/>
+                </a:solidFill>
+                <a:effectLst/>
+                <a:latin typeface="Arial Unicode MS"/>
+                <a:ea typeface="Fira Code"/>
+              </a:rPr>
+              <a:t>);</a:t>
+            </a:r>
+            <a:br>
+              <a:rPr kumimoji="0" lang="zh-CN" altLang="zh-CN" sz="1200" b="0" i="0" u="none" strike="noStrike" cap="none" normalizeH="0" baseline="0" dirty="0">
+                <a:ln>
+                  <a:noFill/>
+                </a:ln>
+                <a:solidFill>
+                  <a:srgbClr val="A6B2C0"/>
+                </a:solidFill>
+                <a:effectLst/>
+                <a:latin typeface="Arial Unicode MS"/>
+                <a:ea typeface="Fira Code"/>
+              </a:rPr>
+            </a:br>
+            <a:br>
+              <a:rPr kumimoji="0" lang="zh-CN" altLang="zh-CN" sz="1200" b="0" i="0" u="none" strike="noStrike" cap="none" normalizeH="0" baseline="0" dirty="0">
+                <a:ln>
+                  <a:noFill/>
+                </a:ln>
+                <a:solidFill>
+                  <a:srgbClr val="A6B2C0"/>
+                </a:solidFill>
+                <a:effectLst/>
+                <a:latin typeface="Arial Unicode MS"/>
+                <a:ea typeface="Fira Code"/>
+              </a:rPr>
+            </a:br>
+            <a:r>
+              <a:rPr kumimoji="0" lang="zh-CN" altLang="zh-CN" sz="1200" b="0" i="1" u="none" strike="noStrike" cap="none" normalizeH="0" baseline="0" dirty="0">
+                <a:ln>
+                  <a:noFill/>
+                </a:ln>
+                <a:solidFill>
+                  <a:srgbClr val="59626F"/>
+                </a:solidFill>
+                <a:effectLst/>
+                <a:latin typeface="Arial Unicode MS"/>
+                <a:ea typeface="Fira Code"/>
+              </a:rPr>
+              <a:t>    </a:t>
+            </a:r>
+            <a:r>
+              <a:rPr kumimoji="0" lang="zh-CN" altLang="zh-CN" sz="1200" b="0" i="1" u="none" strike="noStrike" cap="none" normalizeH="0" baseline="0" dirty="0">
+                <a:ln>
+                  <a:noFill/>
+                </a:ln>
+                <a:solidFill>
+                  <a:srgbClr val="C679DD"/>
+                </a:solidFill>
+                <a:effectLst/>
+                <a:latin typeface="Arial Unicode MS"/>
+                <a:ea typeface="Fira Code"/>
+              </a:rPr>
+              <a:t>public abstract void </a:t>
+            </a:r>
+            <a:r>
+              <a:rPr kumimoji="0" lang="zh-CN" altLang="zh-CN" sz="1200" b="0" i="0" u="none" strike="noStrike" cap="none" normalizeH="0" baseline="0" dirty="0">
+                <a:ln>
+                  <a:noFill/>
+                </a:ln>
+                <a:solidFill>
+                  <a:srgbClr val="61AEEF"/>
+                </a:solidFill>
+                <a:effectLst/>
+                <a:latin typeface="Arial Unicode MS"/>
+                <a:ea typeface="Fira Code"/>
+              </a:rPr>
+              <a:t>put</a:t>
+            </a:r>
+            <a:r>
+              <a:rPr kumimoji="0" lang="zh-CN" altLang="zh-CN" sz="1200" b="0" i="0" u="none" strike="noStrike" cap="none" normalizeH="0" baseline="0" dirty="0">
+                <a:ln>
+                  <a:noFill/>
+                </a:ln>
+                <a:solidFill>
+                  <a:srgbClr val="A6B2C0"/>
+                </a:solidFill>
+                <a:effectLst/>
+                <a:latin typeface="Arial Unicode MS"/>
+                <a:ea typeface="Fira Code"/>
+              </a:rPr>
+              <a:t>(</a:t>
+            </a:r>
+            <a:r>
+              <a:rPr kumimoji="0" lang="zh-CN" altLang="zh-CN" sz="1200" b="0" i="0" u="none" strike="noStrike" cap="none" normalizeH="0" baseline="0" dirty="0">
+                <a:ln>
+                  <a:noFill/>
+                </a:ln>
+                <a:solidFill>
+                  <a:srgbClr val="E5C17C"/>
+                </a:solidFill>
+                <a:effectLst/>
+                <a:latin typeface="Arial Unicode MS"/>
+                <a:ea typeface="Fira Code"/>
+              </a:rPr>
+              <a:t>String </a:t>
+            </a:r>
+            <a:r>
+              <a:rPr kumimoji="0" lang="zh-CN" altLang="zh-CN" sz="1200" b="0" i="0" u="none" strike="noStrike" cap="none" normalizeH="0" baseline="0" dirty="0">
+                <a:ln>
+                  <a:noFill/>
+                </a:ln>
+                <a:solidFill>
+                  <a:srgbClr val="ABB2BF"/>
+                </a:solidFill>
+                <a:effectLst/>
+                <a:latin typeface="Arial Unicode MS"/>
+                <a:ea typeface="Fira Code"/>
+              </a:rPr>
+              <a:t>name</a:t>
+            </a:r>
+            <a:r>
+              <a:rPr kumimoji="0" lang="zh-CN" altLang="zh-CN" sz="1200" b="0" i="0" u="none" strike="noStrike" cap="none" normalizeH="0" baseline="0" dirty="0">
+                <a:ln>
+                  <a:noFill/>
+                </a:ln>
+                <a:solidFill>
+                  <a:srgbClr val="A6B2C0"/>
+                </a:solidFill>
+                <a:effectLst/>
+                <a:latin typeface="Arial Unicode MS"/>
+                <a:ea typeface="Fira Code"/>
+              </a:rPr>
+              <a:t>, </a:t>
+            </a:r>
+            <a:r>
+              <a:rPr kumimoji="0" lang="zh-CN" altLang="zh-CN" sz="1200" b="0" i="1" u="none" strike="noStrike" cap="none" normalizeH="0" baseline="0" dirty="0">
+                <a:ln>
+                  <a:noFill/>
+                </a:ln>
+                <a:solidFill>
+                  <a:srgbClr val="C679DD"/>
+                </a:solidFill>
+                <a:effectLst/>
+                <a:latin typeface="Arial Unicode MS"/>
+                <a:ea typeface="Fira Code"/>
+              </a:rPr>
+              <a:t>short </a:t>
+            </a:r>
+            <a:r>
+              <a:rPr kumimoji="0" lang="zh-CN" altLang="zh-CN" sz="1200" b="0" i="0" u="none" strike="noStrike" cap="none" normalizeH="0" baseline="0" dirty="0">
+                <a:ln>
+                  <a:noFill/>
+                </a:ln>
+                <a:solidFill>
+                  <a:srgbClr val="ABB2BF"/>
+                </a:solidFill>
+                <a:effectLst/>
+                <a:latin typeface="Arial Unicode MS"/>
+                <a:ea typeface="Fira Code"/>
+              </a:rPr>
+              <a:t>val</a:t>
+            </a:r>
+            <a:r>
+              <a:rPr kumimoji="0" lang="zh-CN" altLang="zh-CN" sz="1200" b="0" i="0" u="none" strike="noStrike" cap="none" normalizeH="0" baseline="0" dirty="0">
+                <a:ln>
+                  <a:noFill/>
+                </a:ln>
+                <a:solidFill>
+                  <a:srgbClr val="A6B2C0"/>
+                </a:solidFill>
+                <a:effectLst/>
+                <a:latin typeface="Arial Unicode MS"/>
+                <a:ea typeface="Fira Code"/>
+              </a:rPr>
+              <a:t>);</a:t>
+            </a:r>
+            <a:br>
+              <a:rPr kumimoji="0" lang="zh-CN" altLang="zh-CN" sz="1200" b="0" i="0" u="none" strike="noStrike" cap="none" normalizeH="0" baseline="0" dirty="0">
+                <a:ln>
+                  <a:noFill/>
+                </a:ln>
+                <a:solidFill>
+                  <a:srgbClr val="A6B2C0"/>
+                </a:solidFill>
+                <a:effectLst/>
+                <a:latin typeface="Arial Unicode MS"/>
+                <a:ea typeface="Fira Code"/>
+              </a:rPr>
+            </a:br>
+            <a:br>
+              <a:rPr kumimoji="0" lang="zh-CN" altLang="zh-CN" sz="1200" b="0" i="1" u="none" strike="noStrike" cap="none" normalizeH="0" baseline="0" dirty="0">
+                <a:ln>
+                  <a:noFill/>
+                </a:ln>
+                <a:solidFill>
+                  <a:srgbClr val="59626F"/>
+                </a:solidFill>
+                <a:effectLst/>
+                <a:latin typeface="Arial Unicode MS"/>
+                <a:ea typeface="Fira Code"/>
+              </a:rPr>
+            </a:br>
+            <a:r>
+              <a:rPr kumimoji="0" lang="zh-CN" altLang="zh-CN" sz="1200" b="0" i="1" u="none" strike="noStrike" cap="none" normalizeH="0" baseline="0" dirty="0">
+                <a:ln>
+                  <a:noFill/>
+                </a:ln>
+                <a:solidFill>
+                  <a:srgbClr val="59626F"/>
+                </a:solidFill>
+                <a:effectLst/>
+                <a:latin typeface="Arial Unicode MS"/>
+                <a:ea typeface="Fira Code"/>
+              </a:rPr>
+              <a:t>    </a:t>
+            </a:r>
+            <a:r>
+              <a:rPr kumimoji="0" lang="zh-CN" altLang="zh-CN" sz="1200" b="0" i="1" u="none" strike="noStrike" cap="none" normalizeH="0" baseline="0" dirty="0">
+                <a:ln>
+                  <a:noFill/>
+                </a:ln>
+                <a:solidFill>
+                  <a:srgbClr val="C679DD"/>
+                </a:solidFill>
+                <a:effectLst/>
+                <a:latin typeface="Arial Unicode MS"/>
+                <a:ea typeface="Fira Code"/>
+              </a:rPr>
+              <a:t>public abstract void </a:t>
+            </a:r>
+            <a:r>
+              <a:rPr kumimoji="0" lang="zh-CN" altLang="zh-CN" sz="1200" b="0" i="0" u="none" strike="noStrike" cap="none" normalizeH="0" baseline="0" dirty="0">
+                <a:ln>
+                  <a:noFill/>
+                </a:ln>
+                <a:solidFill>
+                  <a:srgbClr val="61AEEF"/>
+                </a:solidFill>
+                <a:effectLst/>
+                <a:latin typeface="Arial Unicode MS"/>
+                <a:ea typeface="Fira Code"/>
+              </a:rPr>
+              <a:t>put</a:t>
+            </a:r>
+            <a:r>
+              <a:rPr kumimoji="0" lang="zh-CN" altLang="zh-CN" sz="1200" b="0" i="0" u="none" strike="noStrike" cap="none" normalizeH="0" baseline="0" dirty="0">
+                <a:ln>
+                  <a:noFill/>
+                </a:ln>
+                <a:solidFill>
+                  <a:srgbClr val="A6B2C0"/>
+                </a:solidFill>
+                <a:effectLst/>
+                <a:latin typeface="Arial Unicode MS"/>
+                <a:ea typeface="Fira Code"/>
+              </a:rPr>
+              <a:t>(</a:t>
+            </a:r>
+            <a:r>
+              <a:rPr kumimoji="0" lang="zh-CN" altLang="zh-CN" sz="1200" b="0" i="0" u="none" strike="noStrike" cap="none" normalizeH="0" baseline="0" dirty="0">
+                <a:ln>
+                  <a:noFill/>
+                </a:ln>
+                <a:solidFill>
+                  <a:srgbClr val="E5C17C"/>
+                </a:solidFill>
+                <a:effectLst/>
+                <a:latin typeface="Arial Unicode MS"/>
+                <a:ea typeface="Fira Code"/>
+              </a:rPr>
+              <a:t>String </a:t>
+            </a:r>
+            <a:r>
+              <a:rPr kumimoji="0" lang="zh-CN" altLang="zh-CN" sz="1200" b="0" i="0" u="none" strike="noStrike" cap="none" normalizeH="0" baseline="0" dirty="0">
+                <a:ln>
+                  <a:noFill/>
+                </a:ln>
+                <a:solidFill>
+                  <a:srgbClr val="ABB2BF"/>
+                </a:solidFill>
+                <a:effectLst/>
+                <a:latin typeface="Arial Unicode MS"/>
+                <a:ea typeface="Fira Code"/>
+              </a:rPr>
+              <a:t>name</a:t>
+            </a:r>
+            <a:r>
+              <a:rPr kumimoji="0" lang="zh-CN" altLang="zh-CN" sz="1200" b="0" i="0" u="none" strike="noStrike" cap="none" normalizeH="0" baseline="0" dirty="0">
+                <a:ln>
+                  <a:noFill/>
+                </a:ln>
+                <a:solidFill>
+                  <a:srgbClr val="A6B2C0"/>
+                </a:solidFill>
+                <a:effectLst/>
+                <a:latin typeface="Arial Unicode MS"/>
+                <a:ea typeface="Fira Code"/>
+              </a:rPr>
+              <a:t>, </a:t>
+            </a:r>
+            <a:r>
+              <a:rPr kumimoji="0" lang="zh-CN" altLang="zh-CN" sz="1200" b="0" i="1" u="none" strike="noStrike" cap="none" normalizeH="0" baseline="0" dirty="0">
+                <a:ln>
+                  <a:noFill/>
+                </a:ln>
+                <a:solidFill>
+                  <a:srgbClr val="C679DD"/>
+                </a:solidFill>
+                <a:effectLst/>
+                <a:latin typeface="Arial Unicode MS"/>
+                <a:ea typeface="Fira Code"/>
+              </a:rPr>
+              <a:t>int </a:t>
+            </a:r>
+            <a:r>
+              <a:rPr kumimoji="0" lang="zh-CN" altLang="zh-CN" sz="1200" b="0" i="0" u="none" strike="noStrike" cap="none" normalizeH="0" baseline="0" dirty="0">
+                <a:ln>
+                  <a:noFill/>
+                </a:ln>
+                <a:solidFill>
+                  <a:srgbClr val="ABB2BF"/>
+                </a:solidFill>
+                <a:effectLst/>
+                <a:latin typeface="Arial Unicode MS"/>
+                <a:ea typeface="Fira Code"/>
+              </a:rPr>
+              <a:t>val</a:t>
+            </a:r>
+            <a:r>
+              <a:rPr kumimoji="0" lang="zh-CN" altLang="zh-CN" sz="1200" b="0" i="0" u="none" strike="noStrike" cap="none" normalizeH="0" baseline="0" dirty="0">
+                <a:ln>
+                  <a:noFill/>
+                </a:ln>
+                <a:solidFill>
+                  <a:srgbClr val="A6B2C0"/>
+                </a:solidFill>
+                <a:effectLst/>
+                <a:latin typeface="Arial Unicode MS"/>
+                <a:ea typeface="Fira Code"/>
+              </a:rPr>
+              <a:t>);</a:t>
+            </a:r>
+            <a:endParaRPr kumimoji="0" lang="en-US" altLang="zh-CN" sz="1200" b="0" i="0" u="none" strike="noStrike" cap="none" normalizeH="0" baseline="0" dirty="0">
+              <a:ln>
+                <a:noFill/>
+              </a:ln>
+              <a:solidFill>
+                <a:srgbClr val="A6B2C0"/>
+              </a:solidFill>
+              <a:effectLst/>
+              <a:latin typeface="Arial Unicode MS"/>
+              <a:ea typeface="Fira Code"/>
+            </a:endParaRPr>
+          </a:p>
+          <a:p>
+            <a:pPr marL="0" marR="0" lvl="0" indent="0" algn="l" defTabSz="914400" rtl="0" eaLnBrk="0" fontAlgn="base" latinLnBrk="0" hangingPunct="0">
+              <a:lnSpc>
+                <a:spcPct val="100000"/>
+              </a:lnSpc>
+              <a:spcBef>
+                <a:spcPct val="0"/>
+              </a:spcBef>
+              <a:spcAft>
+                <a:spcPct val="0"/>
+              </a:spcAft>
+              <a:buClrTx/>
+              <a:buSzTx/>
+              <a:buFontTx/>
+              <a:buNone/>
+              <a:tabLst/>
+            </a:pPr>
+            <a:br>
+              <a:rPr kumimoji="0" lang="zh-CN" altLang="zh-CN" sz="1200" b="0" i="0" u="none" strike="noStrike" cap="none" normalizeH="0" baseline="0" dirty="0">
+                <a:ln>
+                  <a:noFill/>
+                </a:ln>
+                <a:solidFill>
+                  <a:srgbClr val="A6B2C0"/>
+                </a:solidFill>
+                <a:effectLst/>
+                <a:latin typeface="Arial Unicode MS"/>
+                <a:ea typeface="Fira Code"/>
+              </a:rPr>
+            </a:br>
+            <a:br>
+              <a:rPr kumimoji="0" lang="zh-CN" altLang="zh-CN" sz="1200" b="0" i="0" u="none" strike="noStrike" cap="none" normalizeH="0" baseline="0" dirty="0">
+                <a:ln>
+                  <a:noFill/>
+                </a:ln>
+                <a:solidFill>
+                  <a:srgbClr val="A6B2C0"/>
+                </a:solidFill>
+                <a:effectLst/>
+                <a:latin typeface="Arial Unicode MS"/>
+                <a:ea typeface="Fira Code"/>
+              </a:rPr>
+            </a:br>
+            <a:r>
+              <a:rPr kumimoji="0" lang="zh-CN" altLang="zh-CN" sz="1200" b="0" i="0" u="none" strike="noStrike" cap="none" normalizeH="0" baseline="0" dirty="0">
+                <a:ln>
+                  <a:noFill/>
+                </a:ln>
+                <a:solidFill>
+                  <a:srgbClr val="A6B2C0"/>
+                </a:solidFill>
+                <a:effectLst/>
+                <a:latin typeface="Arial Unicode MS"/>
+                <a:ea typeface="Fira Code"/>
+              </a:rPr>
+              <a:t>    </a:t>
+            </a:r>
+            <a:r>
+              <a:rPr kumimoji="0" lang="zh-CN" altLang="zh-CN" sz="1200" b="0" i="1" u="none" strike="noStrike" cap="none" normalizeH="0" baseline="0" dirty="0">
+                <a:ln>
+                  <a:noFill/>
+                </a:ln>
+                <a:solidFill>
+                  <a:srgbClr val="59626F"/>
+                </a:solidFill>
+                <a:effectLst/>
+                <a:latin typeface="Arial Unicode MS"/>
+                <a:ea typeface="Fira Code"/>
+              </a:rPr>
+              <a:t>/**</a:t>
+            </a:r>
+            <a:endParaRPr kumimoji="0" lang="zh-CN" altLang="zh-CN" sz="1800" b="0" i="0" u="none" strike="noStrike" cap="none" normalizeH="0" baseline="0" dirty="0">
+              <a:ln>
+                <a:noFill/>
+              </a:ln>
+              <a:solidFill>
+                <a:schemeClr val="tx1"/>
+              </a:solidFill>
+              <a:effectLst/>
+              <a:latin typeface="Arial" panose="020B0604020202020204" pitchFamily="34" charset="0"/>
+            </a:endParaRPr>
+          </a:p>
+        </p:txBody>
+      </p:sp>
+      <p:sp>
+        <p:nvSpPr>
+          <p:cNvPr id="6" name="内容占位符 2">
+            <a:extLst>
+              <a:ext uri="{FF2B5EF4-FFF2-40B4-BE49-F238E27FC236}">
+                <a16:creationId xmlns:a16="http://schemas.microsoft.com/office/drawing/2014/main" id="{D62BFD38-4536-450B-B61A-7D9964BF2FD0}"/>
+              </a:ext>
+            </a:extLst>
+          </p:cNvPr>
+          <p:cNvSpPr txBox="1">
+            <a:spLocks/>
+          </p:cNvSpPr>
+          <p:nvPr/>
+        </p:nvSpPr>
+        <p:spPr>
+          <a:xfrm>
+            <a:off x="6353176" y="2453742"/>
+            <a:ext cx="5071907" cy="3494774"/>
+          </a:xfrm>
+          <a:prstGeom prst="rect">
+            <a:avLst/>
+          </a:prstGeom>
+        </p:spPr>
+        <p:txBody>
+          <a:bodyPr vert="horz" lIns="91440" tIns="45720" rIns="91440" bIns="45720" rtlCol="0">
+            <a:normAutofit/>
+          </a:bodyPr>
+          <a:lstStyle>
+            <a:lvl1pPr marL="228600" indent="-228600" algn="l" defTabSz="914400" rtl="0" eaLnBrk="1" latinLnBrk="0" hangingPunct="1">
+              <a:lnSpc>
+                <a:spcPct val="90000"/>
+              </a:lnSpc>
+              <a:spcBef>
+                <a:spcPts val="1000"/>
+              </a:spcBef>
+              <a:buFont typeface="Arial" panose="020B0604020202020204" pitchFamily="34" charset="0"/>
+              <a:buChar char="•"/>
+              <a:defRPr sz="2800" kern="1200">
+                <a:solidFill>
+                  <a:schemeClr val="tx1"/>
+                </a:solidFill>
+                <a:latin typeface="+mn-lt"/>
+                <a:ea typeface="+mn-ea"/>
+                <a:cs typeface="+mn-cs"/>
+              </a:defRPr>
+            </a:lvl1pPr>
+            <a:lvl2pPr marL="685800" indent="-228600" algn="l" defTabSz="914400" rtl="0" eaLnBrk="1" latinLnBrk="0" hangingPunct="1">
+              <a:lnSpc>
+                <a:spcPct val="90000"/>
+              </a:lnSpc>
+              <a:spcBef>
+                <a:spcPts val="500"/>
+              </a:spcBef>
+              <a:buFont typeface="Arial" panose="020B0604020202020204" pitchFamily="34" charset="0"/>
+              <a:buChar char="•"/>
+              <a:defRPr sz="2400" kern="1200">
+                <a:solidFill>
+                  <a:schemeClr val="tx1"/>
+                </a:solidFill>
+                <a:latin typeface="+mn-lt"/>
+                <a:ea typeface="+mn-ea"/>
+                <a:cs typeface="+mn-cs"/>
+              </a:defRPr>
+            </a:lvl2pPr>
+            <a:lvl3pPr marL="1143000" indent="-228600" algn="l" defTabSz="914400" rtl="0" eaLnBrk="1" latinLnBrk="0" hangingPunct="1">
+              <a:lnSpc>
+                <a:spcPct val="90000"/>
+              </a:lnSpc>
+              <a:spcBef>
+                <a:spcPts val="500"/>
+              </a:spcBef>
+              <a:buFont typeface="Arial" panose="020B0604020202020204" pitchFamily="34" charset="0"/>
+              <a:buChar char="•"/>
+              <a:defRPr sz="2000" kern="1200">
+                <a:solidFill>
+                  <a:schemeClr val="tx1"/>
+                </a:solidFill>
+                <a:latin typeface="+mn-lt"/>
+                <a:ea typeface="+mn-ea"/>
+                <a:cs typeface="+mn-cs"/>
+              </a:defRPr>
+            </a:lvl3pPr>
+            <a:lvl4pPr marL="1600200" indent="-228600" algn="l" defTabSz="914400" rtl="0" eaLnBrk="1" latinLnBrk="0" hangingPunct="1">
+              <a:lnSpc>
+                <a:spcPct val="90000"/>
+              </a:lnSpc>
+              <a:spcBef>
+                <a:spcPts val="500"/>
+              </a:spcBef>
+              <a:buFont typeface="Arial" panose="020B0604020202020204" pitchFamily="34" charset="0"/>
+              <a:buChar char="•"/>
+              <a:defRPr sz="1800" kern="1200">
+                <a:solidFill>
+                  <a:schemeClr val="tx1"/>
+                </a:solidFill>
+                <a:latin typeface="+mn-lt"/>
+                <a:ea typeface="+mn-ea"/>
+                <a:cs typeface="+mn-cs"/>
+              </a:defRPr>
+            </a:lvl4pPr>
+            <a:lvl5pPr marL="2057400" indent="-228600" algn="l" defTabSz="914400" rtl="0" eaLnBrk="1" latinLnBrk="0" hangingPunct="1">
+              <a:lnSpc>
+                <a:spcPct val="90000"/>
+              </a:lnSpc>
+              <a:spcBef>
+                <a:spcPts val="500"/>
+              </a:spcBef>
+              <a:buFont typeface="Arial" panose="020B0604020202020204" pitchFamily="34" charset="0"/>
+              <a:buChar char="•"/>
+              <a:defRPr sz="1800" kern="1200">
+                <a:solidFill>
+                  <a:schemeClr val="tx1"/>
+                </a:solidFill>
+                <a:latin typeface="+mn-lt"/>
+                <a:ea typeface="+mn-ea"/>
+                <a:cs typeface="+mn-cs"/>
+              </a:defRPr>
+            </a:lvl5pPr>
+            <a:lvl6pPr marL="2514600" indent="-228600" algn="l" defTabSz="914400" rtl="0" eaLnBrk="1" latinLnBrk="0" hangingPunct="1">
+              <a:lnSpc>
+                <a:spcPct val="90000"/>
+              </a:lnSpc>
+              <a:spcBef>
+                <a:spcPts val="500"/>
+              </a:spcBef>
+              <a:buFont typeface="Arial" panose="020B0604020202020204" pitchFamily="34" charset="0"/>
+              <a:buChar char="•"/>
+              <a:defRPr sz="1800" kern="1200">
+                <a:solidFill>
+                  <a:schemeClr val="tx1"/>
+                </a:solidFill>
+                <a:latin typeface="+mn-lt"/>
+                <a:ea typeface="+mn-ea"/>
+                <a:cs typeface="+mn-cs"/>
+              </a:defRPr>
+            </a:lvl6pPr>
+            <a:lvl7pPr marL="2971800" indent="-228600" algn="l" defTabSz="914400" rtl="0" eaLnBrk="1" latinLnBrk="0" hangingPunct="1">
+              <a:lnSpc>
+                <a:spcPct val="90000"/>
+              </a:lnSpc>
+              <a:spcBef>
+                <a:spcPts val="500"/>
+              </a:spcBef>
+              <a:buFont typeface="Arial" panose="020B0604020202020204" pitchFamily="34" charset="0"/>
+              <a:buChar char="•"/>
+              <a:defRPr sz="1800" kern="1200">
+                <a:solidFill>
+                  <a:schemeClr val="tx1"/>
+                </a:solidFill>
+                <a:latin typeface="+mn-lt"/>
+                <a:ea typeface="+mn-ea"/>
+                <a:cs typeface="+mn-cs"/>
+              </a:defRPr>
+            </a:lvl7pPr>
+            <a:lvl8pPr marL="3429000" indent="-228600" algn="l" defTabSz="914400" rtl="0" eaLnBrk="1" latinLnBrk="0" hangingPunct="1">
+              <a:lnSpc>
+                <a:spcPct val="90000"/>
+              </a:lnSpc>
+              <a:spcBef>
+                <a:spcPts val="500"/>
+              </a:spcBef>
+              <a:buFont typeface="Arial" panose="020B0604020202020204" pitchFamily="34" charset="0"/>
+              <a:buChar char="•"/>
+              <a:defRPr sz="1800" kern="1200">
+                <a:solidFill>
+                  <a:schemeClr val="tx1"/>
+                </a:solidFill>
+                <a:latin typeface="+mn-lt"/>
+                <a:ea typeface="+mn-ea"/>
+                <a:cs typeface="+mn-cs"/>
+              </a:defRPr>
+            </a:lvl8pPr>
+            <a:lvl9pPr marL="3886200" indent="-228600" algn="l" defTabSz="914400" rtl="0" eaLnBrk="1" latinLnBrk="0" hangingPunct="1">
+              <a:lnSpc>
+                <a:spcPct val="90000"/>
+              </a:lnSpc>
+              <a:spcBef>
+                <a:spcPts val="500"/>
+              </a:spcBef>
+              <a:buFont typeface="Arial" panose="020B0604020202020204" pitchFamily="34" charset="0"/>
+              <a:buChar char="•"/>
+              <a:defRPr sz="1800" kern="1200">
+                <a:solidFill>
+                  <a:schemeClr val="tx1"/>
+                </a:solidFill>
+                <a:latin typeface="+mn-lt"/>
+                <a:ea typeface="+mn-ea"/>
+                <a:cs typeface="+mn-cs"/>
+              </a:defRPr>
+            </a:lvl9pPr>
+          </a:lstStyle>
+          <a:p>
+            <a:r>
+              <a:rPr lang="zh-CN" altLang="en-US" dirty="0"/>
+              <a:t>思考</a:t>
+            </a:r>
+            <a:endParaRPr lang="en-US" altLang="zh-CN" dirty="0"/>
+          </a:p>
+          <a:p>
+            <a:r>
+              <a:rPr lang="zh-CN" altLang="en-US" dirty="0"/>
+              <a:t>原理就是把按照</a:t>
+            </a:r>
+            <a:r>
+              <a:rPr lang="en-US" altLang="zh-CN" dirty="0" err="1"/>
+              <a:t>PutField</a:t>
+            </a:r>
+            <a:r>
+              <a:rPr lang="zh-CN" altLang="en-US" dirty="0"/>
+              <a:t>里的值写出</a:t>
+            </a:r>
+            <a:r>
+              <a:rPr lang="en-US" altLang="zh-CN" dirty="0"/>
+              <a:t>field</a:t>
+            </a:r>
+          </a:p>
+          <a:p>
+            <a:endParaRPr lang="en-US" altLang="zh-CN" dirty="0"/>
+          </a:p>
+          <a:p>
+            <a:r>
+              <a:rPr lang="zh-CN" altLang="en-US" dirty="0"/>
+              <a:t>如何实现？</a:t>
+            </a:r>
+            <a:endParaRPr lang="en-US" altLang="zh-CN" dirty="0"/>
+          </a:p>
+          <a:p>
+            <a:r>
+              <a:rPr lang="zh-CN" altLang="en-US" dirty="0"/>
+              <a:t>考虑兼容接口，充分利用性能</a:t>
+            </a:r>
+          </a:p>
+        </p:txBody>
+      </p:sp>
+    </p:spTree>
+    <p:extLst>
+      <p:ext uri="{BB962C8B-B14F-4D97-AF65-F5344CB8AC3E}">
+        <p14:creationId xmlns:p14="http://schemas.microsoft.com/office/powerpoint/2010/main" val="92703081"/>
+      </p:ext>
+    </p:extLst>
+  </p:cSld>
+  <p:clrMapOvr>
+    <a:masterClrMapping/>
+  </p:clrMapOvr>
+</p:sld>
+</file>
+
 <file path=ppt/slides/slide2.xml><?xml version="1.0" encoding="utf-8"?>
 <p:sld xmlns:a="http://schemas.openxmlformats.org/drawingml/2006/main" xmlns:r="http://schemas.openxmlformats.org/officeDocument/2006/relationships" xmlns:p="http://schemas.openxmlformats.org/presentationml/2006/main">
   <p:cSld>
@@ -4457,6 +9050,178 @@
     <p:extLst>
       <p:ext uri="{BB962C8B-B14F-4D97-AF65-F5344CB8AC3E}">
         <p14:creationId xmlns:p14="http://schemas.microsoft.com/office/powerpoint/2010/main" val="3791743934"/>
+      </p:ext>
+    </p:extLst>
+  </p:cSld>
+  <p:clrMapOvr>
+    <a:masterClrMapping/>
+  </p:clrMapOvr>
+</p:sld>
+</file>
+
+<file path=ppt/slides/slide20.xml><?xml version="1.0" encoding="utf-8"?>
+<p:sld xmlns:a="http://schemas.openxmlformats.org/drawingml/2006/main" xmlns:r="http://schemas.openxmlformats.org/officeDocument/2006/relationships" xmlns:p="http://schemas.openxmlformats.org/presentationml/2006/main">
+  <p:cSld>
+    <p:spTree>
+      <p:nvGrpSpPr>
+        <p:cNvPr id="1" name=""/>
+        <p:cNvGrpSpPr/>
+        <p:nvPr/>
+      </p:nvGrpSpPr>
+      <p:grpSpPr>
+        <a:xfrm>
+          <a:off x="0" y="0"/>
+          <a:ext cx="0" cy="0"/>
+          <a:chOff x="0" y="0"/>
+          <a:chExt cx="0" cy="0"/>
+        </a:xfrm>
+      </p:grpSpPr>
+      <p:sp>
+        <p:nvSpPr>
+          <p:cNvPr id="2" name="标题 1">
+            <a:extLst>
+              <a:ext uri="{FF2B5EF4-FFF2-40B4-BE49-F238E27FC236}">
+                <a16:creationId xmlns:a16="http://schemas.microsoft.com/office/drawing/2014/main" id="{169FBD6E-F708-43FB-AB91-17CF24FCA177}"/>
+              </a:ext>
+            </a:extLst>
+          </p:cNvPr>
+          <p:cNvSpPr>
+            <a:spLocks noGrp="1"/>
+          </p:cNvSpPr>
+          <p:nvPr>
+            <p:ph type="title"/>
+          </p:nvPr>
+        </p:nvSpPr>
+        <p:spPr/>
+        <p:txBody>
+          <a:bodyPr/>
+          <a:lstStyle/>
+          <a:p>
+            <a:r>
+              <a:rPr lang="en-US" altLang="zh-CN" dirty="0"/>
+              <a:t>25</a:t>
+            </a:r>
+            <a:r>
+              <a:rPr lang="zh-CN" altLang="en-US" dirty="0"/>
+              <a:t>页</a:t>
+            </a:r>
+          </a:p>
+        </p:txBody>
+      </p:sp>
+      <p:sp>
+        <p:nvSpPr>
+          <p:cNvPr id="3" name="内容占位符 2">
+            <a:extLst>
+              <a:ext uri="{FF2B5EF4-FFF2-40B4-BE49-F238E27FC236}">
+                <a16:creationId xmlns:a16="http://schemas.microsoft.com/office/drawing/2014/main" id="{34865A97-B18C-412A-A451-044C8DB0F58C}"/>
+              </a:ext>
+            </a:extLst>
+          </p:cNvPr>
+          <p:cNvSpPr>
+            <a:spLocks noGrp="1"/>
+          </p:cNvSpPr>
+          <p:nvPr>
+            <p:ph idx="1"/>
+          </p:nvPr>
+        </p:nvSpPr>
+        <p:spPr/>
+        <p:txBody>
+          <a:bodyPr/>
+          <a:lstStyle/>
+          <a:p>
+            <a:r>
+              <a:rPr lang="zh-CN" altLang="en-US" dirty="0"/>
+              <a:t>结合原有接口</a:t>
+            </a:r>
+            <a:r>
+              <a:rPr lang="en-US" altLang="zh-CN" dirty="0" err="1"/>
+              <a:t>field.write</a:t>
+            </a:r>
+            <a:r>
+              <a:rPr lang="en-US" altLang="zh-CN" dirty="0"/>
+              <a:t>(output, object)</a:t>
+            </a:r>
+            <a:r>
+              <a:rPr lang="zh-CN" altLang="en-US" dirty="0"/>
+              <a:t>来讲为什么使用</a:t>
+            </a:r>
+            <a:r>
+              <a:rPr lang="en-US" altLang="zh-CN" dirty="0"/>
+              <a:t>unsafe</a:t>
+            </a:r>
+            <a:r>
+              <a:rPr lang="zh-CN" altLang="en-US" dirty="0"/>
+              <a:t>，为什么要</a:t>
+            </a:r>
+            <a:r>
+              <a:rPr lang="en-US" altLang="zh-CN" dirty="0"/>
+              <a:t>new </a:t>
+            </a:r>
+            <a:r>
+              <a:rPr lang="zh-CN" altLang="en-US" dirty="0"/>
+              <a:t>一个对象。 贴代码，</a:t>
+            </a:r>
+            <a:r>
+              <a:rPr lang="en-US" altLang="zh-CN" dirty="0"/>
+              <a:t>put()</a:t>
+            </a:r>
+            <a:r>
+              <a:rPr lang="zh-CN" altLang="en-US" dirty="0"/>
+              <a:t>使用</a:t>
+            </a:r>
+            <a:r>
+              <a:rPr lang="en-US" altLang="zh-CN" dirty="0"/>
+              <a:t>unsafe</a:t>
+            </a:r>
+          </a:p>
+          <a:p>
+            <a:endParaRPr lang="en-US" altLang="zh-CN" dirty="0"/>
+          </a:p>
+          <a:p>
+            <a:endParaRPr lang="zh-CN" altLang="en-US" dirty="0"/>
+          </a:p>
+        </p:txBody>
+      </p:sp>
+      <p:pic>
+        <p:nvPicPr>
+          <p:cNvPr id="5" name="图片 4">
+            <a:extLst>
+              <a:ext uri="{FF2B5EF4-FFF2-40B4-BE49-F238E27FC236}">
+                <a16:creationId xmlns:a16="http://schemas.microsoft.com/office/drawing/2014/main" id="{903137D6-B030-4C26-82A3-316BC4A0F8D8}"/>
+              </a:ext>
+            </a:extLst>
+          </p:cNvPr>
+          <p:cNvPicPr>
+            <a:picLocks noChangeAspect="1"/>
+          </p:cNvPicPr>
+          <p:nvPr/>
+        </p:nvPicPr>
+        <p:blipFill>
+          <a:blip r:embed="rId2">
+            <a:extLst>
+              <a:ext uri="{28A0092B-C50C-407E-A947-70E740481C1C}">
+                <a14:useLocalDpi xmlns:a14="http://schemas.microsoft.com/office/drawing/2010/main" val="0"/>
+              </a:ext>
+            </a:extLst>
+          </a:blip>
+          <a:stretch>
+            <a:fillRect/>
+          </a:stretch>
+        </p:blipFill>
+        <p:spPr>
+          <a:xfrm>
+            <a:off x="1131013" y="3429000"/>
+            <a:ext cx="10076941" cy="2564327"/>
+          </a:xfrm>
+          <a:prstGeom prst="rect">
+            <a:avLst/>
+          </a:prstGeom>
+        </p:spPr>
+      </p:pic>
+    </p:spTree>
+    <p:extLst>
+      <p:ext uri="{BB962C8B-B14F-4D97-AF65-F5344CB8AC3E}">
+        <p14:creationId xmlns:p14="http://schemas.microsoft.com/office/powerpoint/2010/main" val="4189673360"/>
       </p:ext>
     </p:extLst>
   </p:cSld>

--- a/答辩.pptx
+++ b/答辩.pptx
@@ -19,12 +19,13 @@
     <p:sldId id="267" r:id="rId13"/>
     <p:sldId id="268" r:id="rId14"/>
     <p:sldId id="269" r:id="rId15"/>
-    <p:sldId id="272" r:id="rId16"/>
-    <p:sldId id="270" r:id="rId17"/>
-    <p:sldId id="271" r:id="rId18"/>
-    <p:sldId id="275" r:id="rId19"/>
-    <p:sldId id="273" r:id="rId20"/>
-    <p:sldId id="274" r:id="rId21"/>
+    <p:sldId id="276" r:id="rId16"/>
+    <p:sldId id="272" r:id="rId17"/>
+    <p:sldId id="270" r:id="rId18"/>
+    <p:sldId id="271" r:id="rId19"/>
+    <p:sldId id="275" r:id="rId20"/>
+    <p:sldId id="273" r:id="rId21"/>
+    <p:sldId id="274" r:id="rId22"/>
   </p:sldIdLst>
   <p:sldSz cx="12192000" cy="6858000"/>
   <p:notesSz cx="6858000" cy="9144000"/>
@@ -4405,6 +4406,97 @@
           <p:cNvPr id="2" name="标题 1">
             <a:extLst>
               <a:ext uri="{FF2B5EF4-FFF2-40B4-BE49-F238E27FC236}">
+                <a16:creationId xmlns:a16="http://schemas.microsoft.com/office/drawing/2014/main" id="{D76492D6-683D-4341-A17C-EC879DDD35AF}"/>
+              </a:ext>
+            </a:extLst>
+          </p:cNvPr>
+          <p:cNvSpPr>
+            <a:spLocks noGrp="1"/>
+          </p:cNvSpPr>
+          <p:nvPr>
+            <p:ph type="title"/>
+          </p:nvPr>
+        </p:nvSpPr>
+        <p:spPr/>
+        <p:txBody>
+          <a:bodyPr/>
+          <a:lstStyle/>
+          <a:p>
+            <a:r>
+              <a:rPr lang="zh-CN" altLang="en-US" dirty="0"/>
+              <a:t>第</a:t>
+            </a:r>
+            <a:r>
+              <a:rPr lang="en-US" altLang="zh-CN" dirty="0"/>
+              <a:t>8</a:t>
+            </a:r>
+            <a:r>
+              <a:rPr lang="zh-CN" altLang="en-US" dirty="0"/>
+              <a:t>页，和喜洋商量</a:t>
+            </a:r>
+          </a:p>
+        </p:txBody>
+      </p:sp>
+      <p:sp>
+        <p:nvSpPr>
+          <p:cNvPr id="3" name="内容占位符 2">
+            <a:extLst>
+              <a:ext uri="{FF2B5EF4-FFF2-40B4-BE49-F238E27FC236}">
+                <a16:creationId xmlns:a16="http://schemas.microsoft.com/office/drawing/2014/main" id="{D1003B9B-68D2-4839-8A93-3C9465ABF1D7}"/>
+              </a:ext>
+            </a:extLst>
+          </p:cNvPr>
+          <p:cNvSpPr>
+            <a:spLocks noGrp="1"/>
+          </p:cNvSpPr>
+          <p:nvPr>
+            <p:ph idx="1"/>
+          </p:nvPr>
+        </p:nvSpPr>
+        <p:spPr/>
+        <p:txBody>
+          <a:bodyPr/>
+          <a:lstStyle/>
+          <a:p>
+            <a:endParaRPr lang="zh-CN" altLang="en-US"/>
+          </a:p>
+        </p:txBody>
+      </p:sp>
+    </p:spTree>
+    <p:extLst>
+      <p:ext uri="{BB962C8B-B14F-4D97-AF65-F5344CB8AC3E}">
+        <p14:creationId xmlns:p14="http://schemas.microsoft.com/office/powerpoint/2010/main" val="2222279472"/>
+      </p:ext>
+    </p:extLst>
+  </p:cSld>
+  <p:clrMapOvr>
+    <a:masterClrMapping/>
+  </p:clrMapOvr>
+</p:sld>
+</file>
+
+<file path=ppt/slides/slide16.xml><?xml version="1.0" encoding="utf-8"?>
+<p:sld xmlns:a="http://schemas.openxmlformats.org/drawingml/2006/main" xmlns:r="http://schemas.openxmlformats.org/officeDocument/2006/relationships" xmlns:p="http://schemas.openxmlformats.org/presentationml/2006/main">
+  <p:cSld>
+    <p:spTree>
+      <p:nvGrpSpPr>
+        <p:cNvPr id="1" name=""/>
+        <p:cNvGrpSpPr/>
+        <p:nvPr/>
+      </p:nvGrpSpPr>
+      <p:grpSpPr>
+        <a:xfrm>
+          <a:off x="0" y="0"/>
+          <a:ext cx="0" cy="0"/>
+          <a:chOff x="0" y="0"/>
+          <a:chExt cx="0" cy="0"/>
+        </a:xfrm>
+      </p:grpSpPr>
+      <p:sp>
+        <p:nvSpPr>
+          <p:cNvPr id="2" name="标题 1">
+            <a:extLst>
+              <a:ext uri="{FF2B5EF4-FFF2-40B4-BE49-F238E27FC236}">
                 <a16:creationId xmlns:a16="http://schemas.microsoft.com/office/drawing/2014/main" id="{6271AB6D-299E-4833-802C-484D9A02E3D5}"/>
               </a:ext>
             </a:extLst>
@@ -4711,7 +4803,7 @@
 </p:sld>
 </file>
 
-<file path=ppt/slides/slide16.xml><?xml version="1.0" encoding="utf-8"?>
+<file path=ppt/slides/slide17.xml><?xml version="1.0" encoding="utf-8"?>
 <p:sld xmlns:a="http://schemas.openxmlformats.org/drawingml/2006/main" xmlns:r="http://schemas.openxmlformats.org/officeDocument/2006/relationships" xmlns:p="http://schemas.openxmlformats.org/presentationml/2006/main">
   <p:cSld>
     <p:spTree>
@@ -4945,7 +5037,7 @@
 </p:sld>
 </file>
 
-<file path=ppt/slides/slide17.xml><?xml version="1.0" encoding="utf-8"?>
+<file path=ppt/slides/slide18.xml><?xml version="1.0" encoding="utf-8"?>
 <p:sld xmlns:a="http://schemas.openxmlformats.org/drawingml/2006/main" xmlns:r="http://schemas.openxmlformats.org/officeDocument/2006/relationships" xmlns:p="http://schemas.openxmlformats.org/presentationml/2006/main">
   <p:cSld>
     <p:spTree>
@@ -5105,7 +5197,7 @@
 </p:sld>
 </file>
 
-<file path=ppt/slides/slide18.xml><?xml version="1.0" encoding="utf-8"?>
+<file path=ppt/slides/slide19.xml><?xml version="1.0" encoding="utf-8"?>
 <p:sld xmlns:a="http://schemas.openxmlformats.org/drawingml/2006/main" xmlns:r="http://schemas.openxmlformats.org/officeDocument/2006/relationships" xmlns:p="http://schemas.openxmlformats.org/presentationml/2006/main">
   <p:cSld>
     <p:spTree>
@@ -7303,7 +7395,96 @@
 </p:sld>
 </file>
 
-<file path=ppt/slides/slide19.xml><?xml version="1.0" encoding="utf-8"?>
+<file path=ppt/slides/slide2.xml><?xml version="1.0" encoding="utf-8"?>
+<p:sld xmlns:a="http://schemas.openxmlformats.org/drawingml/2006/main" xmlns:r="http://schemas.openxmlformats.org/officeDocument/2006/relationships" xmlns:p="http://schemas.openxmlformats.org/presentationml/2006/main">
+  <p:cSld>
+    <p:spTree>
+      <p:nvGrpSpPr>
+        <p:cNvPr id="1" name=""/>
+        <p:cNvGrpSpPr/>
+        <p:nvPr/>
+      </p:nvGrpSpPr>
+      <p:grpSpPr>
+        <a:xfrm>
+          <a:off x="0" y="0"/>
+          <a:ext cx="0" cy="0"/>
+          <a:chOff x="0" y="0"/>
+          <a:chExt cx="0" cy="0"/>
+        </a:xfrm>
+      </p:grpSpPr>
+      <p:sp>
+        <p:nvSpPr>
+          <p:cNvPr id="2" name="标题 1">
+            <a:extLst>
+              <a:ext uri="{FF2B5EF4-FFF2-40B4-BE49-F238E27FC236}">
+                <a16:creationId xmlns:a16="http://schemas.microsoft.com/office/drawing/2014/main" id="{1DF020D8-B344-48E9-BD2D-88A17D91ACD7}"/>
+              </a:ext>
+            </a:extLst>
+          </p:cNvPr>
+          <p:cNvSpPr>
+            <a:spLocks noGrp="1"/>
+          </p:cNvSpPr>
+          <p:nvPr>
+            <p:ph type="title"/>
+          </p:nvPr>
+        </p:nvSpPr>
+        <p:spPr/>
+        <p:txBody>
+          <a:bodyPr/>
+          <a:lstStyle/>
+          <a:p>
+            <a:r>
+              <a:rPr lang="zh-CN" altLang="en-US" dirty="0"/>
+              <a:t>自我简介</a:t>
+            </a:r>
+          </a:p>
+        </p:txBody>
+      </p:sp>
+      <p:sp>
+        <p:nvSpPr>
+          <p:cNvPr id="3" name="内容占位符 2">
+            <a:extLst>
+              <a:ext uri="{FF2B5EF4-FFF2-40B4-BE49-F238E27FC236}">
+                <a16:creationId xmlns:a16="http://schemas.microsoft.com/office/drawing/2014/main" id="{57CDFFD9-AC1C-4998-9051-5981754081A0}"/>
+              </a:ext>
+            </a:extLst>
+          </p:cNvPr>
+          <p:cNvSpPr>
+            <a:spLocks noGrp="1"/>
+          </p:cNvSpPr>
+          <p:nvPr>
+            <p:ph idx="1"/>
+          </p:nvPr>
+        </p:nvSpPr>
+        <p:spPr/>
+        <p:txBody>
+          <a:bodyPr/>
+          <a:lstStyle/>
+          <a:p>
+            <a:pPr marL="0" indent="0">
+              <a:buNone/>
+            </a:pPr>
+            <a:endParaRPr lang="en-US" altLang="zh-CN" dirty="0"/>
+          </a:p>
+          <a:p>
+            <a:endParaRPr lang="zh-CN" altLang="en-US" dirty="0"/>
+          </a:p>
+        </p:txBody>
+      </p:sp>
+    </p:spTree>
+    <p:extLst>
+      <p:ext uri="{BB962C8B-B14F-4D97-AF65-F5344CB8AC3E}">
+        <p14:creationId xmlns:p14="http://schemas.microsoft.com/office/powerpoint/2010/main" val="3791743934"/>
+      </p:ext>
+    </p:extLst>
+  </p:cSld>
+  <p:clrMapOvr>
+    <a:masterClrMapping/>
+  </p:clrMapOvr>
+</p:sld>
+</file>
+
+<file path=ppt/slides/slide20.xml><?xml version="1.0" encoding="utf-8"?>
 <p:sld xmlns:a="http://schemas.openxmlformats.org/drawingml/2006/main" xmlns:r="http://schemas.openxmlformats.org/officeDocument/2006/relationships" xmlns:p="http://schemas.openxmlformats.org/presentationml/2006/main">
   <p:cSld>
     <p:spTree>
@@ -8970,96 +9151,7 @@
 </p:sld>
 </file>
 
-<file path=ppt/slides/slide2.xml><?xml version="1.0" encoding="utf-8"?>
-<p:sld xmlns:a="http://schemas.openxmlformats.org/drawingml/2006/main" xmlns:r="http://schemas.openxmlformats.org/officeDocument/2006/relationships" xmlns:p="http://schemas.openxmlformats.org/presentationml/2006/main">
-  <p:cSld>
-    <p:spTree>
-      <p:nvGrpSpPr>
-        <p:cNvPr id="1" name=""/>
-        <p:cNvGrpSpPr/>
-        <p:nvPr/>
-      </p:nvGrpSpPr>
-      <p:grpSpPr>
-        <a:xfrm>
-          <a:off x="0" y="0"/>
-          <a:ext cx="0" cy="0"/>
-          <a:chOff x="0" y="0"/>
-          <a:chExt cx="0" cy="0"/>
-        </a:xfrm>
-      </p:grpSpPr>
-      <p:sp>
-        <p:nvSpPr>
-          <p:cNvPr id="2" name="标题 1">
-            <a:extLst>
-              <a:ext uri="{FF2B5EF4-FFF2-40B4-BE49-F238E27FC236}">
-                <a16:creationId xmlns:a16="http://schemas.microsoft.com/office/drawing/2014/main" id="{1DF020D8-B344-48E9-BD2D-88A17D91ACD7}"/>
-              </a:ext>
-            </a:extLst>
-          </p:cNvPr>
-          <p:cNvSpPr>
-            <a:spLocks noGrp="1"/>
-          </p:cNvSpPr>
-          <p:nvPr>
-            <p:ph type="title"/>
-          </p:nvPr>
-        </p:nvSpPr>
-        <p:spPr/>
-        <p:txBody>
-          <a:bodyPr/>
-          <a:lstStyle/>
-          <a:p>
-            <a:r>
-              <a:rPr lang="zh-CN" altLang="en-US" dirty="0"/>
-              <a:t>自我简介</a:t>
-            </a:r>
-          </a:p>
-        </p:txBody>
-      </p:sp>
-      <p:sp>
-        <p:nvSpPr>
-          <p:cNvPr id="3" name="内容占位符 2">
-            <a:extLst>
-              <a:ext uri="{FF2B5EF4-FFF2-40B4-BE49-F238E27FC236}">
-                <a16:creationId xmlns:a16="http://schemas.microsoft.com/office/drawing/2014/main" id="{57CDFFD9-AC1C-4998-9051-5981754081A0}"/>
-              </a:ext>
-            </a:extLst>
-          </p:cNvPr>
-          <p:cNvSpPr>
-            <a:spLocks noGrp="1"/>
-          </p:cNvSpPr>
-          <p:nvPr>
-            <p:ph idx="1"/>
-          </p:nvPr>
-        </p:nvSpPr>
-        <p:spPr/>
-        <p:txBody>
-          <a:bodyPr/>
-          <a:lstStyle/>
-          <a:p>
-            <a:pPr marL="0" indent="0">
-              <a:buNone/>
-            </a:pPr>
-            <a:endParaRPr lang="en-US" altLang="zh-CN" dirty="0"/>
-          </a:p>
-          <a:p>
-            <a:endParaRPr lang="zh-CN" altLang="en-US" dirty="0"/>
-          </a:p>
-        </p:txBody>
-      </p:sp>
-    </p:spTree>
-    <p:extLst>
-      <p:ext uri="{BB962C8B-B14F-4D97-AF65-F5344CB8AC3E}">
-        <p14:creationId xmlns:p14="http://schemas.microsoft.com/office/powerpoint/2010/main" val="3791743934"/>
-      </p:ext>
-    </p:extLst>
-  </p:cSld>
-  <p:clrMapOvr>
-    <a:masterClrMapping/>
-  </p:clrMapOvr>
-</p:sld>
-</file>
-
-<file path=ppt/slides/slide20.xml><?xml version="1.0" encoding="utf-8"?>
+<file path=ppt/slides/slide21.xml><?xml version="1.0" encoding="utf-8"?>
 <p:sld xmlns:a="http://schemas.openxmlformats.org/drawingml/2006/main" xmlns:r="http://schemas.openxmlformats.org/officeDocument/2006/relationships" xmlns:p="http://schemas.openxmlformats.org/presentationml/2006/main">
   <p:cSld>
     <p:spTree>
